--- a/Presentation/GeneticVariantClassificationPres.pptx
+++ b/Presentation/GeneticVariantClassificationPres.pptx
@@ -4,14 +4,29 @@
   <p:sldMasterIdLst>
     <p:sldMasterId id="2147483648" r:id="rId1"/>
   </p:sldMasterIdLst>
+  <p:notesMasterIdLst>
+    <p:notesMasterId r:id="rId21"/>
+  </p:notesMasterIdLst>
   <p:sldIdLst>
     <p:sldId id="256" r:id="rId2"/>
-    <p:sldId id="257" r:id="rId3"/>
+    <p:sldId id="268" r:id="rId3"/>
     <p:sldId id="258" r:id="rId4"/>
-    <p:sldId id="259" r:id="rId5"/>
-    <p:sldId id="260" r:id="rId6"/>
-    <p:sldId id="261" r:id="rId7"/>
-    <p:sldId id="262" r:id="rId8"/>
+    <p:sldId id="262" r:id="rId5"/>
+    <p:sldId id="259" r:id="rId6"/>
+    <p:sldId id="260" r:id="rId7"/>
+    <p:sldId id="277" r:id="rId8"/>
+    <p:sldId id="261" r:id="rId9"/>
+    <p:sldId id="279" r:id="rId10"/>
+    <p:sldId id="278" r:id="rId11"/>
+    <p:sldId id="265" r:id="rId12"/>
+    <p:sldId id="266" r:id="rId13"/>
+    <p:sldId id="276" r:id="rId14"/>
+    <p:sldId id="269" r:id="rId15"/>
+    <p:sldId id="270" r:id="rId16"/>
+    <p:sldId id="271" r:id="rId17"/>
+    <p:sldId id="272" r:id="rId18"/>
+    <p:sldId id="280" r:id="rId19"/>
+    <p:sldId id="273" r:id="rId20"/>
   </p:sldIdLst>
   <p:sldSz cx="12192000" cy="6858000"/>
   <p:notesSz cx="6858000" cy="9144000"/>
@@ -113,6 +128,355 @@
 </p:presentation>
 </file>
 
+<file path=ppt/notesMasters/notesMaster1.xml><?xml version="1.0" encoding="utf-8"?>
+<p:notesMaster xmlns:a="http://schemas.openxmlformats.org/drawingml/2006/main" xmlns:r="http://schemas.openxmlformats.org/officeDocument/2006/relationships" xmlns:p="http://schemas.openxmlformats.org/presentationml/2006/main">
+  <p:cSld>
+    <p:bg>
+      <p:bgRef idx="1001">
+        <a:schemeClr val="bg1"/>
+      </p:bgRef>
+    </p:bg>
+    <p:spTree>
+      <p:nvGrpSpPr>
+        <p:cNvPr id="1" name=""/>
+        <p:cNvGrpSpPr/>
+        <p:nvPr/>
+      </p:nvGrpSpPr>
+      <p:grpSpPr>
+        <a:xfrm>
+          <a:off x="0" y="0"/>
+          <a:ext cx="0" cy="0"/>
+          <a:chOff x="0" y="0"/>
+          <a:chExt cx="0" cy="0"/>
+        </a:xfrm>
+      </p:grpSpPr>
+      <p:sp>
+        <p:nvSpPr>
+          <p:cNvPr id="2" name="Header Placeholder 1"/>
+          <p:cNvSpPr>
+            <a:spLocks noGrp="1"/>
+          </p:cNvSpPr>
+          <p:nvPr>
+            <p:ph type="hdr" sz="quarter"/>
+          </p:nvPr>
+        </p:nvSpPr>
+        <p:spPr>
+          <a:xfrm>
+            <a:off x="0" y="0"/>
+            <a:ext cx="2971800" cy="458788"/>
+          </a:xfrm>
+          <a:prstGeom prst="rect">
+            <a:avLst/>
+          </a:prstGeom>
+        </p:spPr>
+        <p:txBody>
+          <a:bodyPr vert="horz" lIns="91440" tIns="45720" rIns="91440" bIns="45720" rtlCol="0"/>
+          <a:lstStyle>
+            <a:lvl1pPr algn="l">
+              <a:defRPr sz="1200"/>
+            </a:lvl1pPr>
+          </a:lstStyle>
+          <a:p>
+            <a:endParaRPr lang="en-US"/>
+          </a:p>
+        </p:txBody>
+      </p:sp>
+      <p:sp>
+        <p:nvSpPr>
+          <p:cNvPr id="3" name="Date Placeholder 2"/>
+          <p:cNvSpPr>
+            <a:spLocks noGrp="1"/>
+          </p:cNvSpPr>
+          <p:nvPr>
+            <p:ph type="dt" idx="1"/>
+          </p:nvPr>
+        </p:nvSpPr>
+        <p:spPr>
+          <a:xfrm>
+            <a:off x="3884613" y="0"/>
+            <a:ext cx="2971800" cy="458788"/>
+          </a:xfrm>
+          <a:prstGeom prst="rect">
+            <a:avLst/>
+          </a:prstGeom>
+        </p:spPr>
+        <p:txBody>
+          <a:bodyPr vert="horz" lIns="91440" tIns="45720" rIns="91440" bIns="45720" rtlCol="0"/>
+          <a:lstStyle>
+            <a:lvl1pPr algn="r">
+              <a:defRPr sz="1200"/>
+            </a:lvl1pPr>
+          </a:lstStyle>
+          <a:p>
+            <a:fld id="{946B7490-8703-C845-BDD4-38E703A8C1AE}" type="datetimeFigureOut">
+              <a:rPr lang="en-US" smtClean="0"/>
+              <a:t>2/9/21</a:t>
+            </a:fld>
+            <a:endParaRPr lang="en-US"/>
+          </a:p>
+        </p:txBody>
+      </p:sp>
+      <p:sp>
+        <p:nvSpPr>
+          <p:cNvPr id="4" name="Slide Image Placeholder 3"/>
+          <p:cNvSpPr>
+            <a:spLocks noGrp="1" noRot="1" noChangeAspect="1"/>
+          </p:cNvSpPr>
+          <p:nvPr>
+            <p:ph type="sldImg" idx="2"/>
+          </p:nvPr>
+        </p:nvSpPr>
+        <p:spPr>
+          <a:xfrm>
+            <a:off x="685800" y="1143000"/>
+            <a:ext cx="5486400" cy="3086100"/>
+          </a:xfrm>
+          <a:prstGeom prst="rect">
+            <a:avLst/>
+          </a:prstGeom>
+          <a:noFill/>
+          <a:ln w="12700">
+            <a:solidFill>
+              <a:prstClr val="black"/>
+            </a:solidFill>
+          </a:ln>
+        </p:spPr>
+        <p:txBody>
+          <a:bodyPr vert="horz" lIns="91440" tIns="45720" rIns="91440" bIns="45720" rtlCol="0" anchor="ctr"/>
+          <a:lstStyle/>
+          <a:p>
+            <a:endParaRPr lang="en-US"/>
+          </a:p>
+        </p:txBody>
+      </p:sp>
+      <p:sp>
+        <p:nvSpPr>
+          <p:cNvPr id="5" name="Notes Placeholder 4"/>
+          <p:cNvSpPr>
+            <a:spLocks noGrp="1"/>
+          </p:cNvSpPr>
+          <p:nvPr>
+            <p:ph type="body" sz="quarter" idx="3"/>
+          </p:nvPr>
+        </p:nvSpPr>
+        <p:spPr>
+          <a:xfrm>
+            <a:off x="685800" y="4400550"/>
+            <a:ext cx="5486400" cy="3600450"/>
+          </a:xfrm>
+          <a:prstGeom prst="rect">
+            <a:avLst/>
+          </a:prstGeom>
+        </p:spPr>
+        <p:txBody>
+          <a:bodyPr vert="horz" lIns="91440" tIns="45720" rIns="91440" bIns="45720" rtlCol="0"/>
+          <a:lstStyle/>
+          <a:p>
+            <a:pPr lvl="0"/>
+            <a:r>
+              <a:rPr lang="en-US"/>
+              <a:t>Edit Master text styles</a:t>
+            </a:r>
+          </a:p>
+          <a:p>
+            <a:pPr lvl="1"/>
+            <a:r>
+              <a:rPr lang="en-US"/>
+              <a:t>Second level</a:t>
+            </a:r>
+          </a:p>
+          <a:p>
+            <a:pPr lvl="2"/>
+            <a:r>
+              <a:rPr lang="en-US"/>
+              <a:t>Third level</a:t>
+            </a:r>
+          </a:p>
+          <a:p>
+            <a:pPr lvl="3"/>
+            <a:r>
+              <a:rPr lang="en-US"/>
+              <a:t>Fourth level</a:t>
+            </a:r>
+          </a:p>
+          <a:p>
+            <a:pPr lvl="4"/>
+            <a:r>
+              <a:rPr lang="en-US"/>
+              <a:t>Fifth level</a:t>
+            </a:r>
+          </a:p>
+        </p:txBody>
+      </p:sp>
+      <p:sp>
+        <p:nvSpPr>
+          <p:cNvPr id="6" name="Footer Placeholder 5"/>
+          <p:cNvSpPr>
+            <a:spLocks noGrp="1"/>
+          </p:cNvSpPr>
+          <p:nvPr>
+            <p:ph type="ftr" sz="quarter" idx="4"/>
+          </p:nvPr>
+        </p:nvSpPr>
+        <p:spPr>
+          <a:xfrm>
+            <a:off x="0" y="8685213"/>
+            <a:ext cx="2971800" cy="458787"/>
+          </a:xfrm>
+          <a:prstGeom prst="rect">
+            <a:avLst/>
+          </a:prstGeom>
+        </p:spPr>
+        <p:txBody>
+          <a:bodyPr vert="horz" lIns="91440" tIns="45720" rIns="91440" bIns="45720" rtlCol="0" anchor="b"/>
+          <a:lstStyle>
+            <a:lvl1pPr algn="l">
+              <a:defRPr sz="1200"/>
+            </a:lvl1pPr>
+          </a:lstStyle>
+          <a:p>
+            <a:endParaRPr lang="en-US"/>
+          </a:p>
+        </p:txBody>
+      </p:sp>
+      <p:sp>
+        <p:nvSpPr>
+          <p:cNvPr id="7" name="Slide Number Placeholder 6"/>
+          <p:cNvSpPr>
+            <a:spLocks noGrp="1"/>
+          </p:cNvSpPr>
+          <p:nvPr>
+            <p:ph type="sldNum" sz="quarter" idx="5"/>
+          </p:nvPr>
+        </p:nvSpPr>
+        <p:spPr>
+          <a:xfrm>
+            <a:off x="3884613" y="8685213"/>
+            <a:ext cx="2971800" cy="458787"/>
+          </a:xfrm>
+          <a:prstGeom prst="rect">
+            <a:avLst/>
+          </a:prstGeom>
+        </p:spPr>
+        <p:txBody>
+          <a:bodyPr vert="horz" lIns="91440" tIns="45720" rIns="91440" bIns="45720" rtlCol="0" anchor="b"/>
+          <a:lstStyle>
+            <a:lvl1pPr algn="r">
+              <a:defRPr sz="1200"/>
+            </a:lvl1pPr>
+          </a:lstStyle>
+          <a:p>
+            <a:fld id="{B10EED26-0A95-854B-A158-862ABF816C7C}" type="slidenum">
+              <a:rPr lang="en-US" smtClean="0"/>
+              <a:t>‹#›</a:t>
+            </a:fld>
+            <a:endParaRPr lang="en-US"/>
+          </a:p>
+        </p:txBody>
+      </p:sp>
+    </p:spTree>
+    <p:extLst>
+      <p:ext uri="{BB962C8B-B14F-4D97-AF65-F5344CB8AC3E}">
+        <p14:creationId xmlns:p14="http://schemas.microsoft.com/office/powerpoint/2010/main" val="2674340731"/>
+      </p:ext>
+    </p:extLst>
+  </p:cSld>
+  <p:clrMap bg1="lt1" tx1="dk1" bg2="lt2" tx2="dk2" accent1="accent1" accent2="accent2" accent3="accent3" accent4="accent4" accent5="accent5" accent6="accent6" hlink="hlink" folHlink="folHlink"/>
+  <p:notesStyle>
+    <a:lvl1pPr marL="0" algn="l" defTabSz="914400" rtl="0" eaLnBrk="1" latinLnBrk="0" hangingPunct="1">
+      <a:defRPr sz="1200" kern="1200">
+        <a:solidFill>
+          <a:schemeClr val="tx1"/>
+        </a:solidFill>
+        <a:latin typeface="+mn-lt"/>
+        <a:ea typeface="+mn-ea"/>
+        <a:cs typeface="+mn-cs"/>
+      </a:defRPr>
+    </a:lvl1pPr>
+    <a:lvl2pPr marL="457200" algn="l" defTabSz="914400" rtl="0" eaLnBrk="1" latinLnBrk="0" hangingPunct="1">
+      <a:defRPr sz="1200" kern="1200">
+        <a:solidFill>
+          <a:schemeClr val="tx1"/>
+        </a:solidFill>
+        <a:latin typeface="+mn-lt"/>
+        <a:ea typeface="+mn-ea"/>
+        <a:cs typeface="+mn-cs"/>
+      </a:defRPr>
+    </a:lvl2pPr>
+    <a:lvl3pPr marL="914400" algn="l" defTabSz="914400" rtl="0" eaLnBrk="1" latinLnBrk="0" hangingPunct="1">
+      <a:defRPr sz="1200" kern="1200">
+        <a:solidFill>
+          <a:schemeClr val="tx1"/>
+        </a:solidFill>
+        <a:latin typeface="+mn-lt"/>
+        <a:ea typeface="+mn-ea"/>
+        <a:cs typeface="+mn-cs"/>
+      </a:defRPr>
+    </a:lvl3pPr>
+    <a:lvl4pPr marL="1371600" algn="l" defTabSz="914400" rtl="0" eaLnBrk="1" latinLnBrk="0" hangingPunct="1">
+      <a:defRPr sz="1200" kern="1200">
+        <a:solidFill>
+          <a:schemeClr val="tx1"/>
+        </a:solidFill>
+        <a:latin typeface="+mn-lt"/>
+        <a:ea typeface="+mn-ea"/>
+        <a:cs typeface="+mn-cs"/>
+      </a:defRPr>
+    </a:lvl4pPr>
+    <a:lvl5pPr marL="1828800" algn="l" defTabSz="914400" rtl="0" eaLnBrk="1" latinLnBrk="0" hangingPunct="1">
+      <a:defRPr sz="1200" kern="1200">
+        <a:solidFill>
+          <a:schemeClr val="tx1"/>
+        </a:solidFill>
+        <a:latin typeface="+mn-lt"/>
+        <a:ea typeface="+mn-ea"/>
+        <a:cs typeface="+mn-cs"/>
+      </a:defRPr>
+    </a:lvl5pPr>
+    <a:lvl6pPr marL="2286000" algn="l" defTabSz="914400" rtl="0" eaLnBrk="1" latinLnBrk="0" hangingPunct="1">
+      <a:defRPr sz="1200" kern="1200">
+        <a:solidFill>
+          <a:schemeClr val="tx1"/>
+        </a:solidFill>
+        <a:latin typeface="+mn-lt"/>
+        <a:ea typeface="+mn-ea"/>
+        <a:cs typeface="+mn-cs"/>
+      </a:defRPr>
+    </a:lvl6pPr>
+    <a:lvl7pPr marL="2743200" algn="l" defTabSz="914400" rtl="0" eaLnBrk="1" latinLnBrk="0" hangingPunct="1">
+      <a:defRPr sz="1200" kern="1200">
+        <a:solidFill>
+          <a:schemeClr val="tx1"/>
+        </a:solidFill>
+        <a:latin typeface="+mn-lt"/>
+        <a:ea typeface="+mn-ea"/>
+        <a:cs typeface="+mn-cs"/>
+      </a:defRPr>
+    </a:lvl7pPr>
+    <a:lvl8pPr marL="3200400" algn="l" defTabSz="914400" rtl="0" eaLnBrk="1" latinLnBrk="0" hangingPunct="1">
+      <a:defRPr sz="1200" kern="1200">
+        <a:solidFill>
+          <a:schemeClr val="tx1"/>
+        </a:solidFill>
+        <a:latin typeface="+mn-lt"/>
+        <a:ea typeface="+mn-ea"/>
+        <a:cs typeface="+mn-cs"/>
+      </a:defRPr>
+    </a:lvl8pPr>
+    <a:lvl9pPr marL="3657600" algn="l" defTabSz="914400" rtl="0" eaLnBrk="1" latinLnBrk="0" hangingPunct="1">
+      <a:defRPr sz="1200" kern="1200">
+        <a:solidFill>
+          <a:schemeClr val="tx1"/>
+        </a:solidFill>
+        <a:latin typeface="+mn-lt"/>
+        <a:ea typeface="+mn-ea"/>
+        <a:cs typeface="+mn-cs"/>
+      </a:defRPr>
+    </a:lvl9pPr>
+  </p:notesStyle>
+</p:notesMaster>
+</file>
+
 <file path=ppt/slideLayouts/slideLayout1.xml><?xml version="1.0" encoding="utf-8"?>
 <p:sldLayout xmlns:a="http://schemas.openxmlformats.org/drawingml/2006/main" xmlns:r="http://schemas.openxmlformats.org/officeDocument/2006/relationships" xmlns:p="http://schemas.openxmlformats.org/presentationml/2006/main" type="title" preserve="1">
   <p:cSld name="Title Slide">
@@ -258,7 +622,7 @@
           <a:bodyPr/>
           <a:lstStyle/>
           <a:p>
-            <a:fld id="{2C58BB0A-8FFD-2C47-AEBB-7D173ACF5637}" type="datetimeFigureOut">
+            <a:fld id="{171BB9B0-F82A-2243-88AE-787960DA6821}" type="datetime1">
               <a:rPr lang="en-US" smtClean="0"/>
               <a:t>2/9/21</a:t>
             </a:fld>
@@ -456,7 +820,7 @@
           <a:bodyPr/>
           <a:lstStyle/>
           <a:p>
-            <a:fld id="{2C58BB0A-8FFD-2C47-AEBB-7D173ACF5637}" type="datetimeFigureOut">
+            <a:fld id="{E8261158-0D01-BC49-A56B-78203063E3B3}" type="datetime1">
               <a:rPr lang="en-US" smtClean="0"/>
               <a:t>2/9/21</a:t>
             </a:fld>
@@ -664,7 +1028,7 @@
           <a:bodyPr/>
           <a:lstStyle/>
           <a:p>
-            <a:fld id="{2C58BB0A-8FFD-2C47-AEBB-7D173ACF5637}" type="datetimeFigureOut">
+            <a:fld id="{8EB06E0F-14AB-DD4B-A3C8-6E6E5277767F}" type="datetime1">
               <a:rPr lang="en-US" smtClean="0"/>
               <a:t>2/9/21</a:t>
             </a:fld>
@@ -862,7 +1226,7 @@
           <a:bodyPr/>
           <a:lstStyle/>
           <a:p>
-            <a:fld id="{2C58BB0A-8FFD-2C47-AEBB-7D173ACF5637}" type="datetimeFigureOut">
+            <a:fld id="{1A693E08-72B4-8249-923C-AB3D4501F158}" type="datetime1">
               <a:rPr lang="en-US" smtClean="0"/>
               <a:t>2/9/21</a:t>
             </a:fld>
@@ -1137,7 +1501,7 @@
           <a:bodyPr/>
           <a:lstStyle/>
           <a:p>
-            <a:fld id="{2C58BB0A-8FFD-2C47-AEBB-7D173ACF5637}" type="datetimeFigureOut">
+            <a:fld id="{BF864CCB-6C82-314B-B9FD-7136C953C574}" type="datetime1">
               <a:rPr lang="en-US" smtClean="0"/>
               <a:t>2/9/21</a:t>
             </a:fld>
@@ -1402,7 +1766,7 @@
           <a:bodyPr/>
           <a:lstStyle/>
           <a:p>
-            <a:fld id="{2C58BB0A-8FFD-2C47-AEBB-7D173ACF5637}" type="datetimeFigureOut">
+            <a:fld id="{84EE306F-D348-AD47-A6EB-3578705FABAC}" type="datetime1">
               <a:rPr lang="en-US" smtClean="0"/>
               <a:t>2/9/21</a:t>
             </a:fld>
@@ -1814,7 +2178,7 @@
           <a:bodyPr/>
           <a:lstStyle/>
           <a:p>
-            <a:fld id="{2C58BB0A-8FFD-2C47-AEBB-7D173ACF5637}" type="datetimeFigureOut">
+            <a:fld id="{59496B77-BF97-B241-A55B-F6283F63F9C1}" type="datetime1">
               <a:rPr lang="en-US" smtClean="0"/>
               <a:t>2/9/21</a:t>
             </a:fld>
@@ -1955,7 +2319,7 @@
           <a:bodyPr/>
           <a:lstStyle/>
           <a:p>
-            <a:fld id="{2C58BB0A-8FFD-2C47-AEBB-7D173ACF5637}" type="datetimeFigureOut">
+            <a:fld id="{3EB2B6A2-E616-6C4F-B68D-DEAA75B234C0}" type="datetime1">
               <a:rPr lang="en-US" smtClean="0"/>
               <a:t>2/9/21</a:t>
             </a:fld>
@@ -2068,7 +2432,7 @@
           <a:bodyPr/>
           <a:lstStyle/>
           <a:p>
-            <a:fld id="{2C58BB0A-8FFD-2C47-AEBB-7D173ACF5637}" type="datetimeFigureOut">
+            <a:fld id="{6C8DAA35-447B-0540-8094-B1A40CAD24B0}" type="datetime1">
               <a:rPr lang="en-US" smtClean="0"/>
               <a:t>2/9/21</a:t>
             </a:fld>
@@ -2379,7 +2743,7 @@
           <a:bodyPr/>
           <a:lstStyle/>
           <a:p>
-            <a:fld id="{2C58BB0A-8FFD-2C47-AEBB-7D173ACF5637}" type="datetimeFigureOut">
+            <a:fld id="{8F7686A2-A148-AB48-A2D2-C07A361ABEA0}" type="datetime1">
               <a:rPr lang="en-US" smtClean="0"/>
               <a:t>2/9/21</a:t>
             </a:fld>
@@ -2667,7 +3031,7 @@
           <a:bodyPr/>
           <a:lstStyle/>
           <a:p>
-            <a:fld id="{2C58BB0A-8FFD-2C47-AEBB-7D173ACF5637}" type="datetimeFigureOut">
+            <a:fld id="{EBAA0A6D-83CE-B349-92EE-871EA34FFF37}" type="datetime1">
               <a:rPr lang="en-US" smtClean="0"/>
               <a:t>2/9/21</a:t>
             </a:fld>
@@ -2908,7 +3272,7 @@
             </a:lvl1pPr>
           </a:lstStyle>
           <a:p>
-            <a:fld id="{2C58BB0A-8FFD-2C47-AEBB-7D173ACF5637}" type="datetimeFigureOut">
+            <a:fld id="{C3EF9AC9-BF66-DA43-9268-73AF9B59A9C3}" type="datetime1">
               <a:rPr lang="en-US" smtClean="0"/>
               <a:t>2/9/21</a:t>
             </a:fld>
@@ -2977,7 +3341,7 @@
         </p:nvSpPr>
         <p:spPr>
           <a:xfrm>
-            <a:off x="8610600" y="6356350"/>
+            <a:off x="9448800" y="6524625"/>
             <a:ext cx="2743200" cy="365125"/>
           </a:xfrm>
           <a:prstGeom prst="rect">
@@ -3027,6 +3391,7 @@
     <p:sldLayoutId id="2147483658" r:id="rId10"/>
     <p:sldLayoutId id="2147483659" r:id="rId11"/>
   </p:sldLayoutIdLst>
+  <p:hf hdr="0" ftr="0" dt="0"/>
   <p:txStyles>
     <p:titleStyle>
       <a:lvl1pPr algn="l" defTabSz="914400" rtl="0" eaLnBrk="1" latinLnBrk="0" hangingPunct="1">
@@ -3545,10 +3910,1866 @@
           </a:p>
         </p:txBody>
       </p:sp>
+      <p:sp>
+        <p:nvSpPr>
+          <p:cNvPr id="9" name="Slide Number Placeholder 8">
+            <a:extLst>
+              <a:ext uri="{FF2B5EF4-FFF2-40B4-BE49-F238E27FC236}">
+                <a16:creationId xmlns:a16="http://schemas.microsoft.com/office/drawing/2014/main" id="{23D84D2E-9F0C-3742-87FA-28F52FE0F12C}"/>
+              </a:ext>
+            </a:extLst>
+          </p:cNvPr>
+          <p:cNvSpPr>
+            <a:spLocks noGrp="1"/>
+          </p:cNvSpPr>
+          <p:nvPr>
+            <p:ph type="sldNum" sz="quarter" idx="12"/>
+          </p:nvPr>
+        </p:nvSpPr>
+        <p:spPr/>
+        <p:txBody>
+          <a:bodyPr/>
+          <a:lstStyle/>
+          <a:p>
+            <a:fld id="{052702CF-B793-8841-9D68-A44C3863FEDD}" type="slidenum">
+              <a:rPr lang="en-US" smtClean="0"/>
+              <a:t>1</a:t>
+            </a:fld>
+            <a:endParaRPr lang="en-US"/>
+          </a:p>
+        </p:txBody>
+      </p:sp>
     </p:spTree>
     <p:extLst>
       <p:ext uri="{BB962C8B-B14F-4D97-AF65-F5344CB8AC3E}">
         <p14:creationId xmlns:p14="http://schemas.microsoft.com/office/powerpoint/2010/main" val="3509871514"/>
+      </p:ext>
+    </p:extLst>
+  </p:cSld>
+  <p:clrMapOvr>
+    <a:masterClrMapping/>
+  </p:clrMapOvr>
+</p:sld>
+</file>
+
+<file path=ppt/slides/slide10.xml><?xml version="1.0" encoding="utf-8"?>
+<p:sld xmlns:a="http://schemas.openxmlformats.org/drawingml/2006/main" xmlns:r="http://schemas.openxmlformats.org/officeDocument/2006/relationships" xmlns:p="http://schemas.openxmlformats.org/presentationml/2006/main">
+  <p:cSld>
+    <p:spTree>
+      <p:nvGrpSpPr>
+        <p:cNvPr id="1" name=""/>
+        <p:cNvGrpSpPr/>
+        <p:nvPr/>
+      </p:nvGrpSpPr>
+      <p:grpSpPr>
+        <a:xfrm>
+          <a:off x="0" y="0"/>
+          <a:ext cx="0" cy="0"/>
+          <a:chOff x="0" y="0"/>
+          <a:chExt cx="0" cy="0"/>
+        </a:xfrm>
+      </p:grpSpPr>
+      <p:sp>
+        <p:nvSpPr>
+          <p:cNvPr id="2" name="Title 1">
+            <a:extLst>
+              <a:ext uri="{FF2B5EF4-FFF2-40B4-BE49-F238E27FC236}">
+                <a16:creationId xmlns:a16="http://schemas.microsoft.com/office/drawing/2014/main" id="{5C9C7284-5FF5-0046-98C3-A55C8A0ADD66}"/>
+              </a:ext>
+            </a:extLst>
+          </p:cNvPr>
+          <p:cNvSpPr>
+            <a:spLocks noGrp="1"/>
+          </p:cNvSpPr>
+          <p:nvPr>
+            <p:ph type="title"/>
+          </p:nvPr>
+        </p:nvSpPr>
+        <p:spPr>
+          <a:xfrm>
+            <a:off x="1624180" y="365125"/>
+            <a:ext cx="9729620" cy="1325563"/>
+          </a:xfrm>
+        </p:spPr>
+        <p:txBody>
+          <a:bodyPr/>
+          <a:lstStyle/>
+          <a:p>
+            <a:r>
+              <a:rPr lang="en-US" dirty="0"/>
+              <a:t>End</a:t>
+            </a:r>
+          </a:p>
+        </p:txBody>
+      </p:sp>
+      <p:pic>
+        <p:nvPicPr>
+          <p:cNvPr id="5" name="Content Placeholder 4">
+            <a:extLst>
+              <a:ext uri="{FF2B5EF4-FFF2-40B4-BE49-F238E27FC236}">
+                <a16:creationId xmlns:a16="http://schemas.microsoft.com/office/drawing/2014/main" id="{E5D43D51-8536-5F43-9E28-D141DEEC7590}"/>
+              </a:ext>
+            </a:extLst>
+          </p:cNvPr>
+          <p:cNvPicPr>
+            <a:picLocks noGrp="1" noChangeAspect="1"/>
+          </p:cNvPicPr>
+          <p:nvPr>
+            <p:ph idx="1"/>
+          </p:nvPr>
+        </p:nvPicPr>
+        <p:blipFill>
+          <a:blip r:embed="rId2"/>
+          <a:stretch>
+            <a:fillRect/>
+          </a:stretch>
+        </p:blipFill>
+        <p:spPr>
+          <a:xfrm rot="5400000">
+            <a:off x="-892770" y="-1147763"/>
+            <a:ext cx="682562" cy="4351338"/>
+          </a:xfrm>
+        </p:spPr>
+      </p:pic>
+      <p:pic>
+        <p:nvPicPr>
+          <p:cNvPr id="6" name="Content Placeholder 4">
+            <a:extLst>
+              <a:ext uri="{FF2B5EF4-FFF2-40B4-BE49-F238E27FC236}">
+                <a16:creationId xmlns:a16="http://schemas.microsoft.com/office/drawing/2014/main" id="{D05521D4-37C3-6348-8169-896AF84B6423}"/>
+              </a:ext>
+            </a:extLst>
+          </p:cNvPr>
+          <p:cNvPicPr>
+            <a:picLocks noChangeAspect="1"/>
+          </p:cNvPicPr>
+          <p:nvPr/>
+        </p:nvPicPr>
+        <p:blipFill>
+          <a:blip r:embed="rId2"/>
+          <a:stretch>
+            <a:fillRect/>
+          </a:stretch>
+        </p:blipFill>
+        <p:spPr>
+          <a:xfrm rot="5400000">
+            <a:off x="4522026" y="-1130511"/>
+            <a:ext cx="682562" cy="4351338"/>
+          </a:xfrm>
+          <a:prstGeom prst="rect">
+            <a:avLst/>
+          </a:prstGeom>
+        </p:spPr>
+      </p:pic>
+      <p:pic>
+        <p:nvPicPr>
+          <p:cNvPr id="7" name="Content Placeholder 4">
+            <a:extLst>
+              <a:ext uri="{FF2B5EF4-FFF2-40B4-BE49-F238E27FC236}">
+                <a16:creationId xmlns:a16="http://schemas.microsoft.com/office/drawing/2014/main" id="{BD06EDA7-BF73-B446-B88D-06469833EEC0}"/>
+              </a:ext>
+            </a:extLst>
+          </p:cNvPr>
+          <p:cNvPicPr>
+            <a:picLocks noChangeAspect="1"/>
+          </p:cNvPicPr>
+          <p:nvPr/>
+        </p:nvPicPr>
+        <p:blipFill>
+          <a:blip r:embed="rId2"/>
+          <a:stretch>
+            <a:fillRect/>
+          </a:stretch>
+        </p:blipFill>
+        <p:spPr>
+          <a:xfrm rot="5400000">
+            <a:off x="8873364" y="-1130509"/>
+            <a:ext cx="682562" cy="4351338"/>
+          </a:xfrm>
+          <a:prstGeom prst="rect">
+            <a:avLst/>
+          </a:prstGeom>
+        </p:spPr>
+      </p:pic>
+      <p:sp>
+        <p:nvSpPr>
+          <p:cNvPr id="3" name="Slide Number Placeholder 2">
+            <a:extLst>
+              <a:ext uri="{FF2B5EF4-FFF2-40B4-BE49-F238E27FC236}">
+                <a16:creationId xmlns:a16="http://schemas.microsoft.com/office/drawing/2014/main" id="{4483B3B5-9960-1A48-A41E-7671946C2510}"/>
+              </a:ext>
+            </a:extLst>
+          </p:cNvPr>
+          <p:cNvSpPr>
+            <a:spLocks noGrp="1"/>
+          </p:cNvSpPr>
+          <p:nvPr>
+            <p:ph type="sldNum" sz="quarter" idx="12"/>
+          </p:nvPr>
+        </p:nvSpPr>
+        <p:spPr/>
+        <p:txBody>
+          <a:bodyPr/>
+          <a:lstStyle/>
+          <a:p>
+            <a:fld id="{052702CF-B793-8841-9D68-A44C3863FEDD}" type="slidenum">
+              <a:rPr lang="en-US" smtClean="0"/>
+              <a:t>10</a:t>
+            </a:fld>
+            <a:endParaRPr lang="en-US"/>
+          </a:p>
+        </p:txBody>
+      </p:sp>
+      <p:pic>
+        <p:nvPicPr>
+          <p:cNvPr id="9" name="Content Placeholder 4">
+            <a:extLst>
+              <a:ext uri="{FF2B5EF4-FFF2-40B4-BE49-F238E27FC236}">
+                <a16:creationId xmlns:a16="http://schemas.microsoft.com/office/drawing/2014/main" id="{C8DBDE2C-D63D-7D42-8FBF-423E1BD35EC5}"/>
+              </a:ext>
+            </a:extLst>
+          </p:cNvPr>
+          <p:cNvPicPr>
+            <a:picLocks noChangeAspect="1"/>
+          </p:cNvPicPr>
+          <p:nvPr/>
+        </p:nvPicPr>
+        <p:blipFill>
+          <a:blip r:embed="rId2"/>
+          <a:stretch>
+            <a:fillRect/>
+          </a:stretch>
+        </p:blipFill>
+        <p:spPr>
+          <a:xfrm rot="5400000">
+            <a:off x="13224702" y="-1139453"/>
+            <a:ext cx="682562" cy="4351338"/>
+          </a:xfrm>
+          <a:prstGeom prst="rect">
+            <a:avLst/>
+          </a:prstGeom>
+        </p:spPr>
+      </p:pic>
+      <p:sp>
+        <p:nvSpPr>
+          <p:cNvPr id="10" name="Content Placeholder 2">
+            <a:extLst>
+              <a:ext uri="{FF2B5EF4-FFF2-40B4-BE49-F238E27FC236}">
+                <a16:creationId xmlns:a16="http://schemas.microsoft.com/office/drawing/2014/main" id="{B6E2A1B1-381F-9643-A32C-1D87F1A9DFA8}"/>
+              </a:ext>
+            </a:extLst>
+          </p:cNvPr>
+          <p:cNvSpPr txBox="1">
+            <a:spLocks/>
+          </p:cNvSpPr>
+          <p:nvPr/>
+        </p:nvSpPr>
+        <p:spPr>
+          <a:xfrm>
+            <a:off x="838200" y="1825625"/>
+            <a:ext cx="10515600" cy="4351338"/>
+          </a:xfrm>
+          <a:prstGeom prst="rect">
+            <a:avLst/>
+          </a:prstGeom>
+        </p:spPr>
+        <p:txBody>
+          <a:bodyPr vert="horz" lIns="91440" tIns="45720" rIns="91440" bIns="45720" rtlCol="0">
+            <a:normAutofit fontScale="85000" lnSpcReduction="20000"/>
+          </a:bodyPr>
+          <a:lstStyle>
+            <a:lvl1pPr marL="228600" indent="-228600" algn="l" defTabSz="914400" rtl="0" eaLnBrk="1" latinLnBrk="0" hangingPunct="1">
+              <a:lnSpc>
+                <a:spcPct val="90000"/>
+              </a:lnSpc>
+              <a:spcBef>
+                <a:spcPts val="1000"/>
+              </a:spcBef>
+              <a:buFont typeface="Arial" panose="020B0604020202020204" pitchFamily="34" charset="0"/>
+              <a:buChar char="•"/>
+              <a:defRPr sz="2800" kern="1200">
+                <a:solidFill>
+                  <a:schemeClr val="tx1"/>
+                </a:solidFill>
+                <a:latin typeface="+mn-lt"/>
+                <a:ea typeface="+mn-ea"/>
+                <a:cs typeface="+mn-cs"/>
+              </a:defRPr>
+            </a:lvl1pPr>
+            <a:lvl2pPr marL="685800" indent="-228600" algn="l" defTabSz="914400" rtl="0" eaLnBrk="1" latinLnBrk="0" hangingPunct="1">
+              <a:lnSpc>
+                <a:spcPct val="90000"/>
+              </a:lnSpc>
+              <a:spcBef>
+                <a:spcPts val="500"/>
+              </a:spcBef>
+              <a:buFont typeface="Arial" panose="020B0604020202020204" pitchFamily="34" charset="0"/>
+              <a:buChar char="•"/>
+              <a:defRPr sz="2400" kern="1200">
+                <a:solidFill>
+                  <a:schemeClr val="tx1"/>
+                </a:solidFill>
+                <a:latin typeface="+mn-lt"/>
+                <a:ea typeface="+mn-ea"/>
+                <a:cs typeface="+mn-cs"/>
+              </a:defRPr>
+            </a:lvl2pPr>
+            <a:lvl3pPr marL="1143000" indent="-228600" algn="l" defTabSz="914400" rtl="0" eaLnBrk="1" latinLnBrk="0" hangingPunct="1">
+              <a:lnSpc>
+                <a:spcPct val="90000"/>
+              </a:lnSpc>
+              <a:spcBef>
+                <a:spcPts val="500"/>
+              </a:spcBef>
+              <a:buFont typeface="Arial" panose="020B0604020202020204" pitchFamily="34" charset="0"/>
+              <a:buChar char="•"/>
+              <a:defRPr sz="2000" kern="1200">
+                <a:solidFill>
+                  <a:schemeClr val="tx1"/>
+                </a:solidFill>
+                <a:latin typeface="+mn-lt"/>
+                <a:ea typeface="+mn-ea"/>
+                <a:cs typeface="+mn-cs"/>
+              </a:defRPr>
+            </a:lvl3pPr>
+            <a:lvl4pPr marL="1600200" indent="-228600" algn="l" defTabSz="914400" rtl="0" eaLnBrk="1" latinLnBrk="0" hangingPunct="1">
+              <a:lnSpc>
+                <a:spcPct val="90000"/>
+              </a:lnSpc>
+              <a:spcBef>
+                <a:spcPts val="500"/>
+              </a:spcBef>
+              <a:buFont typeface="Arial" panose="020B0604020202020204" pitchFamily="34" charset="0"/>
+              <a:buChar char="•"/>
+              <a:defRPr sz="1800" kern="1200">
+                <a:solidFill>
+                  <a:schemeClr val="tx1"/>
+                </a:solidFill>
+                <a:latin typeface="+mn-lt"/>
+                <a:ea typeface="+mn-ea"/>
+                <a:cs typeface="+mn-cs"/>
+              </a:defRPr>
+            </a:lvl4pPr>
+            <a:lvl5pPr marL="2057400" indent="-228600" algn="l" defTabSz="914400" rtl="0" eaLnBrk="1" latinLnBrk="0" hangingPunct="1">
+              <a:lnSpc>
+                <a:spcPct val="90000"/>
+              </a:lnSpc>
+              <a:spcBef>
+                <a:spcPts val="500"/>
+              </a:spcBef>
+              <a:buFont typeface="Arial" panose="020B0604020202020204" pitchFamily="34" charset="0"/>
+              <a:buChar char="•"/>
+              <a:defRPr sz="1800" kern="1200">
+                <a:solidFill>
+                  <a:schemeClr val="tx1"/>
+                </a:solidFill>
+                <a:latin typeface="+mn-lt"/>
+                <a:ea typeface="+mn-ea"/>
+                <a:cs typeface="+mn-cs"/>
+              </a:defRPr>
+            </a:lvl5pPr>
+            <a:lvl6pPr marL="2514600" indent="-228600" algn="l" defTabSz="914400" rtl="0" eaLnBrk="1" latinLnBrk="0" hangingPunct="1">
+              <a:lnSpc>
+                <a:spcPct val="90000"/>
+              </a:lnSpc>
+              <a:spcBef>
+                <a:spcPts val="500"/>
+              </a:spcBef>
+              <a:buFont typeface="Arial" panose="020B0604020202020204" pitchFamily="34" charset="0"/>
+              <a:buChar char="•"/>
+              <a:defRPr sz="1800" kern="1200">
+                <a:solidFill>
+                  <a:schemeClr val="tx1"/>
+                </a:solidFill>
+                <a:latin typeface="+mn-lt"/>
+                <a:ea typeface="+mn-ea"/>
+                <a:cs typeface="+mn-cs"/>
+              </a:defRPr>
+            </a:lvl6pPr>
+            <a:lvl7pPr marL="2971800" indent="-228600" algn="l" defTabSz="914400" rtl="0" eaLnBrk="1" latinLnBrk="0" hangingPunct="1">
+              <a:lnSpc>
+                <a:spcPct val="90000"/>
+              </a:lnSpc>
+              <a:spcBef>
+                <a:spcPts val="500"/>
+              </a:spcBef>
+              <a:buFont typeface="Arial" panose="020B0604020202020204" pitchFamily="34" charset="0"/>
+              <a:buChar char="•"/>
+              <a:defRPr sz="1800" kern="1200">
+                <a:solidFill>
+                  <a:schemeClr val="tx1"/>
+                </a:solidFill>
+                <a:latin typeface="+mn-lt"/>
+                <a:ea typeface="+mn-ea"/>
+                <a:cs typeface="+mn-cs"/>
+              </a:defRPr>
+            </a:lvl7pPr>
+            <a:lvl8pPr marL="3429000" indent="-228600" algn="l" defTabSz="914400" rtl="0" eaLnBrk="1" latinLnBrk="0" hangingPunct="1">
+              <a:lnSpc>
+                <a:spcPct val="90000"/>
+              </a:lnSpc>
+              <a:spcBef>
+                <a:spcPts val="500"/>
+              </a:spcBef>
+              <a:buFont typeface="Arial" panose="020B0604020202020204" pitchFamily="34" charset="0"/>
+              <a:buChar char="•"/>
+              <a:defRPr sz="1800" kern="1200">
+                <a:solidFill>
+                  <a:schemeClr val="tx1"/>
+                </a:solidFill>
+                <a:latin typeface="+mn-lt"/>
+                <a:ea typeface="+mn-ea"/>
+                <a:cs typeface="+mn-cs"/>
+              </a:defRPr>
+            </a:lvl8pPr>
+            <a:lvl9pPr marL="3886200" indent="-228600" algn="l" defTabSz="914400" rtl="0" eaLnBrk="1" latinLnBrk="0" hangingPunct="1">
+              <a:lnSpc>
+                <a:spcPct val="90000"/>
+              </a:lnSpc>
+              <a:spcBef>
+                <a:spcPts val="500"/>
+              </a:spcBef>
+              <a:buFont typeface="Arial" panose="020B0604020202020204" pitchFamily="34" charset="0"/>
+              <a:buChar char="•"/>
+              <a:defRPr sz="1800" kern="1200">
+                <a:solidFill>
+                  <a:schemeClr val="tx1"/>
+                </a:solidFill>
+                <a:latin typeface="+mn-lt"/>
+                <a:ea typeface="+mn-ea"/>
+                <a:cs typeface="+mn-cs"/>
+              </a:defRPr>
+            </a:lvl9pPr>
+          </a:lstStyle>
+          <a:p>
+            <a:pPr marL="0" indent="0" algn="ctr">
+              <a:buFont typeface="Arial" panose="020B0604020202020204" pitchFamily="34" charset="0"/>
+              <a:buNone/>
+            </a:pPr>
+            <a:endParaRPr lang="en-US" sz="4000" dirty="0">
+              <a:latin typeface="+mj-lt"/>
+            </a:endParaRPr>
+          </a:p>
+          <a:p>
+            <a:pPr marL="0" indent="0" algn="ctr">
+              <a:buFont typeface="Arial" panose="020B0604020202020204" pitchFamily="34" charset="0"/>
+              <a:buNone/>
+            </a:pPr>
+            <a:endParaRPr lang="en-US" sz="4000" dirty="0">
+              <a:latin typeface="+mj-lt"/>
+            </a:endParaRPr>
+          </a:p>
+          <a:p>
+            <a:pPr marL="0" indent="0" algn="ctr">
+              <a:buFont typeface="Arial" panose="020B0604020202020204" pitchFamily="34" charset="0"/>
+              <a:buNone/>
+            </a:pPr>
+            <a:r>
+              <a:rPr lang="en-US" sz="4000" i="1" dirty="0">
+                <a:latin typeface="+mj-lt"/>
+              </a:rPr>
+              <a:t>“The human genome is only on the order of a gigabyte of data, which is a tiny little database. If you take the entire living biosphere…about one petabyte…that’s still very small compared with Google or the Wikipedia. And somehow mother nature manages to create…this incredibly rich environment with this amazingly small amount of data.”</a:t>
+            </a:r>
+          </a:p>
+          <a:p>
+            <a:pPr marL="0" indent="0" algn="ctr">
+              <a:buFont typeface="Arial" panose="020B0604020202020204" pitchFamily="34" charset="0"/>
+              <a:buNone/>
+            </a:pPr>
+            <a:endParaRPr lang="en-US" sz="4000" i="1" dirty="0">
+              <a:latin typeface="+mj-lt"/>
+            </a:endParaRPr>
+          </a:p>
+          <a:p>
+            <a:pPr marL="0" indent="0" algn="ctr">
+              <a:buFont typeface="Arial" panose="020B0604020202020204" pitchFamily="34" charset="0"/>
+              <a:buNone/>
+            </a:pPr>
+            <a:r>
+              <a:rPr lang="en-US" sz="4000" i="1" dirty="0">
+                <a:latin typeface="+mj-lt"/>
+              </a:rPr>
+              <a:t>- Freeman Dyson</a:t>
+            </a:r>
+          </a:p>
+        </p:txBody>
+      </p:sp>
+    </p:spTree>
+    <p:extLst>
+      <p:ext uri="{BB962C8B-B14F-4D97-AF65-F5344CB8AC3E}">
+        <p14:creationId xmlns:p14="http://schemas.microsoft.com/office/powerpoint/2010/main" val="1871897781"/>
+      </p:ext>
+    </p:extLst>
+  </p:cSld>
+  <p:clrMapOvr>
+    <a:masterClrMapping/>
+  </p:clrMapOvr>
+</p:sld>
+</file>
+
+<file path=ppt/slides/slide11.xml><?xml version="1.0" encoding="utf-8"?>
+<p:sld xmlns:a="http://schemas.openxmlformats.org/drawingml/2006/main" xmlns:r="http://schemas.openxmlformats.org/officeDocument/2006/relationships" xmlns:p="http://schemas.openxmlformats.org/presentationml/2006/main">
+  <p:cSld>
+    <p:spTree>
+      <p:nvGrpSpPr>
+        <p:cNvPr id="1" name=""/>
+        <p:cNvGrpSpPr/>
+        <p:nvPr/>
+      </p:nvGrpSpPr>
+      <p:grpSpPr>
+        <a:xfrm>
+          <a:off x="0" y="0"/>
+          <a:ext cx="0" cy="0"/>
+          <a:chOff x="0" y="0"/>
+          <a:chExt cx="0" cy="0"/>
+        </a:xfrm>
+      </p:grpSpPr>
+      <p:sp>
+        <p:nvSpPr>
+          <p:cNvPr id="2" name="Title 1">
+            <a:extLst>
+              <a:ext uri="{FF2B5EF4-FFF2-40B4-BE49-F238E27FC236}">
+                <a16:creationId xmlns:a16="http://schemas.microsoft.com/office/drawing/2014/main" id="{645D1F6B-F3AF-EE44-8727-78950BFEFB90}"/>
+              </a:ext>
+            </a:extLst>
+          </p:cNvPr>
+          <p:cNvSpPr>
+            <a:spLocks noGrp="1"/>
+          </p:cNvSpPr>
+          <p:nvPr>
+            <p:ph type="title"/>
+          </p:nvPr>
+        </p:nvSpPr>
+        <p:spPr>
+          <a:xfrm>
+            <a:off x="1676400" y="365125"/>
+            <a:ext cx="10515600" cy="1325563"/>
+          </a:xfrm>
+        </p:spPr>
+        <p:txBody>
+          <a:bodyPr/>
+          <a:lstStyle/>
+          <a:p>
+            <a:r>
+              <a:rPr lang="en-US" dirty="0"/>
+              <a:t>Appendix</a:t>
+            </a:r>
+          </a:p>
+        </p:txBody>
+      </p:sp>
+      <p:sp>
+        <p:nvSpPr>
+          <p:cNvPr id="4" name="Slide Number Placeholder 3">
+            <a:extLst>
+              <a:ext uri="{FF2B5EF4-FFF2-40B4-BE49-F238E27FC236}">
+                <a16:creationId xmlns:a16="http://schemas.microsoft.com/office/drawing/2014/main" id="{9BD92DA9-BD45-0D4E-8518-3C591C3E9457}"/>
+              </a:ext>
+            </a:extLst>
+          </p:cNvPr>
+          <p:cNvSpPr>
+            <a:spLocks noGrp="1"/>
+          </p:cNvSpPr>
+          <p:nvPr>
+            <p:ph type="sldNum" sz="quarter" idx="12"/>
+          </p:nvPr>
+        </p:nvSpPr>
+        <p:spPr/>
+        <p:txBody>
+          <a:bodyPr/>
+          <a:lstStyle/>
+          <a:p>
+            <a:fld id="{052702CF-B793-8841-9D68-A44C3863FEDD}" type="slidenum">
+              <a:rPr lang="en-US" smtClean="0"/>
+              <a:t>11</a:t>
+            </a:fld>
+            <a:endParaRPr lang="en-US"/>
+          </a:p>
+        </p:txBody>
+      </p:sp>
+      <p:pic>
+        <p:nvPicPr>
+          <p:cNvPr id="5" name="Content Placeholder 4">
+            <a:extLst>
+              <a:ext uri="{FF2B5EF4-FFF2-40B4-BE49-F238E27FC236}">
+                <a16:creationId xmlns:a16="http://schemas.microsoft.com/office/drawing/2014/main" id="{C057F3FA-5BBA-A44B-9FC1-116D9CD36408}"/>
+              </a:ext>
+            </a:extLst>
+          </p:cNvPr>
+          <p:cNvPicPr>
+            <a:picLocks noChangeAspect="1"/>
+          </p:cNvPicPr>
+          <p:nvPr/>
+        </p:nvPicPr>
+        <p:blipFill>
+          <a:blip r:embed="rId2"/>
+          <a:stretch>
+            <a:fillRect/>
+          </a:stretch>
+        </p:blipFill>
+        <p:spPr>
+          <a:xfrm rot="5400000">
+            <a:off x="-892770" y="-1147763"/>
+            <a:ext cx="682562" cy="4351338"/>
+          </a:xfrm>
+          <a:prstGeom prst="rect">
+            <a:avLst/>
+          </a:prstGeom>
+        </p:spPr>
+      </p:pic>
+      <p:pic>
+        <p:nvPicPr>
+          <p:cNvPr id="6" name="Content Placeholder 4">
+            <a:extLst>
+              <a:ext uri="{FF2B5EF4-FFF2-40B4-BE49-F238E27FC236}">
+                <a16:creationId xmlns:a16="http://schemas.microsoft.com/office/drawing/2014/main" id="{82BEE7FF-75AB-5244-8E0F-72923240B0D6}"/>
+              </a:ext>
+            </a:extLst>
+          </p:cNvPr>
+          <p:cNvPicPr>
+            <a:picLocks noChangeAspect="1"/>
+          </p:cNvPicPr>
+          <p:nvPr/>
+        </p:nvPicPr>
+        <p:blipFill>
+          <a:blip r:embed="rId2"/>
+          <a:stretch>
+            <a:fillRect/>
+          </a:stretch>
+        </p:blipFill>
+        <p:spPr>
+          <a:xfrm rot="5400000">
+            <a:off x="5842826" y="-1130511"/>
+            <a:ext cx="682562" cy="4351338"/>
+          </a:xfrm>
+          <a:prstGeom prst="rect">
+            <a:avLst/>
+          </a:prstGeom>
+        </p:spPr>
+      </p:pic>
+      <p:pic>
+        <p:nvPicPr>
+          <p:cNvPr id="7" name="Content Placeholder 4">
+            <a:extLst>
+              <a:ext uri="{FF2B5EF4-FFF2-40B4-BE49-F238E27FC236}">
+                <a16:creationId xmlns:a16="http://schemas.microsoft.com/office/drawing/2014/main" id="{939EEF94-BBAB-524C-9F14-AD181B4228E3}"/>
+              </a:ext>
+            </a:extLst>
+          </p:cNvPr>
+          <p:cNvPicPr>
+            <a:picLocks noChangeAspect="1"/>
+          </p:cNvPicPr>
+          <p:nvPr/>
+        </p:nvPicPr>
+        <p:blipFill>
+          <a:blip r:embed="rId2"/>
+          <a:stretch>
+            <a:fillRect/>
+          </a:stretch>
+        </p:blipFill>
+        <p:spPr>
+          <a:xfrm rot="5400000">
+            <a:off x="10194164" y="-1130509"/>
+            <a:ext cx="682562" cy="4351338"/>
+          </a:xfrm>
+          <a:prstGeom prst="rect">
+            <a:avLst/>
+          </a:prstGeom>
+        </p:spPr>
+      </p:pic>
+      <p:sp>
+        <p:nvSpPr>
+          <p:cNvPr id="8" name="Content Placeholder 7">
+            <a:extLst>
+              <a:ext uri="{FF2B5EF4-FFF2-40B4-BE49-F238E27FC236}">
+                <a16:creationId xmlns:a16="http://schemas.microsoft.com/office/drawing/2014/main" id="{E52D8FF2-CBDE-C24E-A136-04E4A915C25A}"/>
+              </a:ext>
+            </a:extLst>
+          </p:cNvPr>
+          <p:cNvSpPr>
+            <a:spLocks noGrp="1"/>
+          </p:cNvSpPr>
+          <p:nvPr>
+            <p:ph idx="1"/>
+          </p:nvPr>
+        </p:nvSpPr>
+        <p:spPr/>
+        <p:txBody>
+          <a:bodyPr/>
+          <a:lstStyle/>
+          <a:p>
+            <a:endParaRPr lang="en-US"/>
+          </a:p>
+        </p:txBody>
+      </p:sp>
+    </p:spTree>
+    <p:extLst>
+      <p:ext uri="{BB962C8B-B14F-4D97-AF65-F5344CB8AC3E}">
+        <p14:creationId xmlns:p14="http://schemas.microsoft.com/office/powerpoint/2010/main" val="3137611794"/>
+      </p:ext>
+    </p:extLst>
+  </p:cSld>
+  <p:clrMapOvr>
+    <a:masterClrMapping/>
+  </p:clrMapOvr>
+</p:sld>
+</file>
+
+<file path=ppt/slides/slide12.xml><?xml version="1.0" encoding="utf-8"?>
+<p:sld xmlns:a="http://schemas.openxmlformats.org/drawingml/2006/main" xmlns:r="http://schemas.openxmlformats.org/officeDocument/2006/relationships" xmlns:p="http://schemas.openxmlformats.org/presentationml/2006/main">
+  <p:cSld>
+    <p:spTree>
+      <p:nvGrpSpPr>
+        <p:cNvPr id="1" name=""/>
+        <p:cNvGrpSpPr/>
+        <p:nvPr/>
+      </p:nvGrpSpPr>
+      <p:grpSpPr>
+        <a:xfrm>
+          <a:off x="0" y="0"/>
+          <a:ext cx="0" cy="0"/>
+          <a:chOff x="0" y="0"/>
+          <a:chExt cx="0" cy="0"/>
+        </a:xfrm>
+      </p:grpSpPr>
+      <p:pic>
+        <p:nvPicPr>
+          <p:cNvPr id="4" name="Picture 3">
+            <a:extLst>
+              <a:ext uri="{FF2B5EF4-FFF2-40B4-BE49-F238E27FC236}">
+                <a16:creationId xmlns:a16="http://schemas.microsoft.com/office/drawing/2014/main" id="{FF39D595-9D0E-0547-817D-93BC57E6123D}"/>
+              </a:ext>
+            </a:extLst>
+          </p:cNvPr>
+          <p:cNvPicPr>
+            <a:picLocks noChangeAspect="1"/>
+          </p:cNvPicPr>
+          <p:nvPr/>
+        </p:nvPicPr>
+        <p:blipFill rotWithShape="1">
+          <a:blip r:embed="rId2"/>
+          <a:srcRect b="51305"/>
+          <a:stretch/>
+        </p:blipFill>
+        <p:spPr>
+          <a:xfrm>
+            <a:off x="1192464" y="1590916"/>
+            <a:ext cx="4738436" cy="4102026"/>
+          </a:xfrm>
+          <a:prstGeom prst="rect">
+            <a:avLst/>
+          </a:prstGeom>
+        </p:spPr>
+      </p:pic>
+      <p:pic>
+        <p:nvPicPr>
+          <p:cNvPr id="5" name="Picture 4">
+            <a:extLst>
+              <a:ext uri="{FF2B5EF4-FFF2-40B4-BE49-F238E27FC236}">
+                <a16:creationId xmlns:a16="http://schemas.microsoft.com/office/drawing/2014/main" id="{BA0AD170-84E8-A44B-9AC9-B3B7C6D6A0BD}"/>
+              </a:ext>
+            </a:extLst>
+          </p:cNvPr>
+          <p:cNvPicPr>
+            <a:picLocks noChangeAspect="1"/>
+          </p:cNvPicPr>
+          <p:nvPr/>
+        </p:nvPicPr>
+        <p:blipFill rotWithShape="1">
+          <a:blip r:embed="rId2"/>
+          <a:srcRect t="51305"/>
+          <a:stretch/>
+        </p:blipFill>
+        <p:spPr>
+          <a:xfrm>
+            <a:off x="6437564" y="1743316"/>
+            <a:ext cx="4738436" cy="4102026"/>
+          </a:xfrm>
+          <a:prstGeom prst="rect">
+            <a:avLst/>
+          </a:prstGeom>
+        </p:spPr>
+      </p:pic>
+      <p:sp>
+        <p:nvSpPr>
+          <p:cNvPr id="6" name="Slide Number Placeholder 5">
+            <a:extLst>
+              <a:ext uri="{FF2B5EF4-FFF2-40B4-BE49-F238E27FC236}">
+                <a16:creationId xmlns:a16="http://schemas.microsoft.com/office/drawing/2014/main" id="{1662ACCB-0E77-1646-A984-D6D68EA301A1}"/>
+              </a:ext>
+            </a:extLst>
+          </p:cNvPr>
+          <p:cNvSpPr>
+            <a:spLocks noGrp="1"/>
+          </p:cNvSpPr>
+          <p:nvPr>
+            <p:ph type="sldNum" sz="quarter" idx="12"/>
+          </p:nvPr>
+        </p:nvSpPr>
+        <p:spPr/>
+        <p:txBody>
+          <a:bodyPr/>
+          <a:lstStyle/>
+          <a:p>
+            <a:fld id="{052702CF-B793-8841-9D68-A44C3863FEDD}" type="slidenum">
+              <a:rPr lang="en-US" smtClean="0"/>
+              <a:t>12</a:t>
+            </a:fld>
+            <a:endParaRPr lang="en-US"/>
+          </a:p>
+        </p:txBody>
+      </p:sp>
+    </p:spTree>
+    <p:extLst>
+      <p:ext uri="{BB962C8B-B14F-4D97-AF65-F5344CB8AC3E}">
+        <p14:creationId xmlns:p14="http://schemas.microsoft.com/office/powerpoint/2010/main" val="3053549686"/>
+      </p:ext>
+    </p:extLst>
+  </p:cSld>
+  <p:clrMapOvr>
+    <a:masterClrMapping/>
+  </p:clrMapOvr>
+</p:sld>
+</file>
+
+<file path=ppt/slides/slide13.xml><?xml version="1.0" encoding="utf-8"?>
+<p:sld xmlns:a="http://schemas.openxmlformats.org/drawingml/2006/main" xmlns:r="http://schemas.openxmlformats.org/officeDocument/2006/relationships" xmlns:p="http://schemas.openxmlformats.org/presentationml/2006/main">
+  <p:cSld>
+    <p:spTree>
+      <p:nvGrpSpPr>
+        <p:cNvPr id="1" name=""/>
+        <p:cNvGrpSpPr/>
+        <p:nvPr/>
+      </p:nvGrpSpPr>
+      <p:grpSpPr>
+        <a:xfrm>
+          <a:off x="0" y="0"/>
+          <a:ext cx="0" cy="0"/>
+          <a:chOff x="0" y="0"/>
+          <a:chExt cx="0" cy="0"/>
+        </a:xfrm>
+      </p:grpSpPr>
+      <p:sp>
+        <p:nvSpPr>
+          <p:cNvPr id="2" name="Title 1">
+            <a:extLst>
+              <a:ext uri="{FF2B5EF4-FFF2-40B4-BE49-F238E27FC236}">
+                <a16:creationId xmlns:a16="http://schemas.microsoft.com/office/drawing/2014/main" id="{107D96BB-C100-B443-9535-66E8861FD1BC}"/>
+              </a:ext>
+            </a:extLst>
+          </p:cNvPr>
+          <p:cNvSpPr>
+            <a:spLocks noGrp="1"/>
+          </p:cNvSpPr>
+          <p:nvPr>
+            <p:ph type="title"/>
+          </p:nvPr>
+        </p:nvSpPr>
+        <p:spPr/>
+        <p:txBody>
+          <a:bodyPr/>
+          <a:lstStyle/>
+          <a:p>
+            <a:r>
+              <a:rPr lang="en-US" dirty="0"/>
+              <a:t>Model parameters</a:t>
+            </a:r>
+          </a:p>
+        </p:txBody>
+      </p:sp>
+      <p:sp>
+        <p:nvSpPr>
+          <p:cNvPr id="3" name="Content Placeholder 2">
+            <a:extLst>
+              <a:ext uri="{FF2B5EF4-FFF2-40B4-BE49-F238E27FC236}">
+                <a16:creationId xmlns:a16="http://schemas.microsoft.com/office/drawing/2014/main" id="{40D3DDE8-4D6D-BF4F-AE69-8FD1AC265CC3}"/>
+              </a:ext>
+            </a:extLst>
+          </p:cNvPr>
+          <p:cNvSpPr>
+            <a:spLocks noGrp="1"/>
+          </p:cNvSpPr>
+          <p:nvPr>
+            <p:ph idx="1"/>
+          </p:nvPr>
+        </p:nvSpPr>
+        <p:spPr/>
+        <p:txBody>
+          <a:bodyPr/>
+          <a:lstStyle/>
+          <a:p>
+            <a:r>
+              <a:rPr lang="en-US" dirty="0" err="1"/>
+              <a:t>knn_model</a:t>
+            </a:r>
+            <a:r>
+              <a:rPr lang="en-US" dirty="0"/>
+              <a:t> = </a:t>
+            </a:r>
+            <a:r>
+              <a:rPr lang="en-US" dirty="0" err="1"/>
+              <a:t>KNeighborsClassifier</a:t>
+            </a:r>
+            <a:r>
+              <a:rPr lang="en-US" dirty="0"/>
+              <a:t>(</a:t>
+            </a:r>
+            <a:r>
+              <a:rPr lang="en-US" dirty="0" err="1"/>
+              <a:t>n_neighbors</a:t>
+            </a:r>
+            <a:r>
+              <a:rPr lang="en-US" dirty="0"/>
+              <a:t>=10)</a:t>
+            </a:r>
+          </a:p>
+          <a:p>
+            <a:r>
+              <a:rPr lang="en-US" dirty="0" err="1"/>
+              <a:t>dt_model</a:t>
+            </a:r>
+            <a:r>
+              <a:rPr lang="en-US" dirty="0"/>
+              <a:t> = </a:t>
+            </a:r>
+            <a:r>
+              <a:rPr lang="en-US" dirty="0" err="1"/>
+              <a:t>DecisionTreeClassifier</a:t>
+            </a:r>
+            <a:r>
+              <a:rPr lang="en-US" dirty="0"/>
+              <a:t>(</a:t>
+            </a:r>
+            <a:r>
+              <a:rPr lang="en-US" dirty="0" err="1"/>
+              <a:t>max_depth</a:t>
+            </a:r>
+            <a:r>
+              <a:rPr lang="en-US" dirty="0"/>
+              <a:t>=25, </a:t>
+            </a:r>
+            <a:r>
+              <a:rPr lang="en-US" dirty="0" err="1"/>
+              <a:t>max_features</a:t>
+            </a:r>
+            <a:r>
+              <a:rPr lang="en-US" dirty="0"/>
+              <a:t>=20, </a:t>
+            </a:r>
+            <a:r>
+              <a:rPr lang="en-US" dirty="0" err="1"/>
+              <a:t>random_state</a:t>
+            </a:r>
+            <a:r>
+              <a:rPr lang="en-US" dirty="0"/>
+              <a:t>=121, </a:t>
+            </a:r>
+            <a:r>
+              <a:rPr lang="en-US" dirty="0" err="1"/>
+              <a:t>class_weight</a:t>
+            </a:r>
+            <a:r>
+              <a:rPr lang="en-US" dirty="0"/>
+              <a:t>={0:1,1:3})</a:t>
+            </a:r>
+          </a:p>
+          <a:p>
+            <a:r>
+              <a:rPr lang="en-US" dirty="0" err="1"/>
+              <a:t>rf_model</a:t>
+            </a:r>
+            <a:r>
+              <a:rPr lang="en-US" dirty="0"/>
+              <a:t> = </a:t>
+            </a:r>
+            <a:r>
+              <a:rPr lang="en-US" dirty="0" err="1"/>
+              <a:t>RandomForestClassifier</a:t>
+            </a:r>
+            <a:r>
+              <a:rPr lang="en-US" dirty="0"/>
+              <a:t>(</a:t>
+            </a:r>
+            <a:r>
+              <a:rPr lang="en-US" dirty="0" err="1"/>
+              <a:t>n_estimators</a:t>
+            </a:r>
+            <a:r>
+              <a:rPr lang="en-US" dirty="0"/>
+              <a:t>=10, </a:t>
+            </a:r>
+            <a:r>
+              <a:rPr lang="en-US" dirty="0" err="1"/>
+              <a:t>max_depth</a:t>
+            </a:r>
+            <a:r>
+              <a:rPr lang="en-US" dirty="0"/>
+              <a:t>=25, </a:t>
+            </a:r>
+            <a:r>
+              <a:rPr lang="en-US" dirty="0" err="1"/>
+              <a:t>max_features</a:t>
+            </a:r>
+            <a:r>
+              <a:rPr lang="en-US" dirty="0"/>
+              <a:t>=20, </a:t>
+            </a:r>
+            <a:r>
+              <a:rPr lang="en-US" dirty="0" err="1"/>
+              <a:t>random_state</a:t>
+            </a:r>
+            <a:r>
+              <a:rPr lang="en-US" dirty="0"/>
+              <a:t>=121, </a:t>
+            </a:r>
+            <a:r>
+              <a:rPr lang="en-US" dirty="0" err="1"/>
+              <a:t>class_weight</a:t>
+            </a:r>
+            <a:r>
+              <a:rPr lang="en-US" dirty="0"/>
+              <a:t>={0:1,1:3})</a:t>
+            </a:r>
+          </a:p>
+          <a:p>
+            <a:endParaRPr lang="en-US" dirty="0"/>
+          </a:p>
+        </p:txBody>
+      </p:sp>
+      <p:sp>
+        <p:nvSpPr>
+          <p:cNvPr id="4" name="Slide Number Placeholder 3">
+            <a:extLst>
+              <a:ext uri="{FF2B5EF4-FFF2-40B4-BE49-F238E27FC236}">
+                <a16:creationId xmlns:a16="http://schemas.microsoft.com/office/drawing/2014/main" id="{2CE7558F-A3FE-0947-B895-C9C951E1C0D6}"/>
+              </a:ext>
+            </a:extLst>
+          </p:cNvPr>
+          <p:cNvSpPr>
+            <a:spLocks noGrp="1"/>
+          </p:cNvSpPr>
+          <p:nvPr>
+            <p:ph type="sldNum" sz="quarter" idx="12"/>
+          </p:nvPr>
+        </p:nvSpPr>
+        <p:spPr/>
+        <p:txBody>
+          <a:bodyPr/>
+          <a:lstStyle/>
+          <a:p>
+            <a:fld id="{052702CF-B793-8841-9D68-A44C3863FEDD}" type="slidenum">
+              <a:rPr lang="en-US" smtClean="0"/>
+              <a:t>13</a:t>
+            </a:fld>
+            <a:endParaRPr lang="en-US"/>
+          </a:p>
+        </p:txBody>
+      </p:sp>
+    </p:spTree>
+    <p:extLst>
+      <p:ext uri="{BB962C8B-B14F-4D97-AF65-F5344CB8AC3E}">
+        <p14:creationId xmlns:p14="http://schemas.microsoft.com/office/powerpoint/2010/main" val="2069213420"/>
+      </p:ext>
+    </p:extLst>
+  </p:cSld>
+  <p:clrMapOvr>
+    <a:masterClrMapping/>
+  </p:clrMapOvr>
+</p:sld>
+</file>
+
+<file path=ppt/slides/slide14.xml><?xml version="1.0" encoding="utf-8"?>
+<p:sld xmlns:a="http://schemas.openxmlformats.org/drawingml/2006/main" xmlns:r="http://schemas.openxmlformats.org/officeDocument/2006/relationships" xmlns:p="http://schemas.openxmlformats.org/presentationml/2006/main">
+  <p:cSld>
+    <p:spTree>
+      <p:nvGrpSpPr>
+        <p:cNvPr id="1" name=""/>
+        <p:cNvGrpSpPr/>
+        <p:nvPr/>
+      </p:nvGrpSpPr>
+      <p:grpSpPr>
+        <a:xfrm>
+          <a:off x="0" y="0"/>
+          <a:ext cx="0" cy="0"/>
+          <a:chOff x="0" y="0"/>
+          <a:chExt cx="0" cy="0"/>
+        </a:xfrm>
+      </p:grpSpPr>
+      <p:pic>
+        <p:nvPicPr>
+          <p:cNvPr id="4" name="Picture 3">
+            <a:extLst>
+              <a:ext uri="{FF2B5EF4-FFF2-40B4-BE49-F238E27FC236}">
+                <a16:creationId xmlns:a16="http://schemas.microsoft.com/office/drawing/2014/main" id="{1BF37B36-3A69-0041-A981-B61ECFC5C90D}"/>
+              </a:ext>
+            </a:extLst>
+          </p:cNvPr>
+          <p:cNvPicPr>
+            <a:picLocks noChangeAspect="1"/>
+          </p:cNvPicPr>
+          <p:nvPr/>
+        </p:nvPicPr>
+        <p:blipFill rotWithShape="1">
+          <a:blip r:embed="rId2"/>
+          <a:srcRect l="16159" r="17400"/>
+          <a:stretch/>
+        </p:blipFill>
+        <p:spPr>
+          <a:xfrm>
+            <a:off x="4041271" y="1332125"/>
+            <a:ext cx="3978670" cy="3989175"/>
+          </a:xfrm>
+          <a:prstGeom prst="rect">
+            <a:avLst/>
+          </a:prstGeom>
+        </p:spPr>
+      </p:pic>
+      <p:pic>
+        <p:nvPicPr>
+          <p:cNvPr id="5" name="Picture 4">
+            <a:extLst>
+              <a:ext uri="{FF2B5EF4-FFF2-40B4-BE49-F238E27FC236}">
+                <a16:creationId xmlns:a16="http://schemas.microsoft.com/office/drawing/2014/main" id="{7A0D9134-F906-4646-BA73-D9DCA7C047E2}"/>
+              </a:ext>
+            </a:extLst>
+          </p:cNvPr>
+          <p:cNvPicPr>
+            <a:picLocks noChangeAspect="1"/>
+          </p:cNvPicPr>
+          <p:nvPr/>
+        </p:nvPicPr>
+        <p:blipFill rotWithShape="1">
+          <a:blip r:embed="rId3"/>
+          <a:srcRect l="16122" r="20338"/>
+          <a:stretch/>
+        </p:blipFill>
+        <p:spPr>
+          <a:xfrm>
+            <a:off x="185245" y="1332125"/>
+            <a:ext cx="3804998" cy="3989175"/>
+          </a:xfrm>
+          <a:prstGeom prst="rect">
+            <a:avLst/>
+          </a:prstGeom>
+        </p:spPr>
+      </p:pic>
+      <p:pic>
+        <p:nvPicPr>
+          <p:cNvPr id="6" name="Picture 5">
+            <a:extLst>
+              <a:ext uri="{FF2B5EF4-FFF2-40B4-BE49-F238E27FC236}">
+                <a16:creationId xmlns:a16="http://schemas.microsoft.com/office/drawing/2014/main" id="{CC9EB945-6C08-424D-B036-0B0A654CB809}"/>
+              </a:ext>
+            </a:extLst>
+          </p:cNvPr>
+          <p:cNvPicPr>
+            <a:picLocks noChangeAspect="1"/>
+          </p:cNvPicPr>
+          <p:nvPr/>
+        </p:nvPicPr>
+        <p:blipFill rotWithShape="1">
+          <a:blip r:embed="rId4"/>
+          <a:srcRect l="16669" r="19264"/>
+          <a:stretch/>
+        </p:blipFill>
+        <p:spPr>
+          <a:xfrm>
+            <a:off x="7896612" y="1332125"/>
+            <a:ext cx="3836575" cy="3989175"/>
+          </a:xfrm>
+          <a:prstGeom prst="rect">
+            <a:avLst/>
+          </a:prstGeom>
+        </p:spPr>
+      </p:pic>
+      <p:sp>
+        <p:nvSpPr>
+          <p:cNvPr id="7" name="Slide Number Placeholder 6">
+            <a:extLst>
+              <a:ext uri="{FF2B5EF4-FFF2-40B4-BE49-F238E27FC236}">
+                <a16:creationId xmlns:a16="http://schemas.microsoft.com/office/drawing/2014/main" id="{6FBE9790-84CD-B442-A54F-7885A6B7D15C}"/>
+              </a:ext>
+            </a:extLst>
+          </p:cNvPr>
+          <p:cNvSpPr>
+            <a:spLocks noGrp="1"/>
+          </p:cNvSpPr>
+          <p:nvPr>
+            <p:ph type="sldNum" sz="quarter" idx="12"/>
+          </p:nvPr>
+        </p:nvSpPr>
+        <p:spPr/>
+        <p:txBody>
+          <a:bodyPr/>
+          <a:lstStyle/>
+          <a:p>
+            <a:fld id="{052702CF-B793-8841-9D68-A44C3863FEDD}" type="slidenum">
+              <a:rPr lang="en-US" smtClean="0"/>
+              <a:t>14</a:t>
+            </a:fld>
+            <a:endParaRPr lang="en-US"/>
+          </a:p>
+        </p:txBody>
+      </p:sp>
+    </p:spTree>
+    <p:extLst>
+      <p:ext uri="{BB962C8B-B14F-4D97-AF65-F5344CB8AC3E}">
+        <p14:creationId xmlns:p14="http://schemas.microsoft.com/office/powerpoint/2010/main" val="2679827541"/>
+      </p:ext>
+    </p:extLst>
+  </p:cSld>
+  <p:clrMapOvr>
+    <a:masterClrMapping/>
+  </p:clrMapOvr>
+</p:sld>
+</file>
+
+<file path=ppt/slides/slide15.xml><?xml version="1.0" encoding="utf-8"?>
+<p:sld xmlns:a="http://schemas.openxmlformats.org/drawingml/2006/main" xmlns:r="http://schemas.openxmlformats.org/officeDocument/2006/relationships" xmlns:p="http://schemas.openxmlformats.org/presentationml/2006/main">
+  <p:cSld>
+    <p:spTree>
+      <p:nvGrpSpPr>
+        <p:cNvPr id="1" name=""/>
+        <p:cNvGrpSpPr/>
+        <p:nvPr/>
+      </p:nvGrpSpPr>
+      <p:grpSpPr>
+        <a:xfrm>
+          <a:off x="0" y="0"/>
+          <a:ext cx="0" cy="0"/>
+          <a:chOff x="0" y="0"/>
+          <a:chExt cx="0" cy="0"/>
+        </a:xfrm>
+      </p:grpSpPr>
+      <p:pic>
+        <p:nvPicPr>
+          <p:cNvPr id="4" name="Picture 3">
+            <a:extLst>
+              <a:ext uri="{FF2B5EF4-FFF2-40B4-BE49-F238E27FC236}">
+                <a16:creationId xmlns:a16="http://schemas.microsoft.com/office/drawing/2014/main" id="{F0D79E4A-A490-0344-8655-7C7A1166BE90}"/>
+              </a:ext>
+            </a:extLst>
+          </p:cNvPr>
+          <p:cNvPicPr>
+            <a:picLocks noChangeAspect="1"/>
+          </p:cNvPicPr>
+          <p:nvPr/>
+        </p:nvPicPr>
+        <p:blipFill>
+          <a:blip r:embed="rId2"/>
+          <a:stretch>
+            <a:fillRect/>
+          </a:stretch>
+        </p:blipFill>
+        <p:spPr>
+          <a:xfrm>
+            <a:off x="5717400" y="1175804"/>
+            <a:ext cx="6474600" cy="4313064"/>
+          </a:xfrm>
+          <a:prstGeom prst="rect">
+            <a:avLst/>
+          </a:prstGeom>
+        </p:spPr>
+      </p:pic>
+      <p:pic>
+        <p:nvPicPr>
+          <p:cNvPr id="5" name="Picture 4">
+            <a:extLst>
+              <a:ext uri="{FF2B5EF4-FFF2-40B4-BE49-F238E27FC236}">
+                <a16:creationId xmlns:a16="http://schemas.microsoft.com/office/drawing/2014/main" id="{78B0501D-F79C-CA45-85BA-BA8C95C2D514}"/>
+              </a:ext>
+            </a:extLst>
+          </p:cNvPr>
+          <p:cNvPicPr>
+            <a:picLocks noChangeAspect="1"/>
+          </p:cNvPicPr>
+          <p:nvPr/>
+        </p:nvPicPr>
+        <p:blipFill>
+          <a:blip r:embed="rId3"/>
+          <a:stretch>
+            <a:fillRect/>
+          </a:stretch>
+        </p:blipFill>
+        <p:spPr>
+          <a:xfrm>
+            <a:off x="0" y="1175804"/>
+            <a:ext cx="6474600" cy="4313064"/>
+          </a:xfrm>
+          <a:prstGeom prst="rect">
+            <a:avLst/>
+          </a:prstGeom>
+        </p:spPr>
+      </p:pic>
+      <p:sp>
+        <p:nvSpPr>
+          <p:cNvPr id="6" name="Slide Number Placeholder 5">
+            <a:extLst>
+              <a:ext uri="{FF2B5EF4-FFF2-40B4-BE49-F238E27FC236}">
+                <a16:creationId xmlns:a16="http://schemas.microsoft.com/office/drawing/2014/main" id="{2FD45FB8-C758-5049-B68B-F01586433F27}"/>
+              </a:ext>
+            </a:extLst>
+          </p:cNvPr>
+          <p:cNvSpPr>
+            <a:spLocks noGrp="1"/>
+          </p:cNvSpPr>
+          <p:nvPr>
+            <p:ph type="sldNum" sz="quarter" idx="12"/>
+          </p:nvPr>
+        </p:nvSpPr>
+        <p:spPr/>
+        <p:txBody>
+          <a:bodyPr/>
+          <a:lstStyle/>
+          <a:p>
+            <a:fld id="{052702CF-B793-8841-9D68-A44C3863FEDD}" type="slidenum">
+              <a:rPr lang="en-US" smtClean="0"/>
+              <a:t>15</a:t>
+            </a:fld>
+            <a:endParaRPr lang="en-US"/>
+          </a:p>
+        </p:txBody>
+      </p:sp>
+    </p:spTree>
+    <p:extLst>
+      <p:ext uri="{BB962C8B-B14F-4D97-AF65-F5344CB8AC3E}">
+        <p14:creationId xmlns:p14="http://schemas.microsoft.com/office/powerpoint/2010/main" val="1555569198"/>
+      </p:ext>
+    </p:extLst>
+  </p:cSld>
+  <p:clrMapOvr>
+    <a:masterClrMapping/>
+  </p:clrMapOvr>
+</p:sld>
+</file>
+
+<file path=ppt/slides/slide16.xml><?xml version="1.0" encoding="utf-8"?>
+<p:sld xmlns:a="http://schemas.openxmlformats.org/drawingml/2006/main" xmlns:r="http://schemas.openxmlformats.org/officeDocument/2006/relationships" xmlns:p="http://schemas.openxmlformats.org/presentationml/2006/main">
+  <p:cSld>
+    <p:spTree>
+      <p:nvGrpSpPr>
+        <p:cNvPr id="1" name=""/>
+        <p:cNvGrpSpPr/>
+        <p:nvPr/>
+      </p:nvGrpSpPr>
+      <p:grpSpPr>
+        <a:xfrm>
+          <a:off x="0" y="0"/>
+          <a:ext cx="0" cy="0"/>
+          <a:chOff x="0" y="0"/>
+          <a:chExt cx="0" cy="0"/>
+        </a:xfrm>
+      </p:grpSpPr>
+      <p:pic>
+        <p:nvPicPr>
+          <p:cNvPr id="2" name="Picture 1">
+            <a:extLst>
+              <a:ext uri="{FF2B5EF4-FFF2-40B4-BE49-F238E27FC236}">
+                <a16:creationId xmlns:a16="http://schemas.microsoft.com/office/drawing/2014/main" id="{618DADE1-B9A7-7341-B92B-D5DE28B5079F}"/>
+              </a:ext>
+            </a:extLst>
+          </p:cNvPr>
+          <p:cNvPicPr>
+            <a:picLocks noChangeAspect="1"/>
+          </p:cNvPicPr>
+          <p:nvPr/>
+        </p:nvPicPr>
+        <p:blipFill>
+          <a:blip r:embed="rId2"/>
+          <a:stretch>
+            <a:fillRect/>
+          </a:stretch>
+        </p:blipFill>
+        <p:spPr>
+          <a:xfrm>
+            <a:off x="2074750" y="481712"/>
+            <a:ext cx="7571500" cy="6057200"/>
+          </a:xfrm>
+          <a:prstGeom prst="rect">
+            <a:avLst/>
+          </a:prstGeom>
+        </p:spPr>
+      </p:pic>
+      <p:sp>
+        <p:nvSpPr>
+          <p:cNvPr id="3" name="Slide Number Placeholder 2">
+            <a:extLst>
+              <a:ext uri="{FF2B5EF4-FFF2-40B4-BE49-F238E27FC236}">
+                <a16:creationId xmlns:a16="http://schemas.microsoft.com/office/drawing/2014/main" id="{6097BB79-C9AA-F74E-9053-0D4BB5866039}"/>
+              </a:ext>
+            </a:extLst>
+          </p:cNvPr>
+          <p:cNvSpPr>
+            <a:spLocks noGrp="1"/>
+          </p:cNvSpPr>
+          <p:nvPr>
+            <p:ph type="sldNum" sz="quarter" idx="12"/>
+          </p:nvPr>
+        </p:nvSpPr>
+        <p:spPr/>
+        <p:txBody>
+          <a:bodyPr/>
+          <a:lstStyle/>
+          <a:p>
+            <a:fld id="{052702CF-B793-8841-9D68-A44C3863FEDD}" type="slidenum">
+              <a:rPr lang="en-US" smtClean="0"/>
+              <a:t>16</a:t>
+            </a:fld>
+            <a:endParaRPr lang="en-US"/>
+          </a:p>
+        </p:txBody>
+      </p:sp>
+    </p:spTree>
+    <p:extLst>
+      <p:ext uri="{BB962C8B-B14F-4D97-AF65-F5344CB8AC3E}">
+        <p14:creationId xmlns:p14="http://schemas.microsoft.com/office/powerpoint/2010/main" val="4052448103"/>
+      </p:ext>
+    </p:extLst>
+  </p:cSld>
+  <p:clrMapOvr>
+    <a:masterClrMapping/>
+  </p:clrMapOvr>
+</p:sld>
+</file>
+
+<file path=ppt/slides/slide17.xml><?xml version="1.0" encoding="utf-8"?>
+<p:sld xmlns:a="http://schemas.openxmlformats.org/drawingml/2006/main" xmlns:r="http://schemas.openxmlformats.org/officeDocument/2006/relationships" xmlns:p="http://schemas.openxmlformats.org/presentationml/2006/main">
+  <p:cSld>
+    <p:spTree>
+      <p:nvGrpSpPr>
+        <p:cNvPr id="1" name=""/>
+        <p:cNvGrpSpPr/>
+        <p:nvPr/>
+      </p:nvGrpSpPr>
+      <p:grpSpPr>
+        <a:xfrm>
+          <a:off x="0" y="0"/>
+          <a:ext cx="0" cy="0"/>
+          <a:chOff x="0" y="0"/>
+          <a:chExt cx="0" cy="0"/>
+        </a:xfrm>
+      </p:grpSpPr>
+      <p:pic>
+        <p:nvPicPr>
+          <p:cNvPr id="2" name="Picture 1">
+            <a:extLst>
+              <a:ext uri="{FF2B5EF4-FFF2-40B4-BE49-F238E27FC236}">
+                <a16:creationId xmlns:a16="http://schemas.microsoft.com/office/drawing/2014/main" id="{B0D9EFFE-612C-0742-AC23-84668EDD7F01}"/>
+              </a:ext>
+            </a:extLst>
+          </p:cNvPr>
+          <p:cNvPicPr>
+            <a:picLocks noChangeAspect="1"/>
+          </p:cNvPicPr>
+          <p:nvPr/>
+        </p:nvPicPr>
+        <p:blipFill>
+          <a:blip r:embed="rId2"/>
+          <a:stretch>
+            <a:fillRect/>
+          </a:stretch>
+        </p:blipFill>
+        <p:spPr>
+          <a:xfrm>
+            <a:off x="6330100" y="3556350"/>
+            <a:ext cx="4762500" cy="3175000"/>
+          </a:xfrm>
+          <a:prstGeom prst="rect">
+            <a:avLst/>
+          </a:prstGeom>
+        </p:spPr>
+      </p:pic>
+      <p:pic>
+        <p:nvPicPr>
+          <p:cNvPr id="3" name="Picture 2">
+            <a:extLst>
+              <a:ext uri="{FF2B5EF4-FFF2-40B4-BE49-F238E27FC236}">
+                <a16:creationId xmlns:a16="http://schemas.microsoft.com/office/drawing/2014/main" id="{1C836A23-F6EA-E644-B02D-F9C2649721B0}"/>
+              </a:ext>
+            </a:extLst>
+          </p:cNvPr>
+          <p:cNvPicPr>
+            <a:picLocks noChangeAspect="1"/>
+          </p:cNvPicPr>
+          <p:nvPr/>
+        </p:nvPicPr>
+        <p:blipFill>
+          <a:blip r:embed="rId3"/>
+          <a:stretch>
+            <a:fillRect/>
+          </a:stretch>
+        </p:blipFill>
+        <p:spPr>
+          <a:xfrm>
+            <a:off x="6330100" y="193850"/>
+            <a:ext cx="4762500" cy="3175000"/>
+          </a:xfrm>
+          <a:prstGeom prst="rect">
+            <a:avLst/>
+          </a:prstGeom>
+        </p:spPr>
+      </p:pic>
+      <p:pic>
+        <p:nvPicPr>
+          <p:cNvPr id="4" name="Picture 3">
+            <a:extLst>
+              <a:ext uri="{FF2B5EF4-FFF2-40B4-BE49-F238E27FC236}">
+                <a16:creationId xmlns:a16="http://schemas.microsoft.com/office/drawing/2014/main" id="{3E60603C-51C9-4948-87D7-77379CB162B4}"/>
+              </a:ext>
+            </a:extLst>
+          </p:cNvPr>
+          <p:cNvPicPr>
+            <a:picLocks noChangeAspect="1"/>
+          </p:cNvPicPr>
+          <p:nvPr/>
+        </p:nvPicPr>
+        <p:blipFill>
+          <a:blip r:embed="rId4"/>
+          <a:stretch>
+            <a:fillRect/>
+          </a:stretch>
+        </p:blipFill>
+        <p:spPr>
+          <a:xfrm>
+            <a:off x="832050" y="3546475"/>
+            <a:ext cx="4762500" cy="3175000"/>
+          </a:xfrm>
+          <a:prstGeom prst="rect">
+            <a:avLst/>
+          </a:prstGeom>
+        </p:spPr>
+      </p:pic>
+      <p:pic>
+        <p:nvPicPr>
+          <p:cNvPr id="5" name="Picture 4">
+            <a:extLst>
+              <a:ext uri="{FF2B5EF4-FFF2-40B4-BE49-F238E27FC236}">
+                <a16:creationId xmlns:a16="http://schemas.microsoft.com/office/drawing/2014/main" id="{DED35832-D4F8-B94F-9431-E8A7F0007EB2}"/>
+              </a:ext>
+            </a:extLst>
+          </p:cNvPr>
+          <p:cNvPicPr>
+            <a:picLocks noChangeAspect="1"/>
+          </p:cNvPicPr>
+          <p:nvPr/>
+        </p:nvPicPr>
+        <p:blipFill>
+          <a:blip r:embed="rId5"/>
+          <a:stretch>
+            <a:fillRect/>
+          </a:stretch>
+        </p:blipFill>
+        <p:spPr>
+          <a:xfrm>
+            <a:off x="832050" y="173000"/>
+            <a:ext cx="4762500" cy="3175000"/>
+          </a:xfrm>
+          <a:prstGeom prst="rect">
+            <a:avLst/>
+          </a:prstGeom>
+        </p:spPr>
+      </p:pic>
+      <p:sp>
+        <p:nvSpPr>
+          <p:cNvPr id="6" name="Slide Number Placeholder 5">
+            <a:extLst>
+              <a:ext uri="{FF2B5EF4-FFF2-40B4-BE49-F238E27FC236}">
+                <a16:creationId xmlns:a16="http://schemas.microsoft.com/office/drawing/2014/main" id="{26632AB1-2F28-6A42-92C3-AB2862884875}"/>
+              </a:ext>
+            </a:extLst>
+          </p:cNvPr>
+          <p:cNvSpPr>
+            <a:spLocks noGrp="1"/>
+          </p:cNvSpPr>
+          <p:nvPr>
+            <p:ph type="sldNum" sz="quarter" idx="12"/>
+          </p:nvPr>
+        </p:nvSpPr>
+        <p:spPr/>
+        <p:txBody>
+          <a:bodyPr/>
+          <a:lstStyle/>
+          <a:p>
+            <a:fld id="{052702CF-B793-8841-9D68-A44C3863FEDD}" type="slidenum">
+              <a:rPr lang="en-US" smtClean="0"/>
+              <a:t>17</a:t>
+            </a:fld>
+            <a:endParaRPr lang="en-US"/>
+          </a:p>
+        </p:txBody>
+      </p:sp>
+    </p:spTree>
+    <p:extLst>
+      <p:ext uri="{BB962C8B-B14F-4D97-AF65-F5344CB8AC3E}">
+        <p14:creationId xmlns:p14="http://schemas.microsoft.com/office/powerpoint/2010/main" val="4099699027"/>
+      </p:ext>
+    </p:extLst>
+  </p:cSld>
+  <p:clrMapOvr>
+    <a:masterClrMapping/>
+  </p:clrMapOvr>
+</p:sld>
+</file>
+
+<file path=ppt/slides/slide18.xml><?xml version="1.0" encoding="utf-8"?>
+<p:sld xmlns:a="http://schemas.openxmlformats.org/drawingml/2006/main" xmlns:r="http://schemas.openxmlformats.org/officeDocument/2006/relationships" xmlns:p="http://schemas.openxmlformats.org/presentationml/2006/main">
+  <p:cSld>
+    <p:spTree>
+      <p:nvGrpSpPr>
+        <p:cNvPr id="1" name=""/>
+        <p:cNvGrpSpPr/>
+        <p:nvPr/>
+      </p:nvGrpSpPr>
+      <p:grpSpPr>
+        <a:xfrm>
+          <a:off x="0" y="0"/>
+          <a:ext cx="0" cy="0"/>
+          <a:chOff x="0" y="0"/>
+          <a:chExt cx="0" cy="0"/>
+        </a:xfrm>
+      </p:grpSpPr>
+      <p:sp>
+        <p:nvSpPr>
+          <p:cNvPr id="4" name="Slide Number Placeholder 3">
+            <a:extLst>
+              <a:ext uri="{FF2B5EF4-FFF2-40B4-BE49-F238E27FC236}">
+                <a16:creationId xmlns:a16="http://schemas.microsoft.com/office/drawing/2014/main" id="{BCBFE378-F6E0-CC43-92DA-437DE6043516}"/>
+              </a:ext>
+            </a:extLst>
+          </p:cNvPr>
+          <p:cNvSpPr>
+            <a:spLocks noGrp="1"/>
+          </p:cNvSpPr>
+          <p:nvPr>
+            <p:ph type="sldNum" sz="quarter" idx="12"/>
+          </p:nvPr>
+        </p:nvSpPr>
+        <p:spPr/>
+        <p:txBody>
+          <a:bodyPr/>
+          <a:lstStyle/>
+          <a:p>
+            <a:fld id="{052702CF-B793-8841-9D68-A44C3863FEDD}" type="slidenum">
+              <a:rPr lang="en-US" smtClean="0"/>
+              <a:t>18</a:t>
+            </a:fld>
+            <a:endParaRPr lang="en-US"/>
+          </a:p>
+        </p:txBody>
+      </p:sp>
+      <p:pic>
+        <p:nvPicPr>
+          <p:cNvPr id="5" name="Picture 4">
+            <a:extLst>
+              <a:ext uri="{FF2B5EF4-FFF2-40B4-BE49-F238E27FC236}">
+                <a16:creationId xmlns:a16="http://schemas.microsoft.com/office/drawing/2014/main" id="{9B7E2DF6-0324-3E4E-8B9B-ADC70AF7BE90}"/>
+              </a:ext>
+            </a:extLst>
+          </p:cNvPr>
+          <p:cNvPicPr>
+            <a:picLocks noChangeAspect="1"/>
+          </p:cNvPicPr>
+          <p:nvPr/>
+        </p:nvPicPr>
+        <p:blipFill rotWithShape="1">
+          <a:blip r:embed="rId2"/>
+          <a:srcRect l="15412" r="8857"/>
+          <a:stretch/>
+        </p:blipFill>
+        <p:spPr>
+          <a:xfrm>
+            <a:off x="2781300" y="740387"/>
+            <a:ext cx="6134100" cy="5399939"/>
+          </a:xfrm>
+          <a:prstGeom prst="rect">
+            <a:avLst/>
+          </a:prstGeom>
+        </p:spPr>
+      </p:pic>
+    </p:spTree>
+    <p:extLst>
+      <p:ext uri="{BB962C8B-B14F-4D97-AF65-F5344CB8AC3E}">
+        <p14:creationId xmlns:p14="http://schemas.microsoft.com/office/powerpoint/2010/main" val="748950635"/>
+      </p:ext>
+    </p:extLst>
+  </p:cSld>
+  <p:clrMapOvr>
+    <a:masterClrMapping/>
+  </p:clrMapOvr>
+</p:sld>
+</file>
+
+<file path=ppt/slides/slide19.xml><?xml version="1.0" encoding="utf-8"?>
+<p:sld xmlns:a="http://schemas.openxmlformats.org/drawingml/2006/main" xmlns:r="http://schemas.openxmlformats.org/officeDocument/2006/relationships" xmlns:p="http://schemas.openxmlformats.org/presentationml/2006/main">
+  <p:cSld>
+    <p:spTree>
+      <p:nvGrpSpPr>
+        <p:cNvPr id="1" name=""/>
+        <p:cNvGrpSpPr/>
+        <p:nvPr/>
+      </p:nvGrpSpPr>
+      <p:grpSpPr>
+        <a:xfrm>
+          <a:off x="0" y="0"/>
+          <a:ext cx="0" cy="0"/>
+          <a:chOff x="0" y="0"/>
+          <a:chExt cx="0" cy="0"/>
+        </a:xfrm>
+      </p:grpSpPr>
+      <p:sp>
+        <p:nvSpPr>
+          <p:cNvPr id="2" name="Slide Number Placeholder 1">
+            <a:extLst>
+              <a:ext uri="{FF2B5EF4-FFF2-40B4-BE49-F238E27FC236}">
+                <a16:creationId xmlns:a16="http://schemas.microsoft.com/office/drawing/2014/main" id="{C44BCCFB-A21A-5747-93FB-B891B614DCD7}"/>
+              </a:ext>
+            </a:extLst>
+          </p:cNvPr>
+          <p:cNvSpPr>
+            <a:spLocks noGrp="1"/>
+          </p:cNvSpPr>
+          <p:nvPr>
+            <p:ph type="sldNum" sz="quarter" idx="12"/>
+          </p:nvPr>
+        </p:nvSpPr>
+        <p:spPr/>
+        <p:txBody>
+          <a:bodyPr/>
+          <a:lstStyle/>
+          <a:p>
+            <a:fld id="{052702CF-B793-8841-9D68-A44C3863FEDD}" type="slidenum">
+              <a:rPr lang="en-US" smtClean="0"/>
+              <a:t>19</a:t>
+            </a:fld>
+            <a:endParaRPr lang="en-US"/>
+          </a:p>
+        </p:txBody>
+      </p:sp>
+      <p:sp>
+        <p:nvSpPr>
+          <p:cNvPr id="3" name="Rectangle 2">
+            <a:extLst>
+              <a:ext uri="{FF2B5EF4-FFF2-40B4-BE49-F238E27FC236}">
+                <a16:creationId xmlns:a16="http://schemas.microsoft.com/office/drawing/2014/main" id="{4C5E6266-E115-4746-AE95-6A7A72565CEE}"/>
+              </a:ext>
+            </a:extLst>
+          </p:cNvPr>
+          <p:cNvSpPr/>
+          <p:nvPr/>
+        </p:nvSpPr>
+        <p:spPr>
+          <a:xfrm>
+            <a:off x="3390900" y="1410206"/>
+            <a:ext cx="6096000" cy="3785652"/>
+          </a:xfrm>
+          <a:prstGeom prst="rect">
+            <a:avLst/>
+          </a:prstGeom>
+        </p:spPr>
+        <p:txBody>
+          <a:bodyPr>
+            <a:spAutoFit/>
+          </a:bodyPr>
+          <a:lstStyle/>
+          <a:p>
+            <a:pPr marL="285750" indent="-285750">
+              <a:buFont typeface="Arial" panose="020B0604020202020204" pitchFamily="34" charset="0"/>
+              <a:buChar char="•"/>
+            </a:pPr>
+            <a:r>
+              <a:rPr lang="en-US" sz="2400" dirty="0"/>
+              <a:t>Categorical features</a:t>
+            </a:r>
+          </a:p>
+          <a:p>
+            <a:pPr marL="742950" lvl="1" indent="-285750">
+              <a:buFont typeface="Arial" panose="020B0604020202020204" pitchFamily="34" charset="0"/>
+              <a:buChar char="•"/>
+            </a:pPr>
+            <a:r>
+              <a:rPr lang="en-US" sz="2400" dirty="0"/>
+              <a:t>SYMBOL – Name of the gene</a:t>
+            </a:r>
+          </a:p>
+          <a:p>
+            <a:pPr marL="742950" lvl="1" indent="-285750">
+              <a:buFont typeface="Arial" panose="020B0604020202020204" pitchFamily="34" charset="0"/>
+              <a:buChar char="•"/>
+            </a:pPr>
+            <a:r>
+              <a:rPr lang="en-US" sz="2400" dirty="0"/>
+              <a:t>CLNVC – Variant type</a:t>
+            </a:r>
+          </a:p>
+          <a:p>
+            <a:pPr marL="742950" lvl="1" indent="-285750">
+              <a:buFont typeface="Arial" panose="020B0604020202020204" pitchFamily="34" charset="0"/>
+              <a:buChar char="•"/>
+            </a:pPr>
+            <a:r>
+              <a:rPr lang="en-US" sz="2400" dirty="0"/>
+              <a:t>IMPACT – Impact of the variant</a:t>
+            </a:r>
+          </a:p>
+          <a:p>
+            <a:pPr marL="285750" indent="-285750">
+              <a:buFont typeface="Arial" panose="020B0604020202020204" pitchFamily="34" charset="0"/>
+              <a:buChar char="•"/>
+            </a:pPr>
+            <a:r>
+              <a:rPr lang="en-US" sz="2400" dirty="0"/>
+              <a:t>Numeric features </a:t>
+            </a:r>
+          </a:p>
+          <a:p>
+            <a:pPr marL="742950" lvl="1" indent="-285750">
+              <a:buFont typeface="Arial" panose="020B0604020202020204" pitchFamily="34" charset="0"/>
+              <a:buChar char="•"/>
+            </a:pPr>
+            <a:r>
+              <a:rPr lang="en-US" sz="2400" dirty="0"/>
+              <a:t>AF_TGP – Frequency of allele</a:t>
+            </a:r>
+          </a:p>
+          <a:p>
+            <a:pPr marL="742950" lvl="1" indent="-285750">
+              <a:buFont typeface="Arial" panose="020B0604020202020204" pitchFamily="34" charset="0"/>
+              <a:buChar char="•"/>
+            </a:pPr>
+            <a:r>
+              <a:rPr lang="en-US" sz="2400" dirty="0"/>
+              <a:t>CADD_PHRED – ‘Deleteriousness’ score</a:t>
+            </a:r>
+          </a:p>
+          <a:p>
+            <a:pPr marL="742950" lvl="1" indent="-285750">
+              <a:buFont typeface="Arial" panose="020B0604020202020204" pitchFamily="34" charset="0"/>
+              <a:buChar char="•"/>
+            </a:pPr>
+            <a:r>
+              <a:rPr lang="en-US" sz="2400" dirty="0" err="1"/>
+              <a:t>LoFtool</a:t>
+            </a:r>
+            <a:r>
+              <a:rPr lang="en-US" sz="2400" dirty="0"/>
+              <a:t> – Loss of function score</a:t>
+            </a:r>
+          </a:p>
+          <a:p>
+            <a:pPr marL="742950" lvl="1" indent="-285750">
+              <a:buFont typeface="Arial" panose="020B0604020202020204" pitchFamily="34" charset="0"/>
+              <a:buChar char="•"/>
+            </a:pPr>
+            <a:r>
+              <a:rPr lang="en-US" sz="2400" dirty="0"/>
+              <a:t>Strand – Forward or backward DNA strand</a:t>
+            </a:r>
+          </a:p>
+        </p:txBody>
+      </p:sp>
+    </p:spTree>
+    <p:extLst>
+      <p:ext uri="{BB962C8B-B14F-4D97-AF65-F5344CB8AC3E}">
+        <p14:creationId xmlns:p14="http://schemas.microsoft.com/office/powerpoint/2010/main" val="1849644182"/>
       </p:ext>
     </p:extLst>
   </p:cSld>
@@ -3603,7 +5824,7 @@
           <a:p>
             <a:r>
               <a:rPr lang="en-US" dirty="0"/>
-              <a:t>Test</a:t>
+              <a:t>DNA Primer</a:t>
             </a:r>
           </a:p>
         </p:txBody>
@@ -3659,7 +5880,7 @@
         </p:blipFill>
         <p:spPr>
           <a:xfrm rot="5400000">
-            <a:off x="7023926" y="-1130511"/>
+            <a:off x="6338126" y="-1130511"/>
             <a:ext cx="682562" cy="4351338"/>
           </a:xfrm>
           <a:prstGeom prst="rect">
@@ -3689,8 +5910,151 @@
         </p:blipFill>
         <p:spPr>
           <a:xfrm rot="5400000">
-            <a:off x="11375264" y="-1130509"/>
+            <a:off x="10689464" y="-1130509"/>
             <a:ext cx="682562" cy="4351338"/>
+          </a:xfrm>
+          <a:prstGeom prst="rect">
+            <a:avLst/>
+          </a:prstGeom>
+        </p:spPr>
+      </p:pic>
+      <p:sp>
+        <p:nvSpPr>
+          <p:cNvPr id="3" name="Slide Number Placeholder 2">
+            <a:extLst>
+              <a:ext uri="{FF2B5EF4-FFF2-40B4-BE49-F238E27FC236}">
+                <a16:creationId xmlns:a16="http://schemas.microsoft.com/office/drawing/2014/main" id="{CC104F04-EDD1-CB45-9BEB-0B414E6018CC}"/>
+              </a:ext>
+            </a:extLst>
+          </p:cNvPr>
+          <p:cNvSpPr>
+            <a:spLocks noGrp="1"/>
+          </p:cNvSpPr>
+          <p:nvPr>
+            <p:ph type="sldNum" sz="quarter" idx="12"/>
+          </p:nvPr>
+        </p:nvSpPr>
+        <p:spPr/>
+        <p:txBody>
+          <a:bodyPr/>
+          <a:lstStyle/>
+          <a:p>
+            <a:fld id="{052702CF-B793-8841-9D68-A44C3863FEDD}" type="slidenum">
+              <a:rPr lang="en-US" smtClean="0"/>
+              <a:t>2</a:t>
+            </a:fld>
+            <a:endParaRPr lang="en-US"/>
+          </a:p>
+        </p:txBody>
+      </p:sp>
+      <p:sp>
+        <p:nvSpPr>
+          <p:cNvPr id="8" name="TextBox 7">
+            <a:extLst>
+              <a:ext uri="{FF2B5EF4-FFF2-40B4-BE49-F238E27FC236}">
+                <a16:creationId xmlns:a16="http://schemas.microsoft.com/office/drawing/2014/main" id="{F4F4EDBF-7378-0C48-8D84-6D87A34FC49C}"/>
+              </a:ext>
+            </a:extLst>
+          </p:cNvPr>
+          <p:cNvSpPr txBox="1"/>
+          <p:nvPr/>
+        </p:nvSpPr>
+        <p:spPr>
+          <a:xfrm>
+            <a:off x="558800" y="1905000"/>
+            <a:ext cx="4796488" cy="3970318"/>
+          </a:xfrm>
+          <a:prstGeom prst="rect">
+            <a:avLst/>
+          </a:prstGeom>
+          <a:noFill/>
+        </p:spPr>
+        <p:txBody>
+          <a:bodyPr wrap="square" rtlCol="0">
+            <a:spAutoFit/>
+          </a:bodyPr>
+          <a:lstStyle/>
+          <a:p>
+            <a:pPr marL="285750" indent="-285750">
+              <a:buFont typeface="Arial" panose="020B0604020202020204" pitchFamily="34" charset="0"/>
+              <a:buChar char="•"/>
+            </a:pPr>
+            <a:r>
+              <a:rPr lang="en-US" sz="2800" dirty="0"/>
+              <a:t>We all have DNA and genes </a:t>
+            </a:r>
+          </a:p>
+          <a:p>
+            <a:pPr marL="285750" indent="-285750">
+              <a:buFont typeface="Arial" panose="020B0604020202020204" pitchFamily="34" charset="0"/>
+              <a:buChar char="•"/>
+            </a:pPr>
+            <a:r>
+              <a:rPr lang="en-US" sz="2800" dirty="0"/>
+              <a:t>Some of those genes are variants </a:t>
+            </a:r>
+          </a:p>
+          <a:p>
+            <a:pPr marL="285750" indent="-285750">
+              <a:buFont typeface="Arial" panose="020B0604020202020204" pitchFamily="34" charset="0"/>
+              <a:buChar char="•"/>
+            </a:pPr>
+            <a:r>
+              <a:rPr lang="en-US" sz="2800" dirty="0"/>
+              <a:t>These variants might be common (</a:t>
+            </a:r>
+            <a:r>
+              <a:rPr lang="en-US" sz="2800" dirty="0" err="1"/>
+              <a:t>eg.</a:t>
+            </a:r>
+            <a:r>
+              <a:rPr lang="en-US" sz="2800" dirty="0"/>
+              <a:t> SNP) or rare (mutations)</a:t>
+            </a:r>
+          </a:p>
+          <a:p>
+            <a:pPr marL="285750" indent="-285750">
+              <a:buFont typeface="Arial" panose="020B0604020202020204" pitchFamily="34" charset="0"/>
+              <a:buChar char="•"/>
+            </a:pPr>
+            <a:r>
+              <a:rPr lang="en-US" sz="2800" dirty="0"/>
+              <a:t>Variants might have little to no effect, or a negative effect</a:t>
+            </a:r>
+          </a:p>
+          <a:p>
+            <a:pPr marL="285750" indent="-285750">
+              <a:buFont typeface="Arial" panose="020B0604020202020204" pitchFamily="34" charset="0"/>
+              <a:buChar char="•"/>
+            </a:pPr>
+            <a:endParaRPr lang="en-US" sz="2800" dirty="0"/>
+          </a:p>
+        </p:txBody>
+      </p:sp>
+      <p:pic>
+        <p:nvPicPr>
+          <p:cNvPr id="9" name="Picture 8">
+            <a:extLst>
+              <a:ext uri="{FF2B5EF4-FFF2-40B4-BE49-F238E27FC236}">
+                <a16:creationId xmlns:a16="http://schemas.microsoft.com/office/drawing/2014/main" id="{49EB7616-E20B-8E4E-873B-2837B02809F6}"/>
+              </a:ext>
+            </a:extLst>
+          </p:cNvPr>
+          <p:cNvPicPr>
+            <a:picLocks noChangeAspect="1"/>
+          </p:cNvPicPr>
+          <p:nvPr/>
+        </p:nvPicPr>
+        <p:blipFill>
+          <a:blip r:embed="rId3"/>
+          <a:stretch>
+            <a:fillRect/>
+          </a:stretch>
+        </p:blipFill>
+        <p:spPr>
+          <a:xfrm>
+            <a:off x="5355288" y="1762116"/>
+            <a:ext cx="6531077" cy="4256085"/>
           </a:xfrm>
           <a:prstGeom prst="rect">
             <a:avLst/>
@@ -3700,7 +6064,7 @@
     </p:spTree>
     <p:extLst>
       <p:ext uri="{BB962C8B-B14F-4D97-AF65-F5344CB8AC3E}">
-        <p14:creationId xmlns:p14="http://schemas.microsoft.com/office/powerpoint/2010/main" val="3633484483"/>
+        <p14:creationId xmlns:p14="http://schemas.microsoft.com/office/powerpoint/2010/main" val="2667249955"/>
       </p:ext>
     </p:extLst>
   </p:cSld>
@@ -3755,7 +6119,7 @@
           <a:p>
             <a:r>
               <a:rPr lang="en-US" dirty="0"/>
-              <a:t>Test</a:t>
+              <a:t>Gene Classification</a:t>
             </a:r>
           </a:p>
         </p:txBody>
@@ -3811,7 +6175,7 @@
         </p:blipFill>
         <p:spPr>
           <a:xfrm rot="5400000">
-            <a:off x="7023926" y="-1130511"/>
+            <a:off x="7849426" y="-1130511"/>
             <a:ext cx="682562" cy="4351338"/>
           </a:xfrm>
           <a:prstGeom prst="rect">
@@ -3841,7 +6205,7 @@
         </p:blipFill>
         <p:spPr>
           <a:xfrm rot="5400000">
-            <a:off x="11375264" y="-1130509"/>
+            <a:off x="12200764" y="-1130509"/>
             <a:ext cx="682562" cy="4351338"/>
           </a:xfrm>
           <a:prstGeom prst="rect">
@@ -3849,6 +6213,293 @@
           </a:prstGeom>
         </p:spPr>
       </p:pic>
+      <p:sp>
+        <p:nvSpPr>
+          <p:cNvPr id="8" name="TextBox 7">
+            <a:extLst>
+              <a:ext uri="{FF2B5EF4-FFF2-40B4-BE49-F238E27FC236}">
+                <a16:creationId xmlns:a16="http://schemas.microsoft.com/office/drawing/2014/main" id="{C1F43D36-FB5E-AE4F-B5B7-C6FD5CDA0165}"/>
+              </a:ext>
+            </a:extLst>
+          </p:cNvPr>
+          <p:cNvSpPr txBox="1"/>
+          <p:nvPr/>
+        </p:nvSpPr>
+        <p:spPr>
+          <a:xfrm>
+            <a:off x="558800" y="1905000"/>
+            <a:ext cx="5080000" cy="4832092"/>
+          </a:xfrm>
+          <a:prstGeom prst="rect">
+            <a:avLst/>
+          </a:prstGeom>
+          <a:noFill/>
+        </p:spPr>
+        <p:txBody>
+          <a:bodyPr wrap="square" rtlCol="0">
+            <a:spAutoFit/>
+          </a:bodyPr>
+          <a:lstStyle/>
+          <a:p>
+            <a:pPr marL="285750" indent="-285750">
+              <a:buFont typeface="Arial" panose="020B0604020202020204" pitchFamily="34" charset="0"/>
+              <a:buChar char="•"/>
+            </a:pPr>
+            <a:r>
+              <a:rPr lang="en-US" sz="2800" dirty="0"/>
+              <a:t>Genetic variants are classified at labs (usually manually) in one of 5 different ways in terms of clinical significance </a:t>
+            </a:r>
+          </a:p>
+          <a:p>
+            <a:pPr marL="285750" indent="-285750">
+              <a:buFont typeface="Arial" panose="020B0604020202020204" pitchFamily="34" charset="0"/>
+              <a:buChar char="•"/>
+            </a:pPr>
+            <a:endParaRPr lang="en-US" sz="2800" dirty="0"/>
+          </a:p>
+          <a:p>
+            <a:pPr marL="285750" indent="-285750">
+              <a:buFont typeface="Arial" panose="020B0604020202020204" pitchFamily="34" charset="0"/>
+              <a:buChar char="•"/>
+            </a:pPr>
+            <a:r>
+              <a:rPr lang="en-US" sz="2800" dirty="0"/>
+              <a:t>These are split into 3 categories</a:t>
+            </a:r>
+          </a:p>
+          <a:p>
+            <a:pPr marL="285750" indent="-285750">
+              <a:buFont typeface="Arial" panose="020B0604020202020204" pitchFamily="34" charset="0"/>
+              <a:buChar char="•"/>
+            </a:pPr>
+            <a:endParaRPr lang="en-US" sz="2800" dirty="0"/>
+          </a:p>
+          <a:p>
+            <a:pPr marL="285750" indent="-285750">
+              <a:buFont typeface="Arial" panose="020B0604020202020204" pitchFamily="34" charset="0"/>
+              <a:buChar char="•"/>
+            </a:pPr>
+            <a:r>
+              <a:rPr lang="en-US" sz="2800" dirty="0"/>
+              <a:t>When results from separate labs are classified as different categories, they are said to be “conflicting”</a:t>
+            </a:r>
+          </a:p>
+        </p:txBody>
+      </p:sp>
+      <p:pic>
+        <p:nvPicPr>
+          <p:cNvPr id="9" name="Picture 8">
+            <a:extLst>
+              <a:ext uri="{FF2B5EF4-FFF2-40B4-BE49-F238E27FC236}">
+                <a16:creationId xmlns:a16="http://schemas.microsoft.com/office/drawing/2014/main" id="{F3EF2CE6-25BC-0C46-A234-2B0DC0269D63}"/>
+              </a:ext>
+            </a:extLst>
+          </p:cNvPr>
+          <p:cNvPicPr>
+            <a:picLocks noChangeAspect="1"/>
+          </p:cNvPicPr>
+          <p:nvPr/>
+        </p:nvPicPr>
+        <p:blipFill rotWithShape="1">
+          <a:blip r:embed="rId3"/>
+          <a:srcRect r="22783"/>
+          <a:stretch/>
+        </p:blipFill>
+        <p:spPr>
+          <a:xfrm>
+            <a:off x="6488990" y="2575442"/>
+            <a:ext cx="5150915" cy="3200400"/>
+          </a:xfrm>
+          <a:prstGeom prst="rect">
+            <a:avLst/>
+          </a:prstGeom>
+        </p:spPr>
+      </p:pic>
+      <p:sp>
+        <p:nvSpPr>
+          <p:cNvPr id="12" name="Slide Number Placeholder 11">
+            <a:extLst>
+              <a:ext uri="{FF2B5EF4-FFF2-40B4-BE49-F238E27FC236}">
+                <a16:creationId xmlns:a16="http://schemas.microsoft.com/office/drawing/2014/main" id="{B14CDF55-1F55-784E-A907-5C91E5B261FC}"/>
+              </a:ext>
+            </a:extLst>
+          </p:cNvPr>
+          <p:cNvSpPr>
+            <a:spLocks noGrp="1"/>
+          </p:cNvSpPr>
+          <p:nvPr>
+            <p:ph type="sldNum" sz="quarter" idx="12"/>
+          </p:nvPr>
+        </p:nvSpPr>
+        <p:spPr/>
+        <p:txBody>
+          <a:bodyPr/>
+          <a:lstStyle/>
+          <a:p>
+            <a:fld id="{052702CF-B793-8841-9D68-A44C3863FEDD}" type="slidenum">
+              <a:rPr lang="en-US" smtClean="0"/>
+              <a:t>3</a:t>
+            </a:fld>
+            <a:endParaRPr lang="en-US"/>
+          </a:p>
+        </p:txBody>
+      </p:sp>
+      <p:sp>
+        <p:nvSpPr>
+          <p:cNvPr id="13" name="Rounded Rectangle 12">
+            <a:extLst>
+              <a:ext uri="{FF2B5EF4-FFF2-40B4-BE49-F238E27FC236}">
+                <a16:creationId xmlns:a16="http://schemas.microsoft.com/office/drawing/2014/main" id="{6F9C6284-1E9C-A74F-8328-DD8F2D1335A1}"/>
+              </a:ext>
+            </a:extLst>
+          </p:cNvPr>
+          <p:cNvSpPr/>
+          <p:nvPr/>
+        </p:nvSpPr>
+        <p:spPr>
+          <a:xfrm>
+            <a:off x="6488990" y="2524639"/>
+            <a:ext cx="5271210" cy="1232453"/>
+          </a:xfrm>
+          <a:prstGeom prst="roundRect">
+            <a:avLst/>
+          </a:prstGeom>
+          <a:noFill/>
+          <a:ln w="38100">
+            <a:solidFill>
+              <a:srgbClr val="EC435D"/>
+            </a:solidFill>
+          </a:ln>
+        </p:spPr>
+        <p:style>
+          <a:lnRef idx="2">
+            <a:schemeClr val="accent1">
+              <a:shade val="50000"/>
+            </a:schemeClr>
+          </a:lnRef>
+          <a:fillRef idx="1">
+            <a:schemeClr val="accent1"/>
+          </a:fillRef>
+          <a:effectRef idx="0">
+            <a:schemeClr val="accent1"/>
+          </a:effectRef>
+          <a:fontRef idx="minor">
+            <a:schemeClr val="lt1"/>
+          </a:fontRef>
+        </p:style>
+        <p:txBody>
+          <a:bodyPr rtlCol="0" anchor="ctr"/>
+          <a:lstStyle/>
+          <a:p>
+            <a:pPr algn="ctr"/>
+            <a:endParaRPr lang="en-US"/>
+          </a:p>
+        </p:txBody>
+      </p:sp>
+      <p:sp>
+        <p:nvSpPr>
+          <p:cNvPr id="14" name="Rounded Rectangle 13">
+            <a:extLst>
+              <a:ext uri="{FF2B5EF4-FFF2-40B4-BE49-F238E27FC236}">
+                <a16:creationId xmlns:a16="http://schemas.microsoft.com/office/drawing/2014/main" id="{D1DC70ED-1526-9840-BCB2-CFAE92BB3CE9}"/>
+              </a:ext>
+            </a:extLst>
+          </p:cNvPr>
+          <p:cNvSpPr/>
+          <p:nvPr/>
+        </p:nvSpPr>
+        <p:spPr>
+          <a:xfrm>
+            <a:off x="6488990" y="4431463"/>
+            <a:ext cx="5271210" cy="1232453"/>
+          </a:xfrm>
+          <a:prstGeom prst="roundRect">
+            <a:avLst/>
+          </a:prstGeom>
+          <a:noFill/>
+          <a:ln w="38100">
+            <a:solidFill>
+              <a:srgbClr val="377A9B"/>
+            </a:solidFill>
+          </a:ln>
+        </p:spPr>
+        <p:style>
+          <a:lnRef idx="2">
+            <a:schemeClr val="accent1">
+              <a:shade val="50000"/>
+            </a:schemeClr>
+          </a:lnRef>
+          <a:fillRef idx="1">
+            <a:schemeClr val="accent1"/>
+          </a:fillRef>
+          <a:effectRef idx="0">
+            <a:schemeClr val="accent1"/>
+          </a:effectRef>
+          <a:fontRef idx="minor">
+            <a:schemeClr val="lt1"/>
+          </a:fontRef>
+        </p:style>
+        <p:txBody>
+          <a:bodyPr rtlCol="0" anchor="ctr"/>
+          <a:lstStyle/>
+          <a:p>
+            <a:pPr algn="ctr"/>
+            <a:endParaRPr lang="en-US"/>
+          </a:p>
+        </p:txBody>
+      </p:sp>
+      <p:sp>
+        <p:nvSpPr>
+          <p:cNvPr id="15" name="Rounded Rectangle 14">
+            <a:extLst>
+              <a:ext uri="{FF2B5EF4-FFF2-40B4-BE49-F238E27FC236}">
+                <a16:creationId xmlns:a16="http://schemas.microsoft.com/office/drawing/2014/main" id="{B29C3352-2CDE-D142-87F6-55052F965B9A}"/>
+              </a:ext>
+            </a:extLst>
+          </p:cNvPr>
+          <p:cNvSpPr/>
+          <p:nvPr/>
+        </p:nvSpPr>
+        <p:spPr>
+          <a:xfrm>
+            <a:off x="6488990" y="3807892"/>
+            <a:ext cx="5271210" cy="572771"/>
+          </a:xfrm>
+          <a:prstGeom prst="roundRect">
+            <a:avLst/>
+          </a:prstGeom>
+          <a:noFill/>
+          <a:ln w="38100">
+            <a:solidFill>
+              <a:schemeClr val="tx1"/>
+            </a:solidFill>
+          </a:ln>
+        </p:spPr>
+        <p:style>
+          <a:lnRef idx="2">
+            <a:schemeClr val="accent1">
+              <a:shade val="50000"/>
+            </a:schemeClr>
+          </a:lnRef>
+          <a:fillRef idx="1">
+            <a:schemeClr val="accent1"/>
+          </a:fillRef>
+          <a:effectRef idx="0">
+            <a:schemeClr val="accent1"/>
+          </a:effectRef>
+          <a:fontRef idx="minor">
+            <a:schemeClr val="lt1"/>
+          </a:fontRef>
+        </p:style>
+        <p:txBody>
+          <a:bodyPr rtlCol="0" anchor="ctr"/>
+          <a:lstStyle/>
+          <a:p>
+            <a:pPr algn="ctr"/>
+            <a:endParaRPr lang="en-US"/>
+          </a:p>
+        </p:txBody>
+      </p:sp>
     </p:spTree>
     <p:extLst>
       <p:ext uri="{BB962C8B-B14F-4D97-AF65-F5344CB8AC3E}">
@@ -3859,6 +6510,140 @@
   <p:clrMapOvr>
     <a:masterClrMapping/>
   </p:clrMapOvr>
+  <p:timing>
+    <p:tnLst>
+      <p:par>
+        <p:cTn id="1" dur="indefinite" restart="never" nodeType="tmRoot">
+          <p:childTnLst>
+            <p:seq concurrent="1" nextAc="seek">
+              <p:cTn id="2" dur="indefinite" nodeType="mainSeq">
+                <p:childTnLst>
+                  <p:par>
+                    <p:cTn id="3" fill="hold">
+                      <p:stCondLst>
+                        <p:cond delay="indefinite"/>
+                      </p:stCondLst>
+                      <p:childTnLst>
+                        <p:par>
+                          <p:cTn id="4" fill="hold">
+                            <p:stCondLst>
+                              <p:cond delay="0"/>
+                            </p:stCondLst>
+                            <p:childTnLst>
+                              <p:par>
+                                <p:cTn id="5" presetID="1" presetClass="entr" presetSubtype="0" fill="hold" grpId="0" nodeType="clickEffect">
+                                  <p:stCondLst>
+                                    <p:cond delay="0"/>
+                                  </p:stCondLst>
+                                  <p:childTnLst>
+                                    <p:set>
+                                      <p:cBhvr>
+                                        <p:cTn id="6" dur="1" fill="hold">
+                                          <p:stCondLst>
+                                            <p:cond delay="0"/>
+                                          </p:stCondLst>
+                                        </p:cTn>
+                                        <p:tgtEl>
+                                          <p:spTgt spid="13"/>
+                                        </p:tgtEl>
+                                        <p:attrNameLst>
+                                          <p:attrName>style.visibility</p:attrName>
+                                        </p:attrNameLst>
+                                      </p:cBhvr>
+                                      <p:to>
+                                        <p:strVal val="visible"/>
+                                      </p:to>
+                                    </p:set>
+                                  </p:childTnLst>
+                                </p:cTn>
+                              </p:par>
+                              <p:par>
+                                <p:cTn id="7" presetID="1" presetClass="entr" presetSubtype="0" fill="hold" grpId="0" nodeType="withEffect">
+                                  <p:stCondLst>
+                                    <p:cond delay="0"/>
+                                  </p:stCondLst>
+                                  <p:childTnLst>
+                                    <p:set>
+                                      <p:cBhvr>
+                                        <p:cTn id="8" dur="1" fill="hold">
+                                          <p:stCondLst>
+                                            <p:cond delay="0"/>
+                                          </p:stCondLst>
+                                        </p:cTn>
+                                        <p:tgtEl>
+                                          <p:spTgt spid="15"/>
+                                        </p:tgtEl>
+                                        <p:attrNameLst>
+                                          <p:attrName>style.visibility</p:attrName>
+                                        </p:attrNameLst>
+                                      </p:cBhvr>
+                                      <p:to>
+                                        <p:strVal val="visible"/>
+                                      </p:to>
+                                    </p:set>
+                                  </p:childTnLst>
+                                </p:cTn>
+                              </p:par>
+                              <p:par>
+                                <p:cTn id="9" presetID="1" presetClass="entr" presetSubtype="0" fill="hold" grpId="0" nodeType="withEffect">
+                                  <p:stCondLst>
+                                    <p:cond delay="0"/>
+                                  </p:stCondLst>
+                                  <p:childTnLst>
+                                    <p:set>
+                                      <p:cBhvr>
+                                        <p:cTn id="10" dur="1" fill="hold">
+                                          <p:stCondLst>
+                                            <p:cond delay="0"/>
+                                          </p:stCondLst>
+                                        </p:cTn>
+                                        <p:tgtEl>
+                                          <p:spTgt spid="14"/>
+                                        </p:tgtEl>
+                                        <p:attrNameLst>
+                                          <p:attrName>style.visibility</p:attrName>
+                                        </p:attrNameLst>
+                                      </p:cBhvr>
+                                      <p:to>
+                                        <p:strVal val="visible"/>
+                                      </p:to>
+                                    </p:set>
+                                  </p:childTnLst>
+                                </p:cTn>
+                              </p:par>
+                            </p:childTnLst>
+                          </p:cTn>
+                        </p:par>
+                      </p:childTnLst>
+                    </p:cTn>
+                  </p:par>
+                </p:childTnLst>
+              </p:cTn>
+              <p:prevCondLst>
+                <p:cond evt="onPrev" delay="0">
+                  <p:tgtEl>
+                    <p:sldTgt/>
+                  </p:tgtEl>
+                </p:cond>
+              </p:prevCondLst>
+              <p:nextCondLst>
+                <p:cond evt="onNext" delay="0">
+                  <p:tgtEl>
+                    <p:sldTgt/>
+                  </p:tgtEl>
+                </p:cond>
+              </p:nextCondLst>
+            </p:seq>
+          </p:childTnLst>
+        </p:cTn>
+      </p:par>
+    </p:tnLst>
+    <p:bldLst>
+      <p:bldP spid="13" grpId="0" animBg="1"/>
+      <p:bldP spid="14" grpId="0" animBg="1"/>
+      <p:bldP spid="15" grpId="0" animBg="1"/>
+    </p:bldLst>
+  </p:timing>
 </p:sld>
 </file>
 
@@ -3907,7 +6692,7 @@
           <a:p>
             <a:r>
               <a:rPr lang="en-US" dirty="0"/>
-              <a:t>Test</a:t>
+              <a:t>Purpose</a:t>
             </a:r>
           </a:p>
         </p:txBody>
@@ -3963,7 +6748,7 @@
         </p:blipFill>
         <p:spPr>
           <a:xfrm rot="5400000">
-            <a:off x="7023926" y="-1130511"/>
+            <a:off x="5512626" y="-1130511"/>
             <a:ext cx="682562" cy="4351338"/>
           </a:xfrm>
           <a:prstGeom prst="rect">
@@ -3993,7 +6778,7 @@
         </p:blipFill>
         <p:spPr>
           <a:xfrm rot="5400000">
-            <a:off x="11375264" y="-1130509"/>
+            <a:off x="9863964" y="-1130509"/>
             <a:ext cx="682562" cy="4351338"/>
           </a:xfrm>
           <a:prstGeom prst="rect">
@@ -4001,10 +6786,140 @@
           </a:prstGeom>
         </p:spPr>
       </p:pic>
+      <p:sp>
+        <p:nvSpPr>
+          <p:cNvPr id="3" name="Slide Number Placeholder 2">
+            <a:extLst>
+              <a:ext uri="{FF2B5EF4-FFF2-40B4-BE49-F238E27FC236}">
+                <a16:creationId xmlns:a16="http://schemas.microsoft.com/office/drawing/2014/main" id="{4483B3B5-9960-1A48-A41E-7671946C2510}"/>
+              </a:ext>
+            </a:extLst>
+          </p:cNvPr>
+          <p:cNvSpPr>
+            <a:spLocks noGrp="1"/>
+          </p:cNvSpPr>
+          <p:nvPr>
+            <p:ph type="sldNum" sz="quarter" idx="12"/>
+          </p:nvPr>
+        </p:nvSpPr>
+        <p:spPr/>
+        <p:txBody>
+          <a:bodyPr/>
+          <a:lstStyle/>
+          <a:p>
+            <a:fld id="{052702CF-B793-8841-9D68-A44C3863FEDD}" type="slidenum">
+              <a:rPr lang="en-US" smtClean="0"/>
+              <a:t>4</a:t>
+            </a:fld>
+            <a:endParaRPr lang="en-US"/>
+          </a:p>
+        </p:txBody>
+      </p:sp>
+      <p:sp>
+        <p:nvSpPr>
+          <p:cNvPr id="9" name="TextBox 8">
+            <a:extLst>
+              <a:ext uri="{FF2B5EF4-FFF2-40B4-BE49-F238E27FC236}">
+                <a16:creationId xmlns:a16="http://schemas.microsoft.com/office/drawing/2014/main" id="{B62DDAC2-A96C-6C4D-9BE9-73B80310892A}"/>
+              </a:ext>
+            </a:extLst>
+          </p:cNvPr>
+          <p:cNvSpPr txBox="1"/>
+          <p:nvPr/>
+        </p:nvSpPr>
+        <p:spPr>
+          <a:xfrm>
+            <a:off x="558800" y="1905000"/>
+            <a:ext cx="10795000" cy="3108543"/>
+          </a:xfrm>
+          <a:prstGeom prst="rect">
+            <a:avLst/>
+          </a:prstGeom>
+          <a:noFill/>
+        </p:spPr>
+        <p:txBody>
+          <a:bodyPr wrap="square" rtlCol="0">
+            <a:spAutoFit/>
+          </a:bodyPr>
+          <a:lstStyle/>
+          <a:p>
+            <a:pPr marL="285750" indent="-285750">
+              <a:buFont typeface="Arial" panose="020B0604020202020204" pitchFamily="34" charset="0"/>
+              <a:buChar char="•"/>
+            </a:pPr>
+            <a:r>
+              <a:rPr lang="en-US" sz="2800" dirty="0"/>
+              <a:t>By identifying which gene variants are likely to be classified in a conflicting manner or not:</a:t>
+            </a:r>
+          </a:p>
+          <a:p>
+            <a:pPr marL="285750" indent="-285750">
+              <a:buFont typeface="Arial" panose="020B0604020202020204" pitchFamily="34" charset="0"/>
+              <a:buChar char="•"/>
+            </a:pPr>
+            <a:endParaRPr lang="en-US" sz="2800" dirty="0"/>
+          </a:p>
+          <a:p>
+            <a:pPr marL="742950" lvl="1" indent="-285750">
+              <a:buFont typeface="Arial" panose="020B0604020202020204" pitchFamily="34" charset="0"/>
+              <a:buChar char="•"/>
+            </a:pPr>
+            <a:r>
+              <a:rPr lang="en-US" sz="2800" dirty="0">
+                <a:solidFill>
+                  <a:srgbClr val="EC435D"/>
+                </a:solidFill>
+              </a:rPr>
+              <a:t>Biologists and labs </a:t>
+            </a:r>
+            <a:r>
+              <a:rPr lang="en-US" sz="2800" dirty="0"/>
+              <a:t>can better identify those variants which require further study and lab testing</a:t>
+            </a:r>
+          </a:p>
+          <a:p>
+            <a:pPr marL="742950" lvl="1" indent="-285750">
+              <a:buFont typeface="Arial" panose="020B0604020202020204" pitchFamily="34" charset="0"/>
+              <a:buChar char="•"/>
+            </a:pPr>
+            <a:endParaRPr lang="en-US" sz="2800" dirty="0"/>
+          </a:p>
+          <a:p>
+            <a:pPr marL="742950" lvl="1" indent="-285750">
+              <a:buFont typeface="Arial" panose="020B0604020202020204" pitchFamily="34" charset="0"/>
+              <a:buChar char="•"/>
+            </a:pPr>
+            <a:r>
+              <a:rPr lang="en-US" sz="2800" dirty="0">
+                <a:solidFill>
+                  <a:srgbClr val="377A9B"/>
+                </a:solidFill>
+              </a:rPr>
+              <a:t>Physicians</a:t>
+            </a:r>
+            <a:r>
+              <a:rPr lang="en-US" sz="2800" dirty="0"/>
+              <a:t> can better respond to lab results for </a:t>
+            </a:r>
+            <a:r>
+              <a:rPr lang="en-US" sz="2800" dirty="0">
+                <a:solidFill>
+                  <a:srgbClr val="377A9B"/>
+                </a:solidFill>
+              </a:rPr>
+              <a:t>patient</a:t>
+            </a:r>
+            <a:r>
+              <a:rPr lang="en-US" sz="2800" dirty="0"/>
+              <a:t> treatment</a:t>
+            </a:r>
+          </a:p>
+        </p:txBody>
+      </p:sp>
     </p:spTree>
     <p:extLst>
       <p:ext uri="{BB962C8B-B14F-4D97-AF65-F5344CB8AC3E}">
-        <p14:creationId xmlns:p14="http://schemas.microsoft.com/office/powerpoint/2010/main" val="3214259429"/>
+        <p14:creationId xmlns:p14="http://schemas.microsoft.com/office/powerpoint/2010/main" val="1582223811"/>
       </p:ext>
     </p:extLst>
   </p:cSld>
@@ -4059,7 +6974,7 @@
           <a:p>
             <a:r>
               <a:rPr lang="en-US" dirty="0"/>
-              <a:t>Test</a:t>
+              <a:t>The Data</a:t>
             </a:r>
           </a:p>
         </p:txBody>
@@ -4115,7 +7030,7 @@
         </p:blipFill>
         <p:spPr>
           <a:xfrm rot="5400000">
-            <a:off x="7023926" y="-1130511"/>
+            <a:off x="5665026" y="-1130511"/>
             <a:ext cx="682562" cy="4351338"/>
           </a:xfrm>
           <a:prstGeom prst="rect">
@@ -4145,7 +7060,7 @@
         </p:blipFill>
         <p:spPr>
           <a:xfrm rot="5400000">
-            <a:off x="11375264" y="-1130509"/>
+            <a:off x="10016364" y="-1130509"/>
             <a:ext cx="682562" cy="4351338"/>
           </a:xfrm>
           <a:prstGeom prst="rect">
@@ -4153,10 +7068,189 @@
           </a:prstGeom>
         </p:spPr>
       </p:pic>
+      <p:sp>
+        <p:nvSpPr>
+          <p:cNvPr id="3" name="Slide Number Placeholder 2">
+            <a:extLst>
+              <a:ext uri="{FF2B5EF4-FFF2-40B4-BE49-F238E27FC236}">
+                <a16:creationId xmlns:a16="http://schemas.microsoft.com/office/drawing/2014/main" id="{1FF3FC21-3BE3-C54A-B53F-31655093BD74}"/>
+              </a:ext>
+            </a:extLst>
+          </p:cNvPr>
+          <p:cNvSpPr>
+            <a:spLocks noGrp="1"/>
+          </p:cNvSpPr>
+          <p:nvPr>
+            <p:ph type="sldNum" sz="quarter" idx="12"/>
+          </p:nvPr>
+        </p:nvSpPr>
+        <p:spPr/>
+        <p:txBody>
+          <a:bodyPr/>
+          <a:lstStyle/>
+          <a:p>
+            <a:fld id="{052702CF-B793-8841-9D68-A44C3863FEDD}" type="slidenum">
+              <a:rPr lang="en-US" smtClean="0"/>
+              <a:t>5</a:t>
+            </a:fld>
+            <a:endParaRPr lang="en-US"/>
+          </a:p>
+        </p:txBody>
+      </p:sp>
+      <p:sp>
+        <p:nvSpPr>
+          <p:cNvPr id="8" name="TextBox 7">
+            <a:extLst>
+              <a:ext uri="{FF2B5EF4-FFF2-40B4-BE49-F238E27FC236}">
+                <a16:creationId xmlns:a16="http://schemas.microsoft.com/office/drawing/2014/main" id="{49135670-7FED-5E4A-9AC1-FEDE8488F0E5}"/>
+              </a:ext>
+            </a:extLst>
+          </p:cNvPr>
+          <p:cNvSpPr txBox="1"/>
+          <p:nvPr/>
+        </p:nvSpPr>
+        <p:spPr>
+          <a:xfrm>
+            <a:off x="558800" y="1905000"/>
+            <a:ext cx="10655300" cy="4585871"/>
+          </a:xfrm>
+          <a:prstGeom prst="rect">
+            <a:avLst/>
+          </a:prstGeom>
+          <a:noFill/>
+        </p:spPr>
+        <p:txBody>
+          <a:bodyPr wrap="square" rtlCol="0">
+            <a:spAutoFit/>
+          </a:bodyPr>
+          <a:lstStyle/>
+          <a:p>
+            <a:pPr marL="285750" indent="-285750">
+              <a:buFont typeface="Arial" panose="020B0604020202020204" pitchFamily="34" charset="0"/>
+              <a:buChar char="•"/>
+            </a:pPr>
+            <a:r>
+              <a:rPr lang="en-US" sz="2400" dirty="0"/>
+              <a:t>Kaggle Dataset: </a:t>
+            </a:r>
+            <a:r>
+              <a:rPr lang="en-US" sz="2400" dirty="0">
+                <a:hlinkClick r:id="rId3"/>
+              </a:rPr>
+              <a:t>https://www.kaggle.com/kevinarvai/clinvar-conflicting/</a:t>
+            </a:r>
+            <a:endParaRPr lang="en-US" sz="2400" dirty="0"/>
+          </a:p>
+          <a:p>
+            <a:pPr marL="742950" lvl="1" indent="-285750">
+              <a:buFont typeface="Arial" panose="020B0604020202020204" pitchFamily="34" charset="0"/>
+              <a:buChar char="•"/>
+            </a:pPr>
+            <a:r>
+              <a:rPr lang="en-US" sz="2400" dirty="0" err="1"/>
+              <a:t>ClinVar</a:t>
+            </a:r>
+            <a:r>
+              <a:rPr lang="en-US" sz="2400" dirty="0"/>
+              <a:t> – public archive of gene reports</a:t>
+            </a:r>
+            <a:endParaRPr lang="en-US" sz="2400" b="1" dirty="0"/>
+          </a:p>
+          <a:p>
+            <a:pPr marL="285750" indent="-285750">
+              <a:buFont typeface="Arial" panose="020B0604020202020204" pitchFamily="34" charset="0"/>
+              <a:buChar char="•"/>
+            </a:pPr>
+            <a:endParaRPr lang="en-US" sz="2400" b="1" dirty="0"/>
+          </a:p>
+          <a:p>
+            <a:pPr marL="285750" indent="-285750">
+              <a:buFont typeface="Arial" panose="020B0604020202020204" pitchFamily="34" charset="0"/>
+              <a:buChar char="•"/>
+            </a:pPr>
+            <a:r>
+              <a:rPr lang="en-US" sz="2400" b="1" dirty="0"/>
+              <a:t>Prediction Target:</a:t>
+            </a:r>
+            <a:r>
+              <a:rPr lang="en-US" sz="2400" dirty="0"/>
+              <a:t> conflicting (1) or non-conflicting (0)</a:t>
+            </a:r>
+          </a:p>
+          <a:p>
+            <a:pPr lvl="1"/>
+            <a:endParaRPr lang="en-US" sz="2400" dirty="0"/>
+          </a:p>
+          <a:p>
+            <a:pPr marL="285750" indent="-285750">
+              <a:buFont typeface="Arial" panose="020B0604020202020204" pitchFamily="34" charset="0"/>
+              <a:buChar char="•"/>
+            </a:pPr>
+            <a:r>
+              <a:rPr lang="en-US" sz="2400" dirty="0"/>
+              <a:t>~60,000 entries of data</a:t>
+            </a:r>
+          </a:p>
+          <a:p>
+            <a:pPr marL="285750" indent="-285750">
+              <a:buFont typeface="Arial" panose="020B0604020202020204" pitchFamily="34" charset="0"/>
+              <a:buChar char="•"/>
+            </a:pPr>
+            <a:r>
+              <a:rPr lang="en-US" sz="2400" dirty="0"/>
+              <a:t>1:3 conflicting to non-conflicting</a:t>
+            </a:r>
+          </a:p>
+          <a:p>
+            <a:pPr marL="285750" indent="-285750">
+              <a:buFont typeface="Arial" panose="020B0604020202020204" pitchFamily="34" charset="0"/>
+              <a:buChar char="•"/>
+            </a:pPr>
+            <a:endParaRPr lang="en-US" sz="2400" dirty="0"/>
+          </a:p>
+          <a:p>
+            <a:pPr marL="285750" indent="-285750">
+              <a:buFont typeface="Arial" panose="020B0604020202020204" pitchFamily="34" charset="0"/>
+              <a:buChar char="•"/>
+            </a:pPr>
+            <a:r>
+              <a:rPr lang="en-US" sz="2400" dirty="0"/>
+              <a:t>Features I chose:</a:t>
+            </a:r>
+          </a:p>
+          <a:p>
+            <a:pPr marL="742950" lvl="1" indent="-285750">
+              <a:buFont typeface="Arial" panose="020B0604020202020204" pitchFamily="34" charset="0"/>
+              <a:buChar char="•"/>
+            </a:pPr>
+            <a:r>
+              <a:rPr lang="en-US" sz="2400" dirty="0"/>
+              <a:t>Categorical: Name of the gene, variant type, impact of the variant</a:t>
+            </a:r>
+          </a:p>
+          <a:p>
+            <a:pPr marL="742950" lvl="1" indent="-285750">
+              <a:buFont typeface="Arial" panose="020B0604020202020204" pitchFamily="34" charset="0"/>
+              <a:buChar char="•"/>
+            </a:pPr>
+            <a:r>
+              <a:rPr lang="en-US" sz="2400" dirty="0"/>
+              <a:t>Numeric: Variant frequency, ‘deleteriousness’ score, ‘loss-of-function’ score</a:t>
+            </a:r>
+          </a:p>
+          <a:p>
+            <a:pPr marL="285750" indent="-285750">
+              <a:buFont typeface="Arial" panose="020B0604020202020204" pitchFamily="34" charset="0"/>
+              <a:buChar char="•"/>
+            </a:pPr>
+            <a:endParaRPr lang="en-US" sz="2800" dirty="0"/>
+          </a:p>
+        </p:txBody>
+      </p:sp>
     </p:spTree>
     <p:extLst>
       <p:ext uri="{BB962C8B-B14F-4D97-AF65-F5344CB8AC3E}">
-        <p14:creationId xmlns:p14="http://schemas.microsoft.com/office/powerpoint/2010/main" val="1307067616"/>
+        <p14:creationId xmlns:p14="http://schemas.microsoft.com/office/powerpoint/2010/main" val="3214259429"/>
       </p:ext>
     </p:extLst>
   </p:cSld>
@@ -4183,6 +7277,35 @@
           <a:chExt cx="0" cy="0"/>
         </a:xfrm>
       </p:grpSpPr>
+      <p:pic>
+        <p:nvPicPr>
+          <p:cNvPr id="9" name="Picture 8">
+            <a:extLst>
+              <a:ext uri="{FF2B5EF4-FFF2-40B4-BE49-F238E27FC236}">
+                <a16:creationId xmlns:a16="http://schemas.microsoft.com/office/drawing/2014/main" id="{31FBEE0C-07A8-F940-A510-A7984D7FC243}"/>
+              </a:ext>
+            </a:extLst>
+          </p:cNvPr>
+          <p:cNvPicPr>
+            <a:picLocks noChangeAspect="1"/>
+          </p:cNvPicPr>
+          <p:nvPr/>
+        </p:nvPicPr>
+        <p:blipFill rotWithShape="1">
+          <a:blip r:embed="rId2"/>
+          <a:srcRect l="17398" r="20778"/>
+          <a:stretch/>
+        </p:blipFill>
+        <p:spPr>
+          <a:xfrm>
+            <a:off x="5994400" y="1247775"/>
+            <a:ext cx="5080000" cy="5473700"/>
+          </a:xfrm>
+          <a:prstGeom prst="rect">
+            <a:avLst/>
+          </a:prstGeom>
+        </p:spPr>
+      </p:pic>
       <p:sp>
         <p:nvSpPr>
           <p:cNvPr id="2" name="Title 1">
@@ -4211,7 +7334,7 @@
           <a:p>
             <a:r>
               <a:rPr lang="en-US" dirty="0"/>
-              <a:t>Test</a:t>
+              <a:t>Modeling</a:t>
             </a:r>
           </a:p>
         </p:txBody>
@@ -4233,7 +7356,7 @@
           </p:nvPr>
         </p:nvPicPr>
         <p:blipFill>
-          <a:blip r:embed="rId2"/>
+          <a:blip r:embed="rId3"/>
           <a:stretch>
             <a:fillRect/>
           </a:stretch>
@@ -4260,14 +7383,14 @@
           <p:nvPr/>
         </p:nvPicPr>
         <p:blipFill>
-          <a:blip r:embed="rId2"/>
+          <a:blip r:embed="rId3"/>
           <a:stretch>
             <a:fillRect/>
           </a:stretch>
         </p:blipFill>
         <p:spPr>
           <a:xfrm rot="5400000">
-            <a:off x="7023926" y="-1130511"/>
+            <a:off x="5753926" y="-1130511"/>
             <a:ext cx="682562" cy="4351338"/>
           </a:xfrm>
           <a:prstGeom prst="rect">
@@ -4290,14 +7413,14 @@
           <p:nvPr/>
         </p:nvPicPr>
         <p:blipFill>
-          <a:blip r:embed="rId2"/>
+          <a:blip r:embed="rId3"/>
           <a:stretch>
             <a:fillRect/>
           </a:stretch>
         </p:blipFill>
         <p:spPr>
           <a:xfrm rot="5400000">
-            <a:off x="11375264" y="-1130509"/>
+            <a:off x="10105264" y="-1130509"/>
             <a:ext cx="682562" cy="4351338"/>
           </a:xfrm>
           <a:prstGeom prst="rect">
@@ -4305,10 +7428,139 @@
           </a:prstGeom>
         </p:spPr>
       </p:pic>
+      <p:sp>
+        <p:nvSpPr>
+          <p:cNvPr id="3" name="Slide Number Placeholder 2">
+            <a:extLst>
+              <a:ext uri="{FF2B5EF4-FFF2-40B4-BE49-F238E27FC236}">
+                <a16:creationId xmlns:a16="http://schemas.microsoft.com/office/drawing/2014/main" id="{8E38B1F1-740A-8349-A1E7-FB6F61F77BED}"/>
+              </a:ext>
+            </a:extLst>
+          </p:cNvPr>
+          <p:cNvSpPr>
+            <a:spLocks noGrp="1"/>
+          </p:cNvSpPr>
+          <p:nvPr>
+            <p:ph type="sldNum" sz="quarter" idx="12"/>
+          </p:nvPr>
+        </p:nvSpPr>
+        <p:spPr/>
+        <p:txBody>
+          <a:bodyPr/>
+          <a:lstStyle/>
+          <a:p>
+            <a:fld id="{052702CF-B793-8841-9D68-A44C3863FEDD}" type="slidenum">
+              <a:rPr lang="en-US" smtClean="0"/>
+              <a:t>6</a:t>
+            </a:fld>
+            <a:endParaRPr lang="en-US"/>
+          </a:p>
+        </p:txBody>
+      </p:sp>
+      <p:sp>
+        <p:nvSpPr>
+          <p:cNvPr id="10" name="TextBox 9">
+            <a:extLst>
+              <a:ext uri="{FF2B5EF4-FFF2-40B4-BE49-F238E27FC236}">
+                <a16:creationId xmlns:a16="http://schemas.microsoft.com/office/drawing/2014/main" id="{F9AFB5BC-878C-6345-9645-3BEE314F51FA}"/>
+              </a:ext>
+            </a:extLst>
+          </p:cNvPr>
+          <p:cNvSpPr txBox="1"/>
+          <p:nvPr/>
+        </p:nvSpPr>
+        <p:spPr>
+          <a:xfrm>
+            <a:off x="558800" y="1905000"/>
+            <a:ext cx="5207000" cy="3970318"/>
+          </a:xfrm>
+          <a:prstGeom prst="rect">
+            <a:avLst/>
+          </a:prstGeom>
+          <a:noFill/>
+        </p:spPr>
+        <p:txBody>
+          <a:bodyPr wrap="square" rtlCol="0">
+            <a:spAutoFit/>
+          </a:bodyPr>
+          <a:lstStyle/>
+          <a:p>
+            <a:pPr marL="285750" indent="-285750">
+              <a:buFont typeface="Arial" panose="020B0604020202020204" pitchFamily="34" charset="0"/>
+              <a:buChar char="•"/>
+            </a:pPr>
+            <a:r>
+              <a:rPr lang="en-US" sz="2800" dirty="0"/>
+              <a:t>Tried </a:t>
+            </a:r>
+            <a:r>
+              <a:rPr lang="en-US" sz="2800" dirty="0" err="1"/>
+              <a:t>kNN</a:t>
+            </a:r>
+            <a:r>
+              <a:rPr lang="en-US" sz="2800" dirty="0"/>
+              <a:t>, </a:t>
+            </a:r>
+            <a:r>
+              <a:rPr lang="en-US" sz="2800" dirty="0" err="1"/>
+              <a:t>DecisionTree</a:t>
+            </a:r>
+            <a:r>
+              <a:rPr lang="en-US" sz="2800" dirty="0"/>
+              <a:t>, and </a:t>
+            </a:r>
+            <a:r>
+              <a:rPr lang="en-US" sz="2800" dirty="0" err="1"/>
+              <a:t>RandomForest</a:t>
+            </a:r>
+            <a:endParaRPr lang="en-US" sz="2800" dirty="0"/>
+          </a:p>
+          <a:p>
+            <a:pPr marL="285750" indent="-285750">
+              <a:buFont typeface="Arial" panose="020B0604020202020204" pitchFamily="34" charset="0"/>
+              <a:buChar char="•"/>
+            </a:pPr>
+            <a:r>
+              <a:rPr lang="en-US" sz="2800" dirty="0"/>
+              <a:t>Used </a:t>
+            </a:r>
+            <a:r>
+              <a:rPr lang="en-US" sz="2800" dirty="0" err="1"/>
+              <a:t>GridSearchCV</a:t>
+            </a:r>
+            <a:r>
+              <a:rPr lang="en-US" sz="2800" dirty="0"/>
+              <a:t> to tune parameters</a:t>
+            </a:r>
+          </a:p>
+          <a:p>
+            <a:pPr marL="285750" indent="-285750">
+              <a:buFont typeface="Arial" panose="020B0604020202020204" pitchFamily="34" charset="0"/>
+              <a:buChar char="•"/>
+            </a:pPr>
+            <a:r>
+              <a:rPr lang="en-US" sz="2800" dirty="0"/>
+              <a:t>Ultimately chose the </a:t>
+            </a:r>
+            <a:r>
+              <a:rPr lang="en-US" sz="2800" dirty="0" err="1">
+                <a:solidFill>
+                  <a:srgbClr val="EC435D"/>
+                </a:solidFill>
+              </a:rPr>
+              <a:t>RandomForest</a:t>
+            </a:r>
+            <a:r>
+              <a:rPr lang="en-US" sz="2800" dirty="0"/>
+              <a:t> since it performed the best (and most consistently) on the training and validation data</a:t>
+            </a:r>
+          </a:p>
+        </p:txBody>
+      </p:sp>
     </p:spTree>
     <p:extLst>
       <p:ext uri="{BB962C8B-B14F-4D97-AF65-F5344CB8AC3E}">
-        <p14:creationId xmlns:p14="http://schemas.microsoft.com/office/powerpoint/2010/main" val="837610459"/>
+        <p14:creationId xmlns:p14="http://schemas.microsoft.com/office/powerpoint/2010/main" val="1307067616"/>
       </p:ext>
     </p:extLst>
   </p:cSld>
@@ -4335,12 +7587,155 @@
           <a:chExt cx="0" cy="0"/>
         </a:xfrm>
       </p:grpSpPr>
-      <p:sp>
-        <p:nvSpPr>
-          <p:cNvPr id="2" name="Title 1">
-            <a:extLst>
-              <a:ext uri="{FF2B5EF4-FFF2-40B4-BE49-F238E27FC236}">
-                <a16:creationId xmlns:a16="http://schemas.microsoft.com/office/drawing/2014/main" id="{5C9C7284-5FF5-0046-98C3-A55C8A0ADD66}"/>
+      <p:pic>
+        <p:nvPicPr>
+          <p:cNvPr id="11" name="Picture 10">
+            <a:extLst>
+              <a:ext uri="{FF2B5EF4-FFF2-40B4-BE49-F238E27FC236}">
+                <a16:creationId xmlns:a16="http://schemas.microsoft.com/office/drawing/2014/main" id="{0F44162A-CC2A-B74D-8C7A-61AFA04BD29B}"/>
+              </a:ext>
+            </a:extLst>
+          </p:cNvPr>
+          <p:cNvPicPr>
+            <a:picLocks noChangeAspect="1"/>
+          </p:cNvPicPr>
+          <p:nvPr/>
+        </p:nvPicPr>
+        <p:blipFill rotWithShape="1">
+          <a:blip r:embed="rId2"/>
+          <a:srcRect l="11335" r="13393"/>
+          <a:stretch/>
+        </p:blipFill>
+        <p:spPr>
+          <a:xfrm>
+            <a:off x="5765800" y="1286669"/>
+            <a:ext cx="6184900" cy="5473700"/>
+          </a:xfrm>
+          <a:prstGeom prst="rect">
+            <a:avLst/>
+          </a:prstGeom>
+        </p:spPr>
+      </p:pic>
+      <p:sp>
+        <p:nvSpPr>
+          <p:cNvPr id="3" name="Slide Number Placeholder 2">
+            <a:extLst>
+              <a:ext uri="{FF2B5EF4-FFF2-40B4-BE49-F238E27FC236}">
+                <a16:creationId xmlns:a16="http://schemas.microsoft.com/office/drawing/2014/main" id="{8E38B1F1-740A-8349-A1E7-FB6F61F77BED}"/>
+              </a:ext>
+            </a:extLst>
+          </p:cNvPr>
+          <p:cNvSpPr>
+            <a:spLocks noGrp="1"/>
+          </p:cNvSpPr>
+          <p:nvPr>
+            <p:ph type="sldNum" sz="quarter" idx="12"/>
+          </p:nvPr>
+        </p:nvSpPr>
+        <p:spPr/>
+        <p:txBody>
+          <a:bodyPr/>
+          <a:lstStyle/>
+          <a:p>
+            <a:fld id="{052702CF-B793-8841-9D68-A44C3863FEDD}" type="slidenum">
+              <a:rPr lang="en-US" smtClean="0"/>
+              <a:t>7</a:t>
+            </a:fld>
+            <a:endParaRPr lang="en-US"/>
+          </a:p>
+        </p:txBody>
+      </p:sp>
+      <p:sp>
+        <p:nvSpPr>
+          <p:cNvPr id="10" name="TextBox 9">
+            <a:extLst>
+              <a:ext uri="{FF2B5EF4-FFF2-40B4-BE49-F238E27FC236}">
+                <a16:creationId xmlns:a16="http://schemas.microsoft.com/office/drawing/2014/main" id="{F9AFB5BC-878C-6345-9645-3BEE314F51FA}"/>
+              </a:ext>
+            </a:extLst>
+          </p:cNvPr>
+          <p:cNvSpPr txBox="1"/>
+          <p:nvPr/>
+        </p:nvSpPr>
+        <p:spPr>
+          <a:xfrm>
+            <a:off x="558800" y="1905000"/>
+            <a:ext cx="5207000" cy="3970318"/>
+          </a:xfrm>
+          <a:prstGeom prst="rect">
+            <a:avLst/>
+          </a:prstGeom>
+          <a:noFill/>
+        </p:spPr>
+        <p:txBody>
+          <a:bodyPr wrap="square" rtlCol="0">
+            <a:spAutoFit/>
+          </a:bodyPr>
+          <a:lstStyle/>
+          <a:p>
+            <a:pPr marL="285750" indent="-285750">
+              <a:buFont typeface="Arial" panose="020B0604020202020204" pitchFamily="34" charset="0"/>
+              <a:buChar char="•"/>
+            </a:pPr>
+            <a:r>
+              <a:rPr lang="en-US" sz="2800" dirty="0"/>
+              <a:t>Optimized on recall without entirely sacrificing precision</a:t>
+            </a:r>
+          </a:p>
+          <a:p>
+            <a:pPr marL="285750" indent="-285750">
+              <a:buFont typeface="Arial" panose="020B0604020202020204" pitchFamily="34" charset="0"/>
+              <a:buChar char="•"/>
+            </a:pPr>
+            <a:endParaRPr lang="en-US" sz="2800" dirty="0"/>
+          </a:p>
+          <a:p>
+            <a:pPr marL="285750" indent="-285750">
+              <a:buFont typeface="Arial" panose="020B0604020202020204" pitchFamily="34" charset="0"/>
+              <a:buChar char="•"/>
+            </a:pPr>
+            <a:r>
+              <a:rPr lang="en-US" sz="2800" dirty="0"/>
+              <a:t>Chose threshold of </a:t>
+            </a:r>
+            <a:r>
+              <a:rPr lang="en-US" sz="2800" dirty="0">
+                <a:solidFill>
+                  <a:srgbClr val="EC435D"/>
+                </a:solidFill>
+              </a:rPr>
+              <a:t>0.4</a:t>
+            </a:r>
+          </a:p>
+          <a:p>
+            <a:pPr marL="285750" indent="-285750">
+              <a:buFont typeface="Arial" panose="020B0604020202020204" pitchFamily="34" charset="0"/>
+              <a:buChar char="•"/>
+            </a:pPr>
+            <a:endParaRPr lang="en-US" sz="2800" dirty="0">
+              <a:solidFill>
+                <a:srgbClr val="EC435D"/>
+              </a:solidFill>
+            </a:endParaRPr>
+          </a:p>
+          <a:p>
+            <a:pPr marL="285750" indent="-285750">
+              <a:buFont typeface="Arial" panose="020B0604020202020204" pitchFamily="34" charset="0"/>
+              <a:buChar char="•"/>
+            </a:pPr>
+            <a:r>
+              <a:rPr lang="en-US" sz="2800" dirty="0"/>
+              <a:t>That leaves me with more false positives but it’s worth it for the increased number of true positives</a:t>
+            </a:r>
+          </a:p>
+        </p:txBody>
+      </p:sp>
+      <p:sp>
+        <p:nvSpPr>
+          <p:cNvPr id="14" name="Title 1">
+            <a:extLst>
+              <a:ext uri="{FF2B5EF4-FFF2-40B4-BE49-F238E27FC236}">
+                <a16:creationId xmlns:a16="http://schemas.microsoft.com/office/drawing/2014/main" id="{D3C2A419-C523-E84F-A97B-45A2BE41743E}"/>
               </a:ext>
             </a:extLst>
           </p:cNvPr>
@@ -4363,7 +7758,160 @@
           <a:p>
             <a:r>
               <a:rPr lang="en-US" dirty="0"/>
-              <a:t>Test</a:t>
+              <a:t>Modeling</a:t>
+            </a:r>
+          </a:p>
+        </p:txBody>
+      </p:sp>
+      <p:pic>
+        <p:nvPicPr>
+          <p:cNvPr id="15" name="Content Placeholder 4">
+            <a:extLst>
+              <a:ext uri="{FF2B5EF4-FFF2-40B4-BE49-F238E27FC236}">
+                <a16:creationId xmlns:a16="http://schemas.microsoft.com/office/drawing/2014/main" id="{EB28784C-8A38-7943-ABA6-7999080BA52D}"/>
+              </a:ext>
+            </a:extLst>
+          </p:cNvPr>
+          <p:cNvPicPr>
+            <a:picLocks noChangeAspect="1"/>
+          </p:cNvPicPr>
+          <p:nvPr/>
+        </p:nvPicPr>
+        <p:blipFill>
+          <a:blip r:embed="rId3"/>
+          <a:stretch>
+            <a:fillRect/>
+          </a:stretch>
+        </p:blipFill>
+        <p:spPr>
+          <a:xfrm rot="5400000">
+            <a:off x="-892770" y="-1147763"/>
+            <a:ext cx="682562" cy="4351338"/>
+          </a:xfrm>
+          <a:prstGeom prst="rect">
+            <a:avLst/>
+          </a:prstGeom>
+        </p:spPr>
+      </p:pic>
+      <p:pic>
+        <p:nvPicPr>
+          <p:cNvPr id="16" name="Content Placeholder 4">
+            <a:extLst>
+              <a:ext uri="{FF2B5EF4-FFF2-40B4-BE49-F238E27FC236}">
+                <a16:creationId xmlns:a16="http://schemas.microsoft.com/office/drawing/2014/main" id="{E519082A-F11B-5941-AF3C-AAD76F9DCDC8}"/>
+              </a:ext>
+            </a:extLst>
+          </p:cNvPr>
+          <p:cNvPicPr>
+            <a:picLocks noChangeAspect="1"/>
+          </p:cNvPicPr>
+          <p:nvPr/>
+        </p:nvPicPr>
+        <p:blipFill>
+          <a:blip r:embed="rId3"/>
+          <a:stretch>
+            <a:fillRect/>
+          </a:stretch>
+        </p:blipFill>
+        <p:spPr>
+          <a:xfrm rot="5400000">
+            <a:off x="5753926" y="-1130511"/>
+            <a:ext cx="682562" cy="4351338"/>
+          </a:xfrm>
+          <a:prstGeom prst="rect">
+            <a:avLst/>
+          </a:prstGeom>
+        </p:spPr>
+      </p:pic>
+      <p:pic>
+        <p:nvPicPr>
+          <p:cNvPr id="17" name="Content Placeholder 4">
+            <a:extLst>
+              <a:ext uri="{FF2B5EF4-FFF2-40B4-BE49-F238E27FC236}">
+                <a16:creationId xmlns:a16="http://schemas.microsoft.com/office/drawing/2014/main" id="{4702BB0C-790A-BA42-B905-07F696721642}"/>
+              </a:ext>
+            </a:extLst>
+          </p:cNvPr>
+          <p:cNvPicPr>
+            <a:picLocks noChangeAspect="1"/>
+          </p:cNvPicPr>
+          <p:nvPr/>
+        </p:nvPicPr>
+        <p:blipFill>
+          <a:blip r:embed="rId3"/>
+          <a:stretch>
+            <a:fillRect/>
+          </a:stretch>
+        </p:blipFill>
+        <p:spPr>
+          <a:xfrm rot="5400000">
+            <a:off x="10105264" y="-1130509"/>
+            <a:ext cx="682562" cy="4351338"/>
+          </a:xfrm>
+          <a:prstGeom prst="rect">
+            <a:avLst/>
+          </a:prstGeom>
+        </p:spPr>
+      </p:pic>
+    </p:spTree>
+    <p:extLst>
+      <p:ext uri="{BB962C8B-B14F-4D97-AF65-F5344CB8AC3E}">
+        <p14:creationId xmlns:p14="http://schemas.microsoft.com/office/powerpoint/2010/main" val="3589488923"/>
+      </p:ext>
+    </p:extLst>
+  </p:cSld>
+  <p:clrMapOvr>
+    <a:masterClrMapping/>
+  </p:clrMapOvr>
+</p:sld>
+</file>
+
+<file path=ppt/slides/slide8.xml><?xml version="1.0" encoding="utf-8"?>
+<p:sld xmlns:a="http://schemas.openxmlformats.org/drawingml/2006/main" xmlns:r="http://schemas.openxmlformats.org/officeDocument/2006/relationships" xmlns:p="http://schemas.openxmlformats.org/presentationml/2006/main">
+  <p:cSld>
+    <p:spTree>
+      <p:nvGrpSpPr>
+        <p:cNvPr id="1" name=""/>
+        <p:cNvGrpSpPr/>
+        <p:nvPr/>
+      </p:nvGrpSpPr>
+      <p:grpSpPr>
+        <a:xfrm>
+          <a:off x="0" y="0"/>
+          <a:ext cx="0" cy="0"/>
+          <a:chOff x="0" y="0"/>
+          <a:chExt cx="0" cy="0"/>
+        </a:xfrm>
+      </p:grpSpPr>
+      <p:sp>
+        <p:nvSpPr>
+          <p:cNvPr id="2" name="Title 1">
+            <a:extLst>
+              <a:ext uri="{FF2B5EF4-FFF2-40B4-BE49-F238E27FC236}">
+                <a16:creationId xmlns:a16="http://schemas.microsoft.com/office/drawing/2014/main" id="{5C9C7284-5FF5-0046-98C3-A55C8A0ADD66}"/>
+              </a:ext>
+            </a:extLst>
+          </p:cNvPr>
+          <p:cNvSpPr>
+            <a:spLocks noGrp="1"/>
+          </p:cNvSpPr>
+          <p:nvPr>
+            <p:ph type="title"/>
+          </p:nvPr>
+        </p:nvSpPr>
+        <p:spPr>
+          <a:xfrm>
+            <a:off x="1687680" y="365125"/>
+            <a:ext cx="9729620" cy="1325563"/>
+          </a:xfrm>
+        </p:spPr>
+        <p:txBody>
+          <a:bodyPr/>
+          <a:lstStyle/>
+          <a:p>
+            <a:r>
+              <a:rPr lang="en-US" dirty="0"/>
+              <a:t>Results</a:t>
             </a:r>
           </a:p>
         </p:txBody>
@@ -4419,7 +7967,7 @@
         </p:blipFill>
         <p:spPr>
           <a:xfrm rot="5400000">
-            <a:off x="7023926" y="-1130511"/>
+            <a:off x="5323712" y="-1130511"/>
             <a:ext cx="682562" cy="4351338"/>
           </a:xfrm>
           <a:prstGeom prst="rect">
@@ -4449,7 +7997,7 @@
         </p:blipFill>
         <p:spPr>
           <a:xfrm rot="5400000">
-            <a:off x="11375264" y="-1130509"/>
+            <a:off x="9675050" y="-1130509"/>
             <a:ext cx="682562" cy="4351338"/>
           </a:xfrm>
           <a:prstGeom prst="rect">
@@ -4457,10 +8005,443 @@
           </a:prstGeom>
         </p:spPr>
       </p:pic>
+      <p:sp>
+        <p:nvSpPr>
+          <p:cNvPr id="3" name="Slide Number Placeholder 2">
+            <a:extLst>
+              <a:ext uri="{FF2B5EF4-FFF2-40B4-BE49-F238E27FC236}">
+                <a16:creationId xmlns:a16="http://schemas.microsoft.com/office/drawing/2014/main" id="{359C7BA2-63A2-BB4E-98FF-13725F9EA215}"/>
+              </a:ext>
+            </a:extLst>
+          </p:cNvPr>
+          <p:cNvSpPr>
+            <a:spLocks noGrp="1"/>
+          </p:cNvSpPr>
+          <p:nvPr>
+            <p:ph type="sldNum" sz="quarter" idx="12"/>
+          </p:nvPr>
+        </p:nvSpPr>
+        <p:spPr/>
+        <p:txBody>
+          <a:bodyPr/>
+          <a:lstStyle/>
+          <a:p>
+            <a:fld id="{052702CF-B793-8841-9D68-A44C3863FEDD}" type="slidenum">
+              <a:rPr lang="en-US" smtClean="0"/>
+              <a:t>8</a:t>
+            </a:fld>
+            <a:endParaRPr lang="en-US"/>
+          </a:p>
+        </p:txBody>
+      </p:sp>
+      <p:pic>
+        <p:nvPicPr>
+          <p:cNvPr id="8" name="Picture 7">
+            <a:extLst>
+              <a:ext uri="{FF2B5EF4-FFF2-40B4-BE49-F238E27FC236}">
+                <a16:creationId xmlns:a16="http://schemas.microsoft.com/office/drawing/2014/main" id="{13115EE4-5930-F54F-91F7-C37EDB6E0DB5}"/>
+              </a:ext>
+            </a:extLst>
+          </p:cNvPr>
+          <p:cNvPicPr>
+            <a:picLocks noChangeAspect="1"/>
+          </p:cNvPicPr>
+          <p:nvPr/>
+        </p:nvPicPr>
+        <p:blipFill rotWithShape="1">
+          <a:blip r:embed="rId3"/>
+          <a:srcRect l="15483" r="9547"/>
+          <a:stretch/>
+        </p:blipFill>
+        <p:spPr>
+          <a:xfrm>
+            <a:off x="778536" y="1707940"/>
+            <a:ext cx="5003800" cy="4449639"/>
+          </a:xfrm>
+          <a:prstGeom prst="rect">
+            <a:avLst/>
+          </a:prstGeom>
+        </p:spPr>
+      </p:pic>
+      <p:pic>
+        <p:nvPicPr>
+          <p:cNvPr id="10" name="Picture 9">
+            <a:extLst>
+              <a:ext uri="{FF2B5EF4-FFF2-40B4-BE49-F238E27FC236}">
+                <a16:creationId xmlns:a16="http://schemas.microsoft.com/office/drawing/2014/main" id="{AF47D685-86A5-394A-9DF3-3ABFE1DCBEAC}"/>
+              </a:ext>
+            </a:extLst>
+          </p:cNvPr>
+          <p:cNvPicPr>
+            <a:picLocks noChangeAspect="1"/>
+          </p:cNvPicPr>
+          <p:nvPr/>
+        </p:nvPicPr>
+        <p:blipFill>
+          <a:blip r:embed="rId4"/>
+          <a:stretch>
+            <a:fillRect/>
+          </a:stretch>
+        </p:blipFill>
+        <p:spPr>
+          <a:xfrm>
+            <a:off x="5925445" y="1861331"/>
+            <a:ext cx="5370310" cy="4296248"/>
+          </a:xfrm>
+          <a:prstGeom prst="rect">
+            <a:avLst/>
+          </a:prstGeom>
+        </p:spPr>
+      </p:pic>
+      <p:sp>
+        <p:nvSpPr>
+          <p:cNvPr id="4" name="TextBox 3">
+            <a:extLst>
+              <a:ext uri="{FF2B5EF4-FFF2-40B4-BE49-F238E27FC236}">
+                <a16:creationId xmlns:a16="http://schemas.microsoft.com/office/drawing/2014/main" id="{F60C8C4D-B3E2-B04C-B69D-D5BB13DF3C00}"/>
+              </a:ext>
+            </a:extLst>
+          </p:cNvPr>
+          <p:cNvSpPr txBox="1"/>
+          <p:nvPr/>
+        </p:nvSpPr>
+        <p:spPr>
+          <a:xfrm>
+            <a:off x="1905000" y="6174831"/>
+            <a:ext cx="2092817" cy="584775"/>
+          </a:xfrm>
+          <a:prstGeom prst="rect">
+            <a:avLst/>
+          </a:prstGeom>
+          <a:noFill/>
+        </p:spPr>
+        <p:txBody>
+          <a:bodyPr wrap="none" rtlCol="0">
+            <a:spAutoFit/>
+          </a:bodyPr>
+          <a:lstStyle/>
+          <a:p>
+            <a:r>
+              <a:rPr lang="en-US" sz="3200" dirty="0">
+                <a:solidFill>
+                  <a:srgbClr val="EC435D"/>
+                </a:solidFill>
+              </a:rPr>
+              <a:t>Recall: 0.78</a:t>
+            </a:r>
+            <a:endParaRPr lang="en-US" sz="3200" dirty="0">
+              <a:solidFill>
+                <a:srgbClr val="377A9B"/>
+              </a:solidFill>
+            </a:endParaRPr>
+          </a:p>
+        </p:txBody>
+      </p:sp>
+      <p:sp>
+        <p:nvSpPr>
+          <p:cNvPr id="11" name="TextBox 10">
+            <a:extLst>
+              <a:ext uri="{FF2B5EF4-FFF2-40B4-BE49-F238E27FC236}">
+                <a16:creationId xmlns:a16="http://schemas.microsoft.com/office/drawing/2014/main" id="{C745B97F-DC16-2040-97A0-01C8FF75693B}"/>
+              </a:ext>
+            </a:extLst>
+          </p:cNvPr>
+          <p:cNvSpPr txBox="1"/>
+          <p:nvPr/>
+        </p:nvSpPr>
+        <p:spPr>
+          <a:xfrm>
+            <a:off x="5442581" y="6149431"/>
+            <a:ext cx="6634445" cy="584775"/>
+          </a:xfrm>
+          <a:prstGeom prst="rect">
+            <a:avLst/>
+          </a:prstGeom>
+          <a:noFill/>
+        </p:spPr>
+        <p:txBody>
+          <a:bodyPr wrap="none" rtlCol="0">
+            <a:spAutoFit/>
+          </a:bodyPr>
+          <a:lstStyle/>
+          <a:p>
+            <a:r>
+              <a:rPr lang="en-US" sz="3200" dirty="0">
+                <a:solidFill>
+                  <a:srgbClr val="EC435D"/>
+                </a:solidFill>
+              </a:rPr>
+              <a:t>Most important feature: CADD_PHRED</a:t>
+            </a:r>
+            <a:endParaRPr lang="en-US" sz="3200" dirty="0">
+              <a:solidFill>
+                <a:srgbClr val="377A9B"/>
+              </a:solidFill>
+            </a:endParaRPr>
+          </a:p>
+        </p:txBody>
+      </p:sp>
     </p:spTree>
     <p:extLst>
       <p:ext uri="{BB962C8B-B14F-4D97-AF65-F5344CB8AC3E}">
-        <p14:creationId xmlns:p14="http://schemas.microsoft.com/office/powerpoint/2010/main" val="1582223811"/>
+        <p14:creationId xmlns:p14="http://schemas.microsoft.com/office/powerpoint/2010/main" val="837610459"/>
+      </p:ext>
+    </p:extLst>
+  </p:cSld>
+  <p:clrMapOvr>
+    <a:masterClrMapping/>
+  </p:clrMapOvr>
+</p:sld>
+</file>
+
+<file path=ppt/slides/slide9.xml><?xml version="1.0" encoding="utf-8"?>
+<p:sld xmlns:a="http://schemas.openxmlformats.org/drawingml/2006/main" xmlns:r="http://schemas.openxmlformats.org/officeDocument/2006/relationships" xmlns:p="http://schemas.openxmlformats.org/presentationml/2006/main">
+  <p:cSld>
+    <p:spTree>
+      <p:nvGrpSpPr>
+        <p:cNvPr id="1" name=""/>
+        <p:cNvGrpSpPr/>
+        <p:nvPr/>
+      </p:nvGrpSpPr>
+      <p:grpSpPr>
+        <a:xfrm>
+          <a:off x="0" y="0"/>
+          <a:ext cx="0" cy="0"/>
+          <a:chOff x="0" y="0"/>
+          <a:chExt cx="0" cy="0"/>
+        </a:xfrm>
+      </p:grpSpPr>
+      <p:sp>
+        <p:nvSpPr>
+          <p:cNvPr id="2" name="Title 1">
+            <a:extLst>
+              <a:ext uri="{FF2B5EF4-FFF2-40B4-BE49-F238E27FC236}">
+                <a16:creationId xmlns:a16="http://schemas.microsoft.com/office/drawing/2014/main" id="{5C9C7284-5FF5-0046-98C3-A55C8A0ADD66}"/>
+              </a:ext>
+            </a:extLst>
+          </p:cNvPr>
+          <p:cNvSpPr>
+            <a:spLocks noGrp="1"/>
+          </p:cNvSpPr>
+          <p:nvPr>
+            <p:ph type="title"/>
+          </p:nvPr>
+        </p:nvSpPr>
+        <p:spPr>
+          <a:xfrm>
+            <a:off x="1624180" y="365125"/>
+            <a:ext cx="9729620" cy="1325563"/>
+          </a:xfrm>
+        </p:spPr>
+        <p:txBody>
+          <a:bodyPr/>
+          <a:lstStyle/>
+          <a:p>
+            <a:r>
+              <a:rPr lang="en-US" dirty="0"/>
+              <a:t>Future Work</a:t>
+            </a:r>
+          </a:p>
+        </p:txBody>
+      </p:sp>
+      <p:pic>
+        <p:nvPicPr>
+          <p:cNvPr id="5" name="Content Placeholder 4">
+            <a:extLst>
+              <a:ext uri="{FF2B5EF4-FFF2-40B4-BE49-F238E27FC236}">
+                <a16:creationId xmlns:a16="http://schemas.microsoft.com/office/drawing/2014/main" id="{E5D43D51-8536-5F43-9E28-D141DEEC7590}"/>
+              </a:ext>
+            </a:extLst>
+          </p:cNvPr>
+          <p:cNvPicPr>
+            <a:picLocks noGrp="1" noChangeAspect="1"/>
+          </p:cNvPicPr>
+          <p:nvPr>
+            <p:ph idx="1"/>
+          </p:nvPr>
+        </p:nvPicPr>
+        <p:blipFill>
+          <a:blip r:embed="rId2"/>
+          <a:stretch>
+            <a:fillRect/>
+          </a:stretch>
+        </p:blipFill>
+        <p:spPr>
+          <a:xfrm rot="5400000">
+            <a:off x="-892770" y="-1147763"/>
+            <a:ext cx="682562" cy="4351338"/>
+          </a:xfrm>
+        </p:spPr>
+      </p:pic>
+      <p:pic>
+        <p:nvPicPr>
+          <p:cNvPr id="6" name="Content Placeholder 4">
+            <a:extLst>
+              <a:ext uri="{FF2B5EF4-FFF2-40B4-BE49-F238E27FC236}">
+                <a16:creationId xmlns:a16="http://schemas.microsoft.com/office/drawing/2014/main" id="{D05521D4-37C3-6348-8169-896AF84B6423}"/>
+              </a:ext>
+            </a:extLst>
+          </p:cNvPr>
+          <p:cNvPicPr>
+            <a:picLocks noChangeAspect="1"/>
+          </p:cNvPicPr>
+          <p:nvPr/>
+        </p:nvPicPr>
+        <p:blipFill>
+          <a:blip r:embed="rId2"/>
+          <a:stretch>
+            <a:fillRect/>
+          </a:stretch>
+        </p:blipFill>
+        <p:spPr>
+          <a:xfrm rot="5400000">
+            <a:off x="6541326" y="-1130511"/>
+            <a:ext cx="682562" cy="4351338"/>
+          </a:xfrm>
+          <a:prstGeom prst="rect">
+            <a:avLst/>
+          </a:prstGeom>
+        </p:spPr>
+      </p:pic>
+      <p:pic>
+        <p:nvPicPr>
+          <p:cNvPr id="7" name="Content Placeholder 4">
+            <a:extLst>
+              <a:ext uri="{FF2B5EF4-FFF2-40B4-BE49-F238E27FC236}">
+                <a16:creationId xmlns:a16="http://schemas.microsoft.com/office/drawing/2014/main" id="{BD06EDA7-BF73-B446-B88D-06469833EEC0}"/>
+              </a:ext>
+            </a:extLst>
+          </p:cNvPr>
+          <p:cNvPicPr>
+            <a:picLocks noChangeAspect="1"/>
+          </p:cNvPicPr>
+          <p:nvPr/>
+        </p:nvPicPr>
+        <p:blipFill>
+          <a:blip r:embed="rId2"/>
+          <a:stretch>
+            <a:fillRect/>
+          </a:stretch>
+        </p:blipFill>
+        <p:spPr>
+          <a:xfrm rot="5400000">
+            <a:off x="10892664" y="-1130509"/>
+            <a:ext cx="682562" cy="4351338"/>
+          </a:xfrm>
+          <a:prstGeom prst="rect">
+            <a:avLst/>
+          </a:prstGeom>
+        </p:spPr>
+      </p:pic>
+      <p:sp>
+        <p:nvSpPr>
+          <p:cNvPr id="3" name="Slide Number Placeholder 2">
+            <a:extLst>
+              <a:ext uri="{FF2B5EF4-FFF2-40B4-BE49-F238E27FC236}">
+                <a16:creationId xmlns:a16="http://schemas.microsoft.com/office/drawing/2014/main" id="{4483B3B5-9960-1A48-A41E-7671946C2510}"/>
+              </a:ext>
+            </a:extLst>
+          </p:cNvPr>
+          <p:cNvSpPr>
+            <a:spLocks noGrp="1"/>
+          </p:cNvSpPr>
+          <p:nvPr>
+            <p:ph type="sldNum" sz="quarter" idx="12"/>
+          </p:nvPr>
+        </p:nvSpPr>
+        <p:spPr/>
+        <p:txBody>
+          <a:bodyPr/>
+          <a:lstStyle/>
+          <a:p>
+            <a:fld id="{052702CF-B793-8841-9D68-A44C3863FEDD}" type="slidenum">
+              <a:rPr lang="en-US" smtClean="0"/>
+              <a:t>9</a:t>
+            </a:fld>
+            <a:endParaRPr lang="en-US"/>
+          </a:p>
+        </p:txBody>
+      </p:sp>
+      <p:sp>
+        <p:nvSpPr>
+          <p:cNvPr id="9" name="TextBox 8">
+            <a:extLst>
+              <a:ext uri="{FF2B5EF4-FFF2-40B4-BE49-F238E27FC236}">
+                <a16:creationId xmlns:a16="http://schemas.microsoft.com/office/drawing/2014/main" id="{7730B6C4-508A-4F4F-92AA-F957085171B3}"/>
+              </a:ext>
+            </a:extLst>
+          </p:cNvPr>
+          <p:cNvSpPr txBox="1"/>
+          <p:nvPr/>
+        </p:nvSpPr>
+        <p:spPr>
+          <a:xfrm>
+            <a:off x="558800" y="1905000"/>
+            <a:ext cx="9182100" cy="3539430"/>
+          </a:xfrm>
+          <a:prstGeom prst="rect">
+            <a:avLst/>
+          </a:prstGeom>
+          <a:noFill/>
+        </p:spPr>
+        <p:txBody>
+          <a:bodyPr wrap="square" rtlCol="0">
+            <a:spAutoFit/>
+          </a:bodyPr>
+          <a:lstStyle/>
+          <a:p>
+            <a:pPr marL="285750" indent="-285750">
+              <a:buFont typeface="Arial" panose="020B0604020202020204" pitchFamily="34" charset="0"/>
+              <a:buChar char="•"/>
+            </a:pPr>
+            <a:r>
+              <a:rPr lang="en-US" sz="2800" dirty="0"/>
+              <a:t>There was one or two features which encoded some interesting information which could potentially be used</a:t>
+            </a:r>
+          </a:p>
+          <a:p>
+            <a:pPr marL="285750" indent="-285750">
+              <a:buFont typeface="Arial" panose="020B0604020202020204" pitchFamily="34" charset="0"/>
+              <a:buChar char="•"/>
+            </a:pPr>
+            <a:endParaRPr lang="en-US" sz="2800" dirty="0"/>
+          </a:p>
+          <a:p>
+            <a:pPr marL="285750" indent="-285750">
+              <a:buFont typeface="Arial" panose="020B0604020202020204" pitchFamily="34" charset="0"/>
+              <a:buChar char="•"/>
+            </a:pPr>
+            <a:r>
+              <a:rPr lang="en-US" sz="2800" dirty="0"/>
+              <a:t>The target could be changed from conflicting vs non-conflicting to a multi-label classification problem on the pathogenicity of the variant</a:t>
+            </a:r>
+          </a:p>
+          <a:p>
+            <a:pPr marL="742950" lvl="1" indent="-285750">
+              <a:buFont typeface="Arial" panose="020B0604020202020204" pitchFamily="34" charset="0"/>
+              <a:buChar char="•"/>
+            </a:pPr>
+            <a:r>
+              <a:rPr lang="en-US" sz="2800" dirty="0"/>
+              <a:t>This would be a more useful application</a:t>
+            </a:r>
+          </a:p>
+          <a:p>
+            <a:pPr marL="742950" lvl="1" indent="-285750">
+              <a:buFont typeface="Arial" panose="020B0604020202020204" pitchFamily="34" charset="0"/>
+              <a:buChar char="•"/>
+            </a:pPr>
+            <a:r>
+              <a:rPr lang="en-US" sz="2800" dirty="0"/>
+              <a:t>(Indeed there are companies who do this sort of stuff)</a:t>
+            </a:r>
+          </a:p>
+        </p:txBody>
+      </p:sp>
+    </p:spTree>
+    <p:extLst>
+      <p:ext uri="{BB962C8B-B14F-4D97-AF65-F5344CB8AC3E}">
+        <p14:creationId xmlns:p14="http://schemas.microsoft.com/office/powerpoint/2010/main" val="186299306"/>
       </p:ext>
     </p:extLst>
   </p:cSld>
@@ -4763,4 +8744,299 @@
     </a:ext>
   </a:extLst>
 </a:theme>
+</file>
+
+<file path=ppt/theme/theme2.xml><?xml version="1.0" encoding="utf-8"?>
+<a:theme xmlns:a="http://schemas.openxmlformats.org/drawingml/2006/main" name="Office Theme">
+  <a:themeElements>
+    <a:clrScheme name="Office">
+      <a:dk1>
+        <a:sysClr val="windowText" lastClr="000000"/>
+      </a:dk1>
+      <a:lt1>
+        <a:sysClr val="window" lastClr="FFFFFF"/>
+      </a:lt1>
+      <a:dk2>
+        <a:srgbClr val="44546A"/>
+      </a:dk2>
+      <a:lt2>
+        <a:srgbClr val="E7E6E6"/>
+      </a:lt2>
+      <a:accent1>
+        <a:srgbClr val="4472C4"/>
+      </a:accent1>
+      <a:accent2>
+        <a:srgbClr val="ED7D31"/>
+      </a:accent2>
+      <a:accent3>
+        <a:srgbClr val="A5A5A5"/>
+      </a:accent3>
+      <a:accent4>
+        <a:srgbClr val="FFC000"/>
+      </a:accent4>
+      <a:accent5>
+        <a:srgbClr val="5B9BD5"/>
+      </a:accent5>
+      <a:accent6>
+        <a:srgbClr val="70AD47"/>
+      </a:accent6>
+      <a:hlink>
+        <a:srgbClr val="0563C1"/>
+      </a:hlink>
+      <a:folHlink>
+        <a:srgbClr val="954F72"/>
+      </a:folHlink>
+    </a:clrScheme>
+    <a:fontScheme name="Office">
+      <a:majorFont>
+        <a:latin typeface="Calibri Light" panose="020F0302020204030204"/>
+        <a:ea typeface=""/>
+        <a:cs typeface=""/>
+        <a:font script="Jpan" typeface="游ゴシック Light"/>
+        <a:font script="Hang" typeface="맑은 고딕"/>
+        <a:font script="Hans" typeface="等线 Light"/>
+        <a:font script="Hant" typeface="新細明體"/>
+        <a:font script="Arab" typeface="Times New Roman"/>
+        <a:font script="Hebr" typeface="Times New Roman"/>
+        <a:font script="Thai" typeface="Angsana New"/>
+        <a:font script="Ethi" typeface="Nyala"/>
+        <a:font script="Beng" typeface="Vrinda"/>
+        <a:font script="Gujr" typeface="Shruti"/>
+        <a:font script="Khmr" typeface="MoolBoran"/>
+        <a:font script="Knda" typeface="Tunga"/>
+        <a:font script="Guru" typeface="Raavi"/>
+        <a:font script="Cans" typeface="Euphemia"/>
+        <a:font script="Cher" typeface="Plantagenet Cherokee"/>
+        <a:font script="Yiii" typeface="Microsoft Yi Baiti"/>
+        <a:font script="Tibt" typeface="Microsoft Himalaya"/>
+        <a:font script="Thaa" typeface="MV Boli"/>
+        <a:font script="Deva" typeface="Mangal"/>
+        <a:font script="Telu" typeface="Gautami"/>
+        <a:font script="Taml" typeface="Latha"/>
+        <a:font script="Syrc" typeface="Estrangelo Edessa"/>
+        <a:font script="Orya" typeface="Kalinga"/>
+        <a:font script="Mlym" typeface="Kartika"/>
+        <a:font script="Laoo" typeface="DokChampa"/>
+        <a:font script="Sinh" typeface="Iskoola Pota"/>
+        <a:font script="Mong" typeface="Mongolian Baiti"/>
+        <a:font script="Viet" typeface="Times New Roman"/>
+        <a:font script="Uigh" typeface="Microsoft Uighur"/>
+        <a:font script="Geor" typeface="Sylfaen"/>
+        <a:font script="Armn" typeface="Arial"/>
+        <a:font script="Bugi" typeface="Leelawadee UI"/>
+        <a:font script="Bopo" typeface="Microsoft JhengHei"/>
+        <a:font script="Java" typeface="Javanese Text"/>
+        <a:font script="Lisu" typeface="Segoe UI"/>
+        <a:font script="Mymr" typeface="Myanmar Text"/>
+        <a:font script="Nkoo" typeface="Ebrima"/>
+        <a:font script="Olck" typeface="Nirmala UI"/>
+        <a:font script="Osma" typeface="Ebrima"/>
+        <a:font script="Phag" typeface="Phagspa"/>
+        <a:font script="Syrn" typeface="Estrangelo Edessa"/>
+        <a:font script="Syrj" typeface="Estrangelo Edessa"/>
+        <a:font script="Syre" typeface="Estrangelo Edessa"/>
+        <a:font script="Sora" typeface="Nirmala UI"/>
+        <a:font script="Tale" typeface="Microsoft Tai Le"/>
+        <a:font script="Talu" typeface="Microsoft New Tai Lue"/>
+        <a:font script="Tfng" typeface="Ebrima"/>
+      </a:majorFont>
+      <a:minorFont>
+        <a:latin typeface="Calibri" panose="020F0502020204030204"/>
+        <a:ea typeface=""/>
+        <a:cs typeface=""/>
+        <a:font script="Jpan" typeface="游ゴシック"/>
+        <a:font script="Hang" typeface="맑은 고딕"/>
+        <a:font script="Hans" typeface="等线"/>
+        <a:font script="Hant" typeface="新細明體"/>
+        <a:font script="Arab" typeface="Arial"/>
+        <a:font script="Hebr" typeface="Arial"/>
+        <a:font script="Thai" typeface="Cordia New"/>
+        <a:font script="Ethi" typeface="Nyala"/>
+        <a:font script="Beng" typeface="Vrinda"/>
+        <a:font script="Gujr" typeface="Shruti"/>
+        <a:font script="Khmr" typeface="DaunPenh"/>
+        <a:font script="Knda" typeface="Tunga"/>
+        <a:font script="Guru" typeface="Raavi"/>
+        <a:font script="Cans" typeface="Euphemia"/>
+        <a:font script="Cher" typeface="Plantagenet Cherokee"/>
+        <a:font script="Yiii" typeface="Microsoft Yi Baiti"/>
+        <a:font script="Tibt" typeface="Microsoft Himalaya"/>
+        <a:font script="Thaa" typeface="MV Boli"/>
+        <a:font script="Deva" typeface="Mangal"/>
+        <a:font script="Telu" typeface="Gautami"/>
+        <a:font script="Taml" typeface="Latha"/>
+        <a:font script="Syrc" typeface="Estrangelo Edessa"/>
+        <a:font script="Orya" typeface="Kalinga"/>
+        <a:font script="Mlym" typeface="Kartika"/>
+        <a:font script="Laoo" typeface="DokChampa"/>
+        <a:font script="Sinh" typeface="Iskoola Pota"/>
+        <a:font script="Mong" typeface="Mongolian Baiti"/>
+        <a:font script="Viet" typeface="Arial"/>
+        <a:font script="Uigh" typeface="Microsoft Uighur"/>
+        <a:font script="Geor" typeface="Sylfaen"/>
+        <a:font script="Armn" typeface="Arial"/>
+        <a:font script="Bugi" typeface="Leelawadee UI"/>
+        <a:font script="Bopo" typeface="Microsoft JhengHei"/>
+        <a:font script="Java" typeface="Javanese Text"/>
+        <a:font script="Lisu" typeface="Segoe UI"/>
+        <a:font script="Mymr" typeface="Myanmar Text"/>
+        <a:font script="Nkoo" typeface="Ebrima"/>
+        <a:font script="Olck" typeface="Nirmala UI"/>
+        <a:font script="Osma" typeface="Ebrima"/>
+        <a:font script="Phag" typeface="Phagspa"/>
+        <a:font script="Syrn" typeface="Estrangelo Edessa"/>
+        <a:font script="Syrj" typeface="Estrangelo Edessa"/>
+        <a:font script="Syre" typeface="Estrangelo Edessa"/>
+        <a:font script="Sora" typeface="Nirmala UI"/>
+        <a:font script="Tale" typeface="Microsoft Tai Le"/>
+        <a:font script="Talu" typeface="Microsoft New Tai Lue"/>
+        <a:font script="Tfng" typeface="Ebrima"/>
+      </a:minorFont>
+    </a:fontScheme>
+    <a:fmtScheme name="Office">
+      <a:fillStyleLst>
+        <a:solidFill>
+          <a:schemeClr val="phClr"/>
+        </a:solidFill>
+        <a:gradFill rotWithShape="1">
+          <a:gsLst>
+            <a:gs pos="0">
+              <a:schemeClr val="phClr">
+                <a:lumMod val="110000"/>
+                <a:satMod val="105000"/>
+                <a:tint val="67000"/>
+              </a:schemeClr>
+            </a:gs>
+            <a:gs pos="50000">
+              <a:schemeClr val="phClr">
+                <a:lumMod val="105000"/>
+                <a:satMod val="103000"/>
+                <a:tint val="73000"/>
+              </a:schemeClr>
+            </a:gs>
+            <a:gs pos="100000">
+              <a:schemeClr val="phClr">
+                <a:lumMod val="105000"/>
+                <a:satMod val="109000"/>
+                <a:tint val="81000"/>
+              </a:schemeClr>
+            </a:gs>
+          </a:gsLst>
+          <a:lin ang="5400000" scaled="0"/>
+        </a:gradFill>
+        <a:gradFill rotWithShape="1">
+          <a:gsLst>
+            <a:gs pos="0">
+              <a:schemeClr val="phClr">
+                <a:satMod val="103000"/>
+                <a:lumMod val="102000"/>
+                <a:tint val="94000"/>
+              </a:schemeClr>
+            </a:gs>
+            <a:gs pos="50000">
+              <a:schemeClr val="phClr">
+                <a:satMod val="110000"/>
+                <a:lumMod val="100000"/>
+                <a:shade val="100000"/>
+              </a:schemeClr>
+            </a:gs>
+            <a:gs pos="100000">
+              <a:schemeClr val="phClr">
+                <a:lumMod val="99000"/>
+                <a:satMod val="120000"/>
+                <a:shade val="78000"/>
+              </a:schemeClr>
+            </a:gs>
+          </a:gsLst>
+          <a:lin ang="5400000" scaled="0"/>
+        </a:gradFill>
+      </a:fillStyleLst>
+      <a:lnStyleLst>
+        <a:ln w="6350" cap="flat" cmpd="sng" algn="ctr">
+          <a:solidFill>
+            <a:schemeClr val="phClr"/>
+          </a:solidFill>
+          <a:prstDash val="solid"/>
+          <a:miter lim="800000"/>
+        </a:ln>
+        <a:ln w="12700" cap="flat" cmpd="sng" algn="ctr">
+          <a:solidFill>
+            <a:schemeClr val="phClr"/>
+          </a:solidFill>
+          <a:prstDash val="solid"/>
+          <a:miter lim="800000"/>
+        </a:ln>
+        <a:ln w="19050" cap="flat" cmpd="sng" algn="ctr">
+          <a:solidFill>
+            <a:schemeClr val="phClr"/>
+          </a:solidFill>
+          <a:prstDash val="solid"/>
+          <a:miter lim="800000"/>
+        </a:ln>
+      </a:lnStyleLst>
+      <a:effectStyleLst>
+        <a:effectStyle>
+          <a:effectLst/>
+        </a:effectStyle>
+        <a:effectStyle>
+          <a:effectLst/>
+        </a:effectStyle>
+        <a:effectStyle>
+          <a:effectLst>
+            <a:outerShdw blurRad="57150" dist="19050" dir="5400000" algn="ctr" rotWithShape="0">
+              <a:srgbClr val="000000">
+                <a:alpha val="63000"/>
+              </a:srgbClr>
+            </a:outerShdw>
+          </a:effectLst>
+        </a:effectStyle>
+      </a:effectStyleLst>
+      <a:bgFillStyleLst>
+        <a:solidFill>
+          <a:schemeClr val="phClr"/>
+        </a:solidFill>
+        <a:solidFill>
+          <a:schemeClr val="phClr">
+            <a:tint val="95000"/>
+            <a:satMod val="170000"/>
+          </a:schemeClr>
+        </a:solidFill>
+        <a:gradFill rotWithShape="1">
+          <a:gsLst>
+            <a:gs pos="0">
+              <a:schemeClr val="phClr">
+                <a:tint val="93000"/>
+                <a:satMod val="150000"/>
+                <a:shade val="98000"/>
+                <a:lumMod val="102000"/>
+              </a:schemeClr>
+            </a:gs>
+            <a:gs pos="50000">
+              <a:schemeClr val="phClr">
+                <a:tint val="98000"/>
+                <a:satMod val="130000"/>
+                <a:shade val="90000"/>
+                <a:lumMod val="103000"/>
+              </a:schemeClr>
+            </a:gs>
+            <a:gs pos="100000">
+              <a:schemeClr val="phClr">
+                <a:shade val="63000"/>
+                <a:satMod val="120000"/>
+              </a:schemeClr>
+            </a:gs>
+          </a:gsLst>
+          <a:lin ang="5400000" scaled="0"/>
+        </a:gradFill>
+      </a:bgFillStyleLst>
+    </a:fmtScheme>
+  </a:themeElements>
+  <a:objectDefaults/>
+  <a:extraClrSchemeLst/>
+  <a:extLst>
+    <a:ext uri="{05A4C25C-085E-4340-85A3-A5531E510DB2}">
+      <thm15:themeFamily xmlns:thm15="http://schemas.microsoft.com/office/thememl/2012/main" name="Office Theme" id="{62F939B6-93AF-4DB8-9C6B-D6C7DFDC589F}" vid="{4A3C46E8-61CC-4603-A589-7422A47A8E4A}"/>
+    </a:ext>
+  </a:extLst>
+</a:theme>
 </file>
--- a/Presentation/GeneticVariantClassificationPres.pptx
+++ b/Presentation/GeneticVariantClassificationPres.pptx
@@ -3949,6 +3949,9 @@
   <p:clrMapOvr>
     <a:masterClrMapping/>
   </p:clrMapOvr>
+  <p:transition spd="slow">
+    <p:push/>
+  </p:transition>
 </p:sld>
 </file>
 
@@ -4152,245 +4155,86 @@
       </p:pic>
       <p:sp>
         <p:nvSpPr>
-          <p:cNvPr id="10" name="Content Placeholder 2">
-            <a:extLst>
-              <a:ext uri="{FF2B5EF4-FFF2-40B4-BE49-F238E27FC236}">
-                <a16:creationId xmlns:a16="http://schemas.microsoft.com/office/drawing/2014/main" id="{B6E2A1B1-381F-9643-A32C-1D87F1A9DFA8}"/>
-              </a:ext>
-            </a:extLst>
-          </p:cNvPr>
-          <p:cNvSpPr txBox="1">
-            <a:spLocks/>
-          </p:cNvSpPr>
+          <p:cNvPr id="11" name="Rounded Rectangle 10">
+            <a:extLst>
+              <a:ext uri="{FF2B5EF4-FFF2-40B4-BE49-F238E27FC236}">
+                <a16:creationId xmlns:a16="http://schemas.microsoft.com/office/drawing/2014/main" id="{3F1C9F13-6B02-6445-BD18-C92385F191FF}"/>
+              </a:ext>
+            </a:extLst>
+          </p:cNvPr>
+          <p:cNvSpPr/>
           <p:nvPr/>
         </p:nvSpPr>
         <p:spPr>
           <a:xfrm>
-            <a:off x="838200" y="1825625"/>
-            <a:ext cx="10515600" cy="4351338"/>
-          </a:xfrm>
-          <a:prstGeom prst="rect">
+            <a:off x="666125" y="1725191"/>
+            <a:ext cx="10724189" cy="4635680"/>
+          </a:xfrm>
+          <a:prstGeom prst="roundRect">
             <a:avLst/>
           </a:prstGeom>
-        </p:spPr>
-        <p:txBody>
-          <a:bodyPr vert="horz" lIns="91440" tIns="45720" rIns="91440" bIns="45720" rtlCol="0">
-            <a:normAutofit fontScale="85000" lnSpcReduction="20000"/>
-          </a:bodyPr>
-          <a:lstStyle>
-            <a:lvl1pPr marL="228600" indent="-228600" algn="l" defTabSz="914400" rtl="0" eaLnBrk="1" latinLnBrk="0" hangingPunct="1">
-              <a:lnSpc>
-                <a:spcPct val="90000"/>
-              </a:lnSpc>
-              <a:spcBef>
-                <a:spcPts val="1000"/>
-              </a:spcBef>
-              <a:buFont typeface="Arial" panose="020B0604020202020204" pitchFamily="34" charset="0"/>
-              <a:buChar char="•"/>
-              <a:defRPr sz="2800" kern="1200">
+          <a:noFill/>
+          <a:ln w="76200">
+            <a:solidFill>
+              <a:srgbClr val="EC435D"/>
+            </a:solidFill>
+          </a:ln>
+        </p:spPr>
+        <p:style>
+          <a:lnRef idx="2">
+            <a:schemeClr val="accent1">
+              <a:shade val="50000"/>
+            </a:schemeClr>
+          </a:lnRef>
+          <a:fillRef idx="1">
+            <a:schemeClr val="accent1"/>
+          </a:fillRef>
+          <a:effectRef idx="0">
+            <a:schemeClr val="accent1"/>
+          </a:effectRef>
+          <a:fontRef idx="minor">
+            <a:schemeClr val="lt1"/>
+          </a:fontRef>
+        </p:style>
+        <p:txBody>
+          <a:bodyPr rtlCol="0" anchor="ctr"/>
+          <a:lstStyle/>
+          <a:p>
+            <a:pPr algn="ctr"/>
+            <a:r>
+              <a:rPr lang="en-US" sz="3200" i="1" dirty="0">
                 <a:solidFill>
                   <a:schemeClr val="tx1"/>
                 </a:solidFill>
-                <a:latin typeface="+mn-lt"/>
-                <a:ea typeface="+mn-ea"/>
-                <a:cs typeface="+mn-cs"/>
-              </a:defRPr>
-            </a:lvl1pPr>
-            <a:lvl2pPr marL="685800" indent="-228600" algn="l" defTabSz="914400" rtl="0" eaLnBrk="1" latinLnBrk="0" hangingPunct="1">
-              <a:lnSpc>
-                <a:spcPct val="90000"/>
-              </a:lnSpc>
-              <a:spcBef>
-                <a:spcPts val="500"/>
-              </a:spcBef>
-              <a:buFont typeface="Arial" panose="020B0604020202020204" pitchFamily="34" charset="0"/>
-              <a:buChar char="•"/>
-              <a:defRPr sz="2400" kern="1200">
+                <a:latin typeface="+mj-lt"/>
+              </a:rPr>
+              <a:t>“The human genome is only on the order of a gigabyte of data, which is a tiny little database. If you take the entire living biosphere…about one petabyte…that’s still very small compared with Google or the Wikipedia. And somehow mother nature manages to create…this incredibly rich environment with this amazingly small amount of data.”</a:t>
+            </a:r>
+          </a:p>
+          <a:p>
+            <a:pPr algn="ctr"/>
+            <a:endParaRPr lang="en-US" sz="3200" i="1" dirty="0">
+              <a:solidFill>
+                <a:schemeClr val="tx1"/>
+              </a:solidFill>
+              <a:latin typeface="+mj-lt"/>
+            </a:endParaRPr>
+          </a:p>
+          <a:p>
+            <a:pPr algn="ctr"/>
+            <a:r>
+              <a:rPr lang="en-US" sz="3200" i="1" dirty="0">
                 <a:solidFill>
                   <a:schemeClr val="tx1"/>
                 </a:solidFill>
-                <a:latin typeface="+mn-lt"/>
-                <a:ea typeface="+mn-ea"/>
-                <a:cs typeface="+mn-cs"/>
-              </a:defRPr>
-            </a:lvl2pPr>
-            <a:lvl3pPr marL="1143000" indent="-228600" algn="l" defTabSz="914400" rtl="0" eaLnBrk="1" latinLnBrk="0" hangingPunct="1">
-              <a:lnSpc>
-                <a:spcPct val="90000"/>
-              </a:lnSpc>
-              <a:spcBef>
-                <a:spcPts val="500"/>
-              </a:spcBef>
-              <a:buFont typeface="Arial" panose="020B0604020202020204" pitchFamily="34" charset="0"/>
-              <a:buChar char="•"/>
-              <a:defRPr sz="2000" kern="1200">
-                <a:solidFill>
-                  <a:schemeClr val="tx1"/>
-                </a:solidFill>
-                <a:latin typeface="+mn-lt"/>
-                <a:ea typeface="+mn-ea"/>
-                <a:cs typeface="+mn-cs"/>
-              </a:defRPr>
-            </a:lvl3pPr>
-            <a:lvl4pPr marL="1600200" indent="-228600" algn="l" defTabSz="914400" rtl="0" eaLnBrk="1" latinLnBrk="0" hangingPunct="1">
-              <a:lnSpc>
-                <a:spcPct val="90000"/>
-              </a:lnSpc>
-              <a:spcBef>
-                <a:spcPts val="500"/>
-              </a:spcBef>
-              <a:buFont typeface="Arial" panose="020B0604020202020204" pitchFamily="34" charset="0"/>
-              <a:buChar char="•"/>
-              <a:defRPr sz="1800" kern="1200">
-                <a:solidFill>
-                  <a:schemeClr val="tx1"/>
-                </a:solidFill>
-                <a:latin typeface="+mn-lt"/>
-                <a:ea typeface="+mn-ea"/>
-                <a:cs typeface="+mn-cs"/>
-              </a:defRPr>
-            </a:lvl4pPr>
-            <a:lvl5pPr marL="2057400" indent="-228600" algn="l" defTabSz="914400" rtl="0" eaLnBrk="1" latinLnBrk="0" hangingPunct="1">
-              <a:lnSpc>
-                <a:spcPct val="90000"/>
-              </a:lnSpc>
-              <a:spcBef>
-                <a:spcPts val="500"/>
-              </a:spcBef>
-              <a:buFont typeface="Arial" panose="020B0604020202020204" pitchFamily="34" charset="0"/>
-              <a:buChar char="•"/>
-              <a:defRPr sz="1800" kern="1200">
-                <a:solidFill>
-                  <a:schemeClr val="tx1"/>
-                </a:solidFill>
-                <a:latin typeface="+mn-lt"/>
-                <a:ea typeface="+mn-ea"/>
-                <a:cs typeface="+mn-cs"/>
-              </a:defRPr>
-            </a:lvl5pPr>
-            <a:lvl6pPr marL="2514600" indent="-228600" algn="l" defTabSz="914400" rtl="0" eaLnBrk="1" latinLnBrk="0" hangingPunct="1">
-              <a:lnSpc>
-                <a:spcPct val="90000"/>
-              </a:lnSpc>
-              <a:spcBef>
-                <a:spcPts val="500"/>
-              </a:spcBef>
-              <a:buFont typeface="Arial" panose="020B0604020202020204" pitchFamily="34" charset="0"/>
-              <a:buChar char="•"/>
-              <a:defRPr sz="1800" kern="1200">
-                <a:solidFill>
-                  <a:schemeClr val="tx1"/>
-                </a:solidFill>
-                <a:latin typeface="+mn-lt"/>
-                <a:ea typeface="+mn-ea"/>
-                <a:cs typeface="+mn-cs"/>
-              </a:defRPr>
-            </a:lvl6pPr>
-            <a:lvl7pPr marL="2971800" indent="-228600" algn="l" defTabSz="914400" rtl="0" eaLnBrk="1" latinLnBrk="0" hangingPunct="1">
-              <a:lnSpc>
-                <a:spcPct val="90000"/>
-              </a:lnSpc>
-              <a:spcBef>
-                <a:spcPts val="500"/>
-              </a:spcBef>
-              <a:buFont typeface="Arial" panose="020B0604020202020204" pitchFamily="34" charset="0"/>
-              <a:buChar char="•"/>
-              <a:defRPr sz="1800" kern="1200">
-                <a:solidFill>
-                  <a:schemeClr val="tx1"/>
-                </a:solidFill>
-                <a:latin typeface="+mn-lt"/>
-                <a:ea typeface="+mn-ea"/>
-                <a:cs typeface="+mn-cs"/>
-              </a:defRPr>
-            </a:lvl7pPr>
-            <a:lvl8pPr marL="3429000" indent="-228600" algn="l" defTabSz="914400" rtl="0" eaLnBrk="1" latinLnBrk="0" hangingPunct="1">
-              <a:lnSpc>
-                <a:spcPct val="90000"/>
-              </a:lnSpc>
-              <a:spcBef>
-                <a:spcPts val="500"/>
-              </a:spcBef>
-              <a:buFont typeface="Arial" panose="020B0604020202020204" pitchFamily="34" charset="0"/>
-              <a:buChar char="•"/>
-              <a:defRPr sz="1800" kern="1200">
-                <a:solidFill>
-                  <a:schemeClr val="tx1"/>
-                </a:solidFill>
-                <a:latin typeface="+mn-lt"/>
-                <a:ea typeface="+mn-ea"/>
-                <a:cs typeface="+mn-cs"/>
-              </a:defRPr>
-            </a:lvl8pPr>
-            <a:lvl9pPr marL="3886200" indent="-228600" algn="l" defTabSz="914400" rtl="0" eaLnBrk="1" latinLnBrk="0" hangingPunct="1">
-              <a:lnSpc>
-                <a:spcPct val="90000"/>
-              </a:lnSpc>
-              <a:spcBef>
-                <a:spcPts val="500"/>
-              </a:spcBef>
-              <a:buFont typeface="Arial" panose="020B0604020202020204" pitchFamily="34" charset="0"/>
-              <a:buChar char="•"/>
-              <a:defRPr sz="1800" kern="1200">
-                <a:solidFill>
-                  <a:schemeClr val="tx1"/>
-                </a:solidFill>
-                <a:latin typeface="+mn-lt"/>
-                <a:ea typeface="+mn-ea"/>
-                <a:cs typeface="+mn-cs"/>
-              </a:defRPr>
-            </a:lvl9pPr>
-          </a:lstStyle>
-          <a:p>
-            <a:pPr marL="0" indent="0" algn="ctr">
-              <a:buFont typeface="Arial" panose="020B0604020202020204" pitchFamily="34" charset="0"/>
-              <a:buNone/>
-            </a:pPr>
-            <a:endParaRPr lang="en-US" sz="4000" dirty="0">
-              <a:latin typeface="+mj-lt"/>
-            </a:endParaRPr>
-          </a:p>
-          <a:p>
-            <a:pPr marL="0" indent="0" algn="ctr">
-              <a:buFont typeface="Arial" panose="020B0604020202020204" pitchFamily="34" charset="0"/>
-              <a:buNone/>
-            </a:pPr>
-            <a:endParaRPr lang="en-US" sz="4000" dirty="0">
-              <a:latin typeface="+mj-lt"/>
-            </a:endParaRPr>
-          </a:p>
-          <a:p>
-            <a:pPr marL="0" indent="0" algn="ctr">
-              <a:buFont typeface="Arial" panose="020B0604020202020204" pitchFamily="34" charset="0"/>
-              <a:buNone/>
-            </a:pPr>
-            <a:r>
-              <a:rPr lang="en-US" sz="4000" i="1" dirty="0">
-                <a:latin typeface="+mj-lt"/>
-              </a:rPr>
-              <a:t>“The human genome is only on the order of a gigabyte of data, which is a tiny little database. If you take the entire living biosphere…about one petabyte…that’s still very small compared with Google or the Wikipedia. And somehow mother nature manages to create…this incredibly rich environment with this amazingly small amount of data.”</a:t>
-            </a:r>
-          </a:p>
-          <a:p>
-            <a:pPr marL="0" indent="0" algn="ctr">
-              <a:buFont typeface="Arial" panose="020B0604020202020204" pitchFamily="34" charset="0"/>
-              <a:buNone/>
-            </a:pPr>
-            <a:endParaRPr lang="en-US" sz="4000" i="1" dirty="0">
-              <a:latin typeface="+mj-lt"/>
-            </a:endParaRPr>
-          </a:p>
-          <a:p>
-            <a:pPr marL="0" indent="0" algn="ctr">
-              <a:buFont typeface="Arial" panose="020B0604020202020204" pitchFamily="34" charset="0"/>
-              <a:buNone/>
-            </a:pPr>
-            <a:r>
-              <a:rPr lang="en-US" sz="4000" i="1" dirty="0">
                 <a:latin typeface="+mj-lt"/>
               </a:rPr>
               <a:t>- Freeman Dyson</a:t>
             </a:r>
+          </a:p>
+          <a:p>
+            <a:pPr algn="ctr"/>
+            <a:endParaRPr lang="en-US" dirty="0"/>
           </a:p>
         </p:txBody>
       </p:sp>
@@ -4404,6 +4248,9 @@
   <p:clrMapOvr>
     <a:masterClrMapping/>
   </p:clrMapOvr>
+  <p:transition spd="slow">
+    <p:push/>
+  </p:transition>
 </p:sld>
 </file>
 
@@ -4576,31 +4423,6 @@
           </a:prstGeom>
         </p:spPr>
       </p:pic>
-      <p:sp>
-        <p:nvSpPr>
-          <p:cNvPr id="8" name="Content Placeholder 7">
-            <a:extLst>
-              <a:ext uri="{FF2B5EF4-FFF2-40B4-BE49-F238E27FC236}">
-                <a16:creationId xmlns:a16="http://schemas.microsoft.com/office/drawing/2014/main" id="{E52D8FF2-CBDE-C24E-A136-04E4A915C25A}"/>
-              </a:ext>
-            </a:extLst>
-          </p:cNvPr>
-          <p:cNvSpPr>
-            <a:spLocks noGrp="1"/>
-          </p:cNvSpPr>
-          <p:nvPr>
-            <p:ph idx="1"/>
-          </p:nvPr>
-        </p:nvSpPr>
-        <p:spPr/>
-        <p:txBody>
-          <a:bodyPr/>
-          <a:lstStyle/>
-          <a:p>
-            <a:endParaRPr lang="en-US"/>
-          </a:p>
-        </p:txBody>
-      </p:sp>
     </p:spTree>
     <p:extLst>
       <p:ext uri="{BB962C8B-B14F-4D97-AF65-F5344CB8AC3E}">
@@ -4611,6 +4433,9 @@
   <p:clrMapOvr>
     <a:masterClrMapping/>
   </p:clrMapOvr>
+  <p:transition spd="slow">
+    <p:push/>
+  </p:transition>
 </p:sld>
 </file>
 
@@ -4718,6 +4543,96 @@
           </a:p>
         </p:txBody>
       </p:sp>
+      <p:pic>
+        <p:nvPicPr>
+          <p:cNvPr id="7" name="Content Placeholder 4">
+            <a:extLst>
+              <a:ext uri="{FF2B5EF4-FFF2-40B4-BE49-F238E27FC236}">
+                <a16:creationId xmlns:a16="http://schemas.microsoft.com/office/drawing/2014/main" id="{E96295D4-3237-8540-969C-E6F4DCD9865B}"/>
+              </a:ext>
+            </a:extLst>
+          </p:cNvPr>
+          <p:cNvPicPr>
+            <a:picLocks noChangeAspect="1"/>
+          </p:cNvPicPr>
+          <p:nvPr/>
+        </p:nvPicPr>
+        <p:blipFill>
+          <a:blip r:embed="rId3"/>
+          <a:stretch>
+            <a:fillRect/>
+          </a:stretch>
+        </p:blipFill>
+        <p:spPr>
+          <a:xfrm rot="5400000">
+            <a:off x="1491488" y="-1135063"/>
+            <a:ext cx="682562" cy="4351338"/>
+          </a:xfrm>
+          <a:prstGeom prst="rect">
+            <a:avLst/>
+          </a:prstGeom>
+        </p:spPr>
+      </p:pic>
+      <p:pic>
+        <p:nvPicPr>
+          <p:cNvPr id="8" name="Content Placeholder 4">
+            <a:extLst>
+              <a:ext uri="{FF2B5EF4-FFF2-40B4-BE49-F238E27FC236}">
+                <a16:creationId xmlns:a16="http://schemas.microsoft.com/office/drawing/2014/main" id="{677BB418-319E-BD41-B6C0-9EBF9FA0A966}"/>
+              </a:ext>
+            </a:extLst>
+          </p:cNvPr>
+          <p:cNvPicPr>
+            <a:picLocks noChangeAspect="1"/>
+          </p:cNvPicPr>
+          <p:nvPr/>
+        </p:nvPicPr>
+        <p:blipFill>
+          <a:blip r:embed="rId3"/>
+          <a:stretch>
+            <a:fillRect/>
+          </a:stretch>
+        </p:blipFill>
+        <p:spPr>
+          <a:xfrm rot="5400000">
+            <a:off x="5842826" y="-1130511"/>
+            <a:ext cx="682562" cy="4351338"/>
+          </a:xfrm>
+          <a:prstGeom prst="rect">
+            <a:avLst/>
+          </a:prstGeom>
+        </p:spPr>
+      </p:pic>
+      <p:pic>
+        <p:nvPicPr>
+          <p:cNvPr id="9" name="Content Placeholder 4">
+            <a:extLst>
+              <a:ext uri="{FF2B5EF4-FFF2-40B4-BE49-F238E27FC236}">
+                <a16:creationId xmlns:a16="http://schemas.microsoft.com/office/drawing/2014/main" id="{8A5CA89B-3F9E-5443-A04B-6CEB858087C9}"/>
+              </a:ext>
+            </a:extLst>
+          </p:cNvPr>
+          <p:cNvPicPr>
+            <a:picLocks noChangeAspect="1"/>
+          </p:cNvPicPr>
+          <p:nvPr/>
+        </p:nvPicPr>
+        <p:blipFill>
+          <a:blip r:embed="rId3"/>
+          <a:stretch>
+            <a:fillRect/>
+          </a:stretch>
+        </p:blipFill>
+        <p:spPr>
+          <a:xfrm rot="5400000">
+            <a:off x="10194164" y="-1130509"/>
+            <a:ext cx="682562" cy="4351338"/>
+          </a:xfrm>
+          <a:prstGeom prst="rect">
+            <a:avLst/>
+          </a:prstGeom>
+        </p:spPr>
+      </p:pic>
     </p:spTree>
     <p:extLst>
       <p:ext uri="{BB962C8B-B14F-4D97-AF65-F5344CB8AC3E}">
@@ -4728,6 +4643,9 @@
   <p:clrMapOvr>
     <a:masterClrMapping/>
   </p:clrMapOvr>
+  <p:transition spd="slow">
+    <p:push/>
+  </p:transition>
 </p:sld>
 </file>
 
@@ -4750,34 +4668,6 @@
       </p:grpSpPr>
       <p:sp>
         <p:nvSpPr>
-          <p:cNvPr id="2" name="Title 1">
-            <a:extLst>
-              <a:ext uri="{FF2B5EF4-FFF2-40B4-BE49-F238E27FC236}">
-                <a16:creationId xmlns:a16="http://schemas.microsoft.com/office/drawing/2014/main" id="{107D96BB-C100-B443-9535-66E8861FD1BC}"/>
-              </a:ext>
-            </a:extLst>
-          </p:cNvPr>
-          <p:cNvSpPr>
-            <a:spLocks noGrp="1"/>
-          </p:cNvSpPr>
-          <p:nvPr>
-            <p:ph type="title"/>
-          </p:nvPr>
-        </p:nvSpPr>
-        <p:spPr/>
-        <p:txBody>
-          <a:bodyPr/>
-          <a:lstStyle/>
-          <a:p>
-            <a:r>
-              <a:rPr lang="en-US" dirty="0"/>
-              <a:t>Model parameters</a:t>
-            </a:r>
-          </a:p>
-        </p:txBody>
-      </p:sp>
-      <p:sp>
-        <p:nvSpPr>
           <p:cNvPr id="3" name="Content Placeholder 2">
             <a:extLst>
               <a:ext uri="{FF2B5EF4-FFF2-40B4-BE49-F238E27FC236}">
@@ -4792,7 +4682,12 @@
             <p:ph idx="1"/>
           </p:nvPr>
         </p:nvSpPr>
-        <p:spPr/>
+        <p:spPr>
+          <a:xfrm>
+            <a:off x="926307" y="2173285"/>
+            <a:ext cx="10515600" cy="4351338"/>
+          </a:xfrm>
+        </p:spPr>
         <p:txBody>
           <a:bodyPr/>
           <a:lstStyle/>
@@ -4964,6 +4859,96 @@
           </a:p>
         </p:txBody>
       </p:sp>
+      <p:pic>
+        <p:nvPicPr>
+          <p:cNvPr id="5" name="Content Placeholder 4">
+            <a:extLst>
+              <a:ext uri="{FF2B5EF4-FFF2-40B4-BE49-F238E27FC236}">
+                <a16:creationId xmlns:a16="http://schemas.microsoft.com/office/drawing/2014/main" id="{B141B2B0-8023-D543-9045-0B3B4106AF14}"/>
+              </a:ext>
+            </a:extLst>
+          </p:cNvPr>
+          <p:cNvPicPr>
+            <a:picLocks noChangeAspect="1"/>
+          </p:cNvPicPr>
+          <p:nvPr/>
+        </p:nvPicPr>
+        <p:blipFill>
+          <a:blip r:embed="rId2"/>
+          <a:stretch>
+            <a:fillRect/>
+          </a:stretch>
+        </p:blipFill>
+        <p:spPr>
+          <a:xfrm rot="5400000">
+            <a:off x="1491488" y="-1130511"/>
+            <a:ext cx="682562" cy="4351338"/>
+          </a:xfrm>
+          <a:prstGeom prst="rect">
+            <a:avLst/>
+          </a:prstGeom>
+        </p:spPr>
+      </p:pic>
+      <p:pic>
+        <p:nvPicPr>
+          <p:cNvPr id="6" name="Content Placeholder 4">
+            <a:extLst>
+              <a:ext uri="{FF2B5EF4-FFF2-40B4-BE49-F238E27FC236}">
+                <a16:creationId xmlns:a16="http://schemas.microsoft.com/office/drawing/2014/main" id="{81D70639-DA9E-264D-AD02-D1AA79DE2130}"/>
+              </a:ext>
+            </a:extLst>
+          </p:cNvPr>
+          <p:cNvPicPr>
+            <a:picLocks noChangeAspect="1"/>
+          </p:cNvPicPr>
+          <p:nvPr/>
+        </p:nvPicPr>
+        <p:blipFill>
+          <a:blip r:embed="rId2"/>
+          <a:stretch>
+            <a:fillRect/>
+          </a:stretch>
+        </p:blipFill>
+        <p:spPr>
+          <a:xfrm rot="5400000">
+            <a:off x="5842826" y="-1130511"/>
+            <a:ext cx="682562" cy="4351338"/>
+          </a:xfrm>
+          <a:prstGeom prst="rect">
+            <a:avLst/>
+          </a:prstGeom>
+        </p:spPr>
+      </p:pic>
+      <p:pic>
+        <p:nvPicPr>
+          <p:cNvPr id="7" name="Content Placeholder 4">
+            <a:extLst>
+              <a:ext uri="{FF2B5EF4-FFF2-40B4-BE49-F238E27FC236}">
+                <a16:creationId xmlns:a16="http://schemas.microsoft.com/office/drawing/2014/main" id="{A7E6775A-0C14-984A-8882-AF794EB36612}"/>
+              </a:ext>
+            </a:extLst>
+          </p:cNvPr>
+          <p:cNvPicPr>
+            <a:picLocks noChangeAspect="1"/>
+          </p:cNvPicPr>
+          <p:nvPr/>
+        </p:nvPicPr>
+        <p:blipFill>
+          <a:blip r:embed="rId2"/>
+          <a:stretch>
+            <a:fillRect/>
+          </a:stretch>
+        </p:blipFill>
+        <p:spPr>
+          <a:xfrm rot="5400000">
+            <a:off x="10194164" y="-1130509"/>
+            <a:ext cx="682562" cy="4351338"/>
+          </a:xfrm>
+          <a:prstGeom prst="rect">
+            <a:avLst/>
+          </a:prstGeom>
+        </p:spPr>
+      </p:pic>
     </p:spTree>
     <p:extLst>
       <p:ext uri="{BB962C8B-B14F-4D97-AF65-F5344CB8AC3E}">
@@ -4974,6 +4959,9 @@
   <p:clrMapOvr>
     <a:masterClrMapping/>
   </p:clrMapOvr>
+  <p:transition spd="slow">
+    <p:push/>
+  </p:transition>
 </p:sld>
 </file>
 
@@ -5015,7 +5003,7 @@
         </p:blipFill>
         <p:spPr>
           <a:xfrm>
-            <a:off x="4041271" y="1332125"/>
+            <a:off x="4041271" y="1675025"/>
             <a:ext cx="3978670" cy="3989175"/>
           </a:xfrm>
           <a:prstGeom prst="rect">
@@ -5044,7 +5032,7 @@
         </p:blipFill>
         <p:spPr>
           <a:xfrm>
-            <a:off x="185245" y="1332125"/>
+            <a:off x="185245" y="1675025"/>
             <a:ext cx="3804998" cy="3989175"/>
           </a:xfrm>
           <a:prstGeom prst="rect">
@@ -5073,7 +5061,7 @@
         </p:blipFill>
         <p:spPr>
           <a:xfrm>
-            <a:off x="7896612" y="1332125"/>
+            <a:off x="7896612" y="1675025"/>
             <a:ext cx="3836575" cy="3989175"/>
           </a:xfrm>
           <a:prstGeom prst="rect">
@@ -5110,6 +5098,96 @@
           </a:p>
         </p:txBody>
       </p:sp>
+      <p:pic>
+        <p:nvPicPr>
+          <p:cNvPr id="8" name="Content Placeholder 4">
+            <a:extLst>
+              <a:ext uri="{FF2B5EF4-FFF2-40B4-BE49-F238E27FC236}">
+                <a16:creationId xmlns:a16="http://schemas.microsoft.com/office/drawing/2014/main" id="{14D4DDF7-7579-0247-B761-899EC4AD2831}"/>
+              </a:ext>
+            </a:extLst>
+          </p:cNvPr>
+          <p:cNvPicPr>
+            <a:picLocks noChangeAspect="1"/>
+          </p:cNvPicPr>
+          <p:nvPr/>
+        </p:nvPicPr>
+        <p:blipFill>
+          <a:blip r:embed="rId5"/>
+          <a:stretch>
+            <a:fillRect/>
+          </a:stretch>
+        </p:blipFill>
+        <p:spPr>
+          <a:xfrm rot="5400000">
+            <a:off x="1491488" y="-1135063"/>
+            <a:ext cx="682562" cy="4351338"/>
+          </a:xfrm>
+          <a:prstGeom prst="rect">
+            <a:avLst/>
+          </a:prstGeom>
+        </p:spPr>
+      </p:pic>
+      <p:pic>
+        <p:nvPicPr>
+          <p:cNvPr id="9" name="Content Placeholder 4">
+            <a:extLst>
+              <a:ext uri="{FF2B5EF4-FFF2-40B4-BE49-F238E27FC236}">
+                <a16:creationId xmlns:a16="http://schemas.microsoft.com/office/drawing/2014/main" id="{1392F29F-4C01-DE4F-A72E-8D4D5441A79E}"/>
+              </a:ext>
+            </a:extLst>
+          </p:cNvPr>
+          <p:cNvPicPr>
+            <a:picLocks noChangeAspect="1"/>
+          </p:cNvPicPr>
+          <p:nvPr/>
+        </p:nvPicPr>
+        <p:blipFill>
+          <a:blip r:embed="rId5"/>
+          <a:stretch>
+            <a:fillRect/>
+          </a:stretch>
+        </p:blipFill>
+        <p:spPr>
+          <a:xfrm rot="5400000">
+            <a:off x="5842826" y="-1130511"/>
+            <a:ext cx="682562" cy="4351338"/>
+          </a:xfrm>
+          <a:prstGeom prst="rect">
+            <a:avLst/>
+          </a:prstGeom>
+        </p:spPr>
+      </p:pic>
+      <p:pic>
+        <p:nvPicPr>
+          <p:cNvPr id="10" name="Content Placeholder 4">
+            <a:extLst>
+              <a:ext uri="{FF2B5EF4-FFF2-40B4-BE49-F238E27FC236}">
+                <a16:creationId xmlns:a16="http://schemas.microsoft.com/office/drawing/2014/main" id="{B3993A3A-07AA-5041-A33C-989A43FC1ADA}"/>
+              </a:ext>
+            </a:extLst>
+          </p:cNvPr>
+          <p:cNvPicPr>
+            <a:picLocks noChangeAspect="1"/>
+          </p:cNvPicPr>
+          <p:nvPr/>
+        </p:nvPicPr>
+        <p:blipFill>
+          <a:blip r:embed="rId5"/>
+          <a:stretch>
+            <a:fillRect/>
+          </a:stretch>
+        </p:blipFill>
+        <p:spPr>
+          <a:xfrm rot="5400000">
+            <a:off x="10194164" y="-1130509"/>
+            <a:ext cx="682562" cy="4351338"/>
+          </a:xfrm>
+          <a:prstGeom prst="rect">
+            <a:avLst/>
+          </a:prstGeom>
+        </p:spPr>
+      </p:pic>
     </p:spTree>
     <p:extLst>
       <p:ext uri="{BB962C8B-B14F-4D97-AF65-F5344CB8AC3E}">
@@ -5120,6 +5198,9 @@
   <p:clrMapOvr>
     <a:masterClrMapping/>
   </p:clrMapOvr>
+  <p:transition spd="slow">
+    <p:push/>
+  </p:transition>
 </p:sld>
 </file>
 
@@ -5162,7 +5243,7 @@
         </p:blipFill>
         <p:spPr>
           <a:xfrm>
-            <a:off x="5717400" y="1175804"/>
+            <a:off x="5717400" y="1417104"/>
             <a:ext cx="6474600" cy="4313064"/>
           </a:xfrm>
           <a:prstGeom prst="rect">
@@ -5192,7 +5273,7 @@
         </p:blipFill>
         <p:spPr>
           <a:xfrm>
-            <a:off x="0" y="1175804"/>
+            <a:off x="0" y="1417104"/>
             <a:ext cx="6474600" cy="4313064"/>
           </a:xfrm>
           <a:prstGeom prst="rect">
@@ -5229,6 +5310,96 @@
           </a:p>
         </p:txBody>
       </p:sp>
+      <p:pic>
+        <p:nvPicPr>
+          <p:cNvPr id="7" name="Content Placeholder 4">
+            <a:extLst>
+              <a:ext uri="{FF2B5EF4-FFF2-40B4-BE49-F238E27FC236}">
+                <a16:creationId xmlns:a16="http://schemas.microsoft.com/office/drawing/2014/main" id="{C37280F3-2302-2C4D-8D16-0F24158CD823}"/>
+              </a:ext>
+            </a:extLst>
+          </p:cNvPr>
+          <p:cNvPicPr>
+            <a:picLocks noChangeAspect="1"/>
+          </p:cNvPicPr>
+          <p:nvPr/>
+        </p:nvPicPr>
+        <p:blipFill>
+          <a:blip r:embed="rId4"/>
+          <a:stretch>
+            <a:fillRect/>
+          </a:stretch>
+        </p:blipFill>
+        <p:spPr>
+          <a:xfrm rot="5400000">
+            <a:off x="1491488" y="-1135063"/>
+            <a:ext cx="682562" cy="4351338"/>
+          </a:xfrm>
+          <a:prstGeom prst="rect">
+            <a:avLst/>
+          </a:prstGeom>
+        </p:spPr>
+      </p:pic>
+      <p:pic>
+        <p:nvPicPr>
+          <p:cNvPr id="8" name="Content Placeholder 4">
+            <a:extLst>
+              <a:ext uri="{FF2B5EF4-FFF2-40B4-BE49-F238E27FC236}">
+                <a16:creationId xmlns:a16="http://schemas.microsoft.com/office/drawing/2014/main" id="{26481FEE-D912-974C-820C-8ED32AAAA58C}"/>
+              </a:ext>
+            </a:extLst>
+          </p:cNvPr>
+          <p:cNvPicPr>
+            <a:picLocks noChangeAspect="1"/>
+          </p:cNvPicPr>
+          <p:nvPr/>
+        </p:nvPicPr>
+        <p:blipFill>
+          <a:blip r:embed="rId4"/>
+          <a:stretch>
+            <a:fillRect/>
+          </a:stretch>
+        </p:blipFill>
+        <p:spPr>
+          <a:xfrm rot="5400000">
+            <a:off x="5842826" y="-1130511"/>
+            <a:ext cx="682562" cy="4351338"/>
+          </a:xfrm>
+          <a:prstGeom prst="rect">
+            <a:avLst/>
+          </a:prstGeom>
+        </p:spPr>
+      </p:pic>
+      <p:pic>
+        <p:nvPicPr>
+          <p:cNvPr id="9" name="Content Placeholder 4">
+            <a:extLst>
+              <a:ext uri="{FF2B5EF4-FFF2-40B4-BE49-F238E27FC236}">
+                <a16:creationId xmlns:a16="http://schemas.microsoft.com/office/drawing/2014/main" id="{898AD83E-A2C9-9342-AAF1-2269D38F885D}"/>
+              </a:ext>
+            </a:extLst>
+          </p:cNvPr>
+          <p:cNvPicPr>
+            <a:picLocks noChangeAspect="1"/>
+          </p:cNvPicPr>
+          <p:nvPr/>
+        </p:nvPicPr>
+        <p:blipFill>
+          <a:blip r:embed="rId4"/>
+          <a:stretch>
+            <a:fillRect/>
+          </a:stretch>
+        </p:blipFill>
+        <p:spPr>
+          <a:xfrm rot="5400000">
+            <a:off x="10194164" y="-1130509"/>
+            <a:ext cx="682562" cy="4351338"/>
+          </a:xfrm>
+          <a:prstGeom prst="rect">
+            <a:avLst/>
+          </a:prstGeom>
+        </p:spPr>
+      </p:pic>
     </p:spTree>
     <p:extLst>
       <p:ext uri="{BB962C8B-B14F-4D97-AF65-F5344CB8AC3E}">
@@ -5239,6 +5410,9 @@
   <p:clrMapOvr>
     <a:masterClrMapping/>
   </p:clrMapOvr>
+  <p:transition spd="slow">
+    <p:push/>
+  </p:transition>
 </p:sld>
 </file>
 
@@ -5281,8 +5455,8 @@
         </p:blipFill>
         <p:spPr>
           <a:xfrm>
-            <a:off x="2074750" y="481712"/>
-            <a:ext cx="7571500" cy="6057200"/>
+            <a:off x="3025184" y="1776413"/>
+            <a:ext cx="5935265" cy="4748212"/>
           </a:xfrm>
           <a:prstGeom prst="rect">
             <a:avLst/>
@@ -5318,6 +5492,96 @@
           </a:p>
         </p:txBody>
       </p:sp>
+      <p:pic>
+        <p:nvPicPr>
+          <p:cNvPr id="4" name="Content Placeholder 4">
+            <a:extLst>
+              <a:ext uri="{FF2B5EF4-FFF2-40B4-BE49-F238E27FC236}">
+                <a16:creationId xmlns:a16="http://schemas.microsoft.com/office/drawing/2014/main" id="{330A53D5-57C5-ED47-BA3E-81333BB43C31}"/>
+              </a:ext>
+            </a:extLst>
+          </p:cNvPr>
+          <p:cNvPicPr>
+            <a:picLocks noChangeAspect="1"/>
+          </p:cNvPicPr>
+          <p:nvPr/>
+        </p:nvPicPr>
+        <p:blipFill>
+          <a:blip r:embed="rId3"/>
+          <a:stretch>
+            <a:fillRect/>
+          </a:stretch>
+        </p:blipFill>
+        <p:spPr>
+          <a:xfrm rot="5400000">
+            <a:off x="1491488" y="-1135063"/>
+            <a:ext cx="682562" cy="4351338"/>
+          </a:xfrm>
+          <a:prstGeom prst="rect">
+            <a:avLst/>
+          </a:prstGeom>
+        </p:spPr>
+      </p:pic>
+      <p:pic>
+        <p:nvPicPr>
+          <p:cNvPr id="5" name="Content Placeholder 4">
+            <a:extLst>
+              <a:ext uri="{FF2B5EF4-FFF2-40B4-BE49-F238E27FC236}">
+                <a16:creationId xmlns:a16="http://schemas.microsoft.com/office/drawing/2014/main" id="{8CE44E0F-FF5F-7847-ABE2-F846E28B0E1C}"/>
+              </a:ext>
+            </a:extLst>
+          </p:cNvPr>
+          <p:cNvPicPr>
+            <a:picLocks noChangeAspect="1"/>
+          </p:cNvPicPr>
+          <p:nvPr/>
+        </p:nvPicPr>
+        <p:blipFill>
+          <a:blip r:embed="rId3"/>
+          <a:stretch>
+            <a:fillRect/>
+          </a:stretch>
+        </p:blipFill>
+        <p:spPr>
+          <a:xfrm rot="5400000">
+            <a:off x="5842826" y="-1130511"/>
+            <a:ext cx="682562" cy="4351338"/>
+          </a:xfrm>
+          <a:prstGeom prst="rect">
+            <a:avLst/>
+          </a:prstGeom>
+        </p:spPr>
+      </p:pic>
+      <p:pic>
+        <p:nvPicPr>
+          <p:cNvPr id="6" name="Content Placeholder 4">
+            <a:extLst>
+              <a:ext uri="{FF2B5EF4-FFF2-40B4-BE49-F238E27FC236}">
+                <a16:creationId xmlns:a16="http://schemas.microsoft.com/office/drawing/2014/main" id="{6BE92B8C-B9B8-194E-9C17-95ABB00ED6AB}"/>
+              </a:ext>
+            </a:extLst>
+          </p:cNvPr>
+          <p:cNvPicPr>
+            <a:picLocks noChangeAspect="1"/>
+          </p:cNvPicPr>
+          <p:nvPr/>
+        </p:nvPicPr>
+        <p:blipFill>
+          <a:blip r:embed="rId3"/>
+          <a:stretch>
+            <a:fillRect/>
+          </a:stretch>
+        </p:blipFill>
+        <p:spPr>
+          <a:xfrm rot="5400000">
+            <a:off x="10194164" y="-1130509"/>
+            <a:ext cx="682562" cy="4351338"/>
+          </a:xfrm>
+          <a:prstGeom prst="rect">
+            <a:avLst/>
+          </a:prstGeom>
+        </p:spPr>
+      </p:pic>
     </p:spTree>
     <p:extLst>
       <p:ext uri="{BB962C8B-B14F-4D97-AF65-F5344CB8AC3E}">
@@ -5328,6 +5592,9 @@
   <p:clrMapOvr>
     <a:masterClrMapping/>
   </p:clrMapOvr>
+  <p:transition spd="slow">
+    <p:push/>
+  </p:transition>
 </p:sld>
 </file>
 
@@ -5380,10 +5647,10 @@
       </p:pic>
       <p:pic>
         <p:nvPicPr>
-          <p:cNvPr id="3" name="Picture 2">
-            <a:extLst>
-              <a:ext uri="{FF2B5EF4-FFF2-40B4-BE49-F238E27FC236}">
-                <a16:creationId xmlns:a16="http://schemas.microsoft.com/office/drawing/2014/main" id="{1C836A23-F6EA-E644-B02D-F9C2649721B0}"/>
+          <p:cNvPr id="4" name="Picture 3">
+            <a:extLst>
+              <a:ext uri="{FF2B5EF4-FFF2-40B4-BE49-F238E27FC236}">
+                <a16:creationId xmlns:a16="http://schemas.microsoft.com/office/drawing/2014/main" id="{3E60603C-51C9-4948-87D7-77379CB162B4}"/>
               </a:ext>
             </a:extLst>
           </p:cNvPr>
@@ -5400,7 +5667,7 @@
         </p:blipFill>
         <p:spPr>
           <a:xfrm>
-            <a:off x="6330100" y="193850"/>
+            <a:off x="832050" y="3546475"/>
             <a:ext cx="4762500" cy="3175000"/>
           </a:xfrm>
           <a:prstGeom prst="rect">
@@ -5408,12 +5675,41 @@
           </a:prstGeom>
         </p:spPr>
       </p:pic>
+      <p:sp>
+        <p:nvSpPr>
+          <p:cNvPr id="6" name="Slide Number Placeholder 5">
+            <a:extLst>
+              <a:ext uri="{FF2B5EF4-FFF2-40B4-BE49-F238E27FC236}">
+                <a16:creationId xmlns:a16="http://schemas.microsoft.com/office/drawing/2014/main" id="{26632AB1-2F28-6A42-92C3-AB2862884875}"/>
+              </a:ext>
+            </a:extLst>
+          </p:cNvPr>
+          <p:cNvSpPr>
+            <a:spLocks noGrp="1"/>
+          </p:cNvSpPr>
+          <p:nvPr>
+            <p:ph type="sldNum" sz="quarter" idx="12"/>
+          </p:nvPr>
+        </p:nvSpPr>
+        <p:spPr/>
+        <p:txBody>
+          <a:bodyPr/>
+          <a:lstStyle/>
+          <a:p>
+            <a:fld id="{052702CF-B793-8841-9D68-A44C3863FEDD}" type="slidenum">
+              <a:rPr lang="en-US" smtClean="0"/>
+              <a:t>17</a:t>
+            </a:fld>
+            <a:endParaRPr lang="en-US"/>
+          </a:p>
+        </p:txBody>
+      </p:sp>
       <p:pic>
         <p:nvPicPr>
-          <p:cNvPr id="4" name="Picture 3">
-            <a:extLst>
-              <a:ext uri="{FF2B5EF4-FFF2-40B4-BE49-F238E27FC236}">
-                <a16:creationId xmlns:a16="http://schemas.microsoft.com/office/drawing/2014/main" id="{3E60603C-51C9-4948-87D7-77379CB162B4}"/>
+          <p:cNvPr id="7" name="Content Placeholder 4">
+            <a:extLst>
+              <a:ext uri="{FF2B5EF4-FFF2-40B4-BE49-F238E27FC236}">
+                <a16:creationId xmlns:a16="http://schemas.microsoft.com/office/drawing/2014/main" id="{CFC81969-2EDE-5040-9A20-D3D8FD90D17F}"/>
               </a:ext>
             </a:extLst>
           </p:cNvPr>
@@ -5429,9 +5725,9 @@
           </a:stretch>
         </p:blipFill>
         <p:spPr>
-          <a:xfrm>
-            <a:off x="832050" y="3546475"/>
-            <a:ext cx="4762500" cy="3175000"/>
+          <a:xfrm rot="5400000">
+            <a:off x="1491488" y="-1135063"/>
+            <a:ext cx="682562" cy="4351338"/>
           </a:xfrm>
           <a:prstGeom prst="rect">
             <a:avLst/>
@@ -5440,10 +5736,70 @@
       </p:pic>
       <p:pic>
         <p:nvPicPr>
-          <p:cNvPr id="5" name="Picture 4">
-            <a:extLst>
-              <a:ext uri="{FF2B5EF4-FFF2-40B4-BE49-F238E27FC236}">
-                <a16:creationId xmlns:a16="http://schemas.microsoft.com/office/drawing/2014/main" id="{DED35832-D4F8-B94F-9431-E8A7F0007EB2}"/>
+          <p:cNvPr id="8" name="Content Placeholder 4">
+            <a:extLst>
+              <a:ext uri="{FF2B5EF4-FFF2-40B4-BE49-F238E27FC236}">
+                <a16:creationId xmlns:a16="http://schemas.microsoft.com/office/drawing/2014/main" id="{6E8A8B88-EE2D-994C-94CD-EF346ACF7992}"/>
+              </a:ext>
+            </a:extLst>
+          </p:cNvPr>
+          <p:cNvPicPr>
+            <a:picLocks noChangeAspect="1"/>
+          </p:cNvPicPr>
+          <p:nvPr/>
+        </p:nvPicPr>
+        <p:blipFill>
+          <a:blip r:embed="rId4"/>
+          <a:stretch>
+            <a:fillRect/>
+          </a:stretch>
+        </p:blipFill>
+        <p:spPr>
+          <a:xfrm rot="5400000">
+            <a:off x="5842826" y="-1130511"/>
+            <a:ext cx="682562" cy="4351338"/>
+          </a:xfrm>
+          <a:prstGeom prst="rect">
+            <a:avLst/>
+          </a:prstGeom>
+        </p:spPr>
+      </p:pic>
+      <p:pic>
+        <p:nvPicPr>
+          <p:cNvPr id="9" name="Content Placeholder 4">
+            <a:extLst>
+              <a:ext uri="{FF2B5EF4-FFF2-40B4-BE49-F238E27FC236}">
+                <a16:creationId xmlns:a16="http://schemas.microsoft.com/office/drawing/2014/main" id="{274FCD01-1EA6-6047-B779-B40E7EABD42C}"/>
+              </a:ext>
+            </a:extLst>
+          </p:cNvPr>
+          <p:cNvPicPr>
+            <a:picLocks noChangeAspect="1"/>
+          </p:cNvPicPr>
+          <p:nvPr/>
+        </p:nvPicPr>
+        <p:blipFill>
+          <a:blip r:embed="rId4"/>
+          <a:stretch>
+            <a:fillRect/>
+          </a:stretch>
+        </p:blipFill>
+        <p:spPr>
+          <a:xfrm rot="5400000">
+            <a:off x="10194164" y="-1130509"/>
+            <a:ext cx="682562" cy="4351338"/>
+          </a:xfrm>
+          <a:prstGeom prst="rect">
+            <a:avLst/>
+          </a:prstGeom>
+        </p:spPr>
+      </p:pic>
+      <p:pic>
+        <p:nvPicPr>
+          <p:cNvPr id="3" name="Picture 2">
+            <a:extLst>
+              <a:ext uri="{FF2B5EF4-FFF2-40B4-BE49-F238E27FC236}">
+                <a16:creationId xmlns:a16="http://schemas.microsoft.com/office/drawing/2014/main" id="{1C836A23-F6EA-E644-B02D-F9C2649721B0}"/>
               </a:ext>
             </a:extLst>
           </p:cNvPr>
@@ -5460,7 +5816,7 @@
         </p:blipFill>
         <p:spPr>
           <a:xfrm>
-            <a:off x="832050" y="173000"/>
+            <a:off x="6330100" y="193850"/>
             <a:ext cx="4762500" cy="3175000"/>
           </a:xfrm>
           <a:prstGeom prst="rect">
@@ -5468,35 +5824,36 @@
           </a:prstGeom>
         </p:spPr>
       </p:pic>
-      <p:sp>
-        <p:nvSpPr>
-          <p:cNvPr id="6" name="Slide Number Placeholder 5">
-            <a:extLst>
-              <a:ext uri="{FF2B5EF4-FFF2-40B4-BE49-F238E27FC236}">
-                <a16:creationId xmlns:a16="http://schemas.microsoft.com/office/drawing/2014/main" id="{26632AB1-2F28-6A42-92C3-AB2862884875}"/>
-              </a:ext>
-            </a:extLst>
-          </p:cNvPr>
-          <p:cNvSpPr>
-            <a:spLocks noGrp="1"/>
-          </p:cNvSpPr>
-          <p:nvPr>
-            <p:ph type="sldNum" sz="quarter" idx="12"/>
-          </p:nvPr>
-        </p:nvSpPr>
-        <p:spPr/>
-        <p:txBody>
-          <a:bodyPr/>
-          <a:lstStyle/>
-          <a:p>
-            <a:fld id="{052702CF-B793-8841-9D68-A44C3863FEDD}" type="slidenum">
-              <a:rPr lang="en-US" smtClean="0"/>
-              <a:t>17</a:t>
-            </a:fld>
-            <a:endParaRPr lang="en-US"/>
-          </a:p>
-        </p:txBody>
-      </p:sp>
+      <p:pic>
+        <p:nvPicPr>
+          <p:cNvPr id="5" name="Picture 4">
+            <a:extLst>
+              <a:ext uri="{FF2B5EF4-FFF2-40B4-BE49-F238E27FC236}">
+                <a16:creationId xmlns:a16="http://schemas.microsoft.com/office/drawing/2014/main" id="{DED35832-D4F8-B94F-9431-E8A7F0007EB2}"/>
+              </a:ext>
+            </a:extLst>
+          </p:cNvPr>
+          <p:cNvPicPr>
+            <a:picLocks noChangeAspect="1"/>
+          </p:cNvPicPr>
+          <p:nvPr/>
+        </p:nvPicPr>
+        <p:blipFill>
+          <a:blip r:embed="rId6"/>
+          <a:stretch>
+            <a:fillRect/>
+          </a:stretch>
+        </p:blipFill>
+        <p:spPr>
+          <a:xfrm>
+            <a:off x="832050" y="173000"/>
+            <a:ext cx="4762500" cy="3175000"/>
+          </a:xfrm>
+          <a:prstGeom prst="rect">
+            <a:avLst/>
+          </a:prstGeom>
+        </p:spPr>
+      </p:pic>
     </p:spTree>
     <p:extLst>
       <p:ext uri="{BB962C8B-B14F-4D97-AF65-F5344CB8AC3E}">
@@ -5507,6 +5864,9 @@
   <p:clrMapOvr>
     <a:masterClrMapping/>
   </p:clrMapOvr>
+  <p:transition spd="slow">
+    <p:push/>
+  </p:transition>
 </p:sld>
 </file>
 
@@ -5577,8 +5937,98 @@
         </p:blipFill>
         <p:spPr>
           <a:xfrm>
-            <a:off x="2781300" y="740387"/>
-            <a:ext cx="6134100" cy="5399939"/>
+            <a:off x="3393778" y="1739900"/>
+            <a:ext cx="5229522" cy="4603626"/>
+          </a:xfrm>
+          <a:prstGeom prst="rect">
+            <a:avLst/>
+          </a:prstGeom>
+        </p:spPr>
+      </p:pic>
+      <p:pic>
+        <p:nvPicPr>
+          <p:cNvPr id="6" name="Content Placeholder 4">
+            <a:extLst>
+              <a:ext uri="{FF2B5EF4-FFF2-40B4-BE49-F238E27FC236}">
+                <a16:creationId xmlns:a16="http://schemas.microsoft.com/office/drawing/2014/main" id="{A5B9B2C7-FE2A-6F47-9A5F-D498E0138430}"/>
+              </a:ext>
+            </a:extLst>
+          </p:cNvPr>
+          <p:cNvPicPr>
+            <a:picLocks noChangeAspect="1"/>
+          </p:cNvPicPr>
+          <p:nvPr/>
+        </p:nvPicPr>
+        <p:blipFill>
+          <a:blip r:embed="rId3"/>
+          <a:stretch>
+            <a:fillRect/>
+          </a:stretch>
+        </p:blipFill>
+        <p:spPr>
+          <a:xfrm rot="5400000">
+            <a:off x="1491488" y="-1135063"/>
+            <a:ext cx="682562" cy="4351338"/>
+          </a:xfrm>
+          <a:prstGeom prst="rect">
+            <a:avLst/>
+          </a:prstGeom>
+        </p:spPr>
+      </p:pic>
+      <p:pic>
+        <p:nvPicPr>
+          <p:cNvPr id="7" name="Content Placeholder 4">
+            <a:extLst>
+              <a:ext uri="{FF2B5EF4-FFF2-40B4-BE49-F238E27FC236}">
+                <a16:creationId xmlns:a16="http://schemas.microsoft.com/office/drawing/2014/main" id="{B8C885D1-0DC6-EE47-9259-7623BC2F4BB4}"/>
+              </a:ext>
+            </a:extLst>
+          </p:cNvPr>
+          <p:cNvPicPr>
+            <a:picLocks noChangeAspect="1"/>
+          </p:cNvPicPr>
+          <p:nvPr/>
+        </p:nvPicPr>
+        <p:blipFill>
+          <a:blip r:embed="rId3"/>
+          <a:stretch>
+            <a:fillRect/>
+          </a:stretch>
+        </p:blipFill>
+        <p:spPr>
+          <a:xfrm rot="5400000">
+            <a:off x="5842826" y="-1130511"/>
+            <a:ext cx="682562" cy="4351338"/>
+          </a:xfrm>
+          <a:prstGeom prst="rect">
+            <a:avLst/>
+          </a:prstGeom>
+        </p:spPr>
+      </p:pic>
+      <p:pic>
+        <p:nvPicPr>
+          <p:cNvPr id="8" name="Content Placeholder 4">
+            <a:extLst>
+              <a:ext uri="{FF2B5EF4-FFF2-40B4-BE49-F238E27FC236}">
+                <a16:creationId xmlns:a16="http://schemas.microsoft.com/office/drawing/2014/main" id="{87E4E365-ED7B-5148-A197-A0AF5AB3B770}"/>
+              </a:ext>
+            </a:extLst>
+          </p:cNvPr>
+          <p:cNvPicPr>
+            <a:picLocks noChangeAspect="1"/>
+          </p:cNvPicPr>
+          <p:nvPr/>
+        </p:nvPicPr>
+        <p:blipFill>
+          <a:blip r:embed="rId3"/>
+          <a:stretch>
+            <a:fillRect/>
+          </a:stretch>
+        </p:blipFill>
+        <p:spPr>
+          <a:xfrm rot="5400000">
+            <a:off x="10194164" y="-1130509"/>
+            <a:ext cx="682562" cy="4351338"/>
           </a:xfrm>
           <a:prstGeom prst="rect">
             <a:avLst/>
@@ -5595,6 +6045,9 @@
   <p:clrMapOvr>
     <a:masterClrMapping/>
   </p:clrMapOvr>
+  <p:transition spd="slow">
+    <p:push/>
+  </p:transition>
 </p:sld>
 </file>
 
@@ -5658,7 +6111,7 @@
         </p:nvSpPr>
         <p:spPr>
           <a:xfrm>
-            <a:off x="3390900" y="1410206"/>
+            <a:off x="3352800" y="1930906"/>
             <a:ext cx="6096000" cy="3785652"/>
           </a:xfrm>
           <a:prstGeom prst="rect">
@@ -5766,6 +6219,96 @@
           </a:p>
         </p:txBody>
       </p:sp>
+      <p:pic>
+        <p:nvPicPr>
+          <p:cNvPr id="4" name="Content Placeholder 4">
+            <a:extLst>
+              <a:ext uri="{FF2B5EF4-FFF2-40B4-BE49-F238E27FC236}">
+                <a16:creationId xmlns:a16="http://schemas.microsoft.com/office/drawing/2014/main" id="{E2B526C6-A231-5A47-A009-5425BF04A671}"/>
+              </a:ext>
+            </a:extLst>
+          </p:cNvPr>
+          <p:cNvPicPr>
+            <a:picLocks noChangeAspect="1"/>
+          </p:cNvPicPr>
+          <p:nvPr/>
+        </p:nvPicPr>
+        <p:blipFill>
+          <a:blip r:embed="rId2"/>
+          <a:stretch>
+            <a:fillRect/>
+          </a:stretch>
+        </p:blipFill>
+        <p:spPr>
+          <a:xfrm rot="5400000">
+            <a:off x="1491488" y="-1135063"/>
+            <a:ext cx="682562" cy="4351338"/>
+          </a:xfrm>
+          <a:prstGeom prst="rect">
+            <a:avLst/>
+          </a:prstGeom>
+        </p:spPr>
+      </p:pic>
+      <p:pic>
+        <p:nvPicPr>
+          <p:cNvPr id="5" name="Content Placeholder 4">
+            <a:extLst>
+              <a:ext uri="{FF2B5EF4-FFF2-40B4-BE49-F238E27FC236}">
+                <a16:creationId xmlns:a16="http://schemas.microsoft.com/office/drawing/2014/main" id="{F64249EA-8DD2-A840-9037-C240592E0491}"/>
+              </a:ext>
+            </a:extLst>
+          </p:cNvPr>
+          <p:cNvPicPr>
+            <a:picLocks noChangeAspect="1"/>
+          </p:cNvPicPr>
+          <p:nvPr/>
+        </p:nvPicPr>
+        <p:blipFill>
+          <a:blip r:embed="rId2"/>
+          <a:stretch>
+            <a:fillRect/>
+          </a:stretch>
+        </p:blipFill>
+        <p:spPr>
+          <a:xfrm rot="5400000">
+            <a:off x="5842826" y="-1130511"/>
+            <a:ext cx="682562" cy="4351338"/>
+          </a:xfrm>
+          <a:prstGeom prst="rect">
+            <a:avLst/>
+          </a:prstGeom>
+        </p:spPr>
+      </p:pic>
+      <p:pic>
+        <p:nvPicPr>
+          <p:cNvPr id="6" name="Content Placeholder 4">
+            <a:extLst>
+              <a:ext uri="{FF2B5EF4-FFF2-40B4-BE49-F238E27FC236}">
+                <a16:creationId xmlns:a16="http://schemas.microsoft.com/office/drawing/2014/main" id="{B91A4A8E-0461-194F-92E5-973C01585156}"/>
+              </a:ext>
+            </a:extLst>
+          </p:cNvPr>
+          <p:cNvPicPr>
+            <a:picLocks noChangeAspect="1"/>
+          </p:cNvPicPr>
+          <p:nvPr/>
+        </p:nvPicPr>
+        <p:blipFill>
+          <a:blip r:embed="rId2"/>
+          <a:stretch>
+            <a:fillRect/>
+          </a:stretch>
+        </p:blipFill>
+        <p:spPr>
+          <a:xfrm rot="5400000">
+            <a:off x="10194164" y="-1130509"/>
+            <a:ext cx="682562" cy="4351338"/>
+          </a:xfrm>
+          <a:prstGeom prst="rect">
+            <a:avLst/>
+          </a:prstGeom>
+        </p:spPr>
+      </p:pic>
     </p:spTree>
     <p:extLst>
       <p:ext uri="{BB962C8B-B14F-4D97-AF65-F5344CB8AC3E}">
@@ -5776,6 +6319,9 @@
   <p:clrMapOvr>
     <a:masterClrMapping/>
   </p:clrMapOvr>
+  <p:transition spd="slow">
+    <p:push/>
+  </p:transition>
 </p:sld>
 </file>
 
@@ -5962,7 +6508,7 @@
         <p:spPr>
           <a:xfrm>
             <a:off x="558800" y="1905000"/>
-            <a:ext cx="4796488" cy="3970318"/>
+            <a:ext cx="4796488" cy="4832092"/>
           </a:xfrm>
           <a:prstGeom prst="rect">
             <a:avLst/>
@@ -6019,7 +6565,7 @@
             </a:pPr>
             <a:r>
               <a:rPr lang="en-US" sz="2800" dirty="0"/>
-              <a:t>Variants might have little to no effect, or a negative effect</a:t>
+              <a:t>Variants might have little to no effect, or a negative effect (sometimes but far less often a positive effect)</a:t>
             </a:r>
           </a:p>
           <a:p>
@@ -6071,6 +6617,9 @@
   <p:clrMapOvr>
     <a:masterClrMapping/>
   </p:clrMapOvr>
+  <p:transition spd="slow">
+    <p:push/>
+  </p:transition>
 </p:sld>
 </file>
 
@@ -6510,6 +7059,9 @@
   <p:clrMapOvr>
     <a:masterClrMapping/>
   </p:clrMapOvr>
+  <p:transition spd="slow">
+    <p:push/>
+  </p:transition>
   <p:timing>
     <p:tnLst>
       <p:par>
@@ -6926,6 +7478,9 @@
   <p:clrMapOvr>
     <a:masterClrMapping/>
   </p:clrMapOvr>
+  <p:transition spd="slow">
+    <p:push/>
+  </p:transition>
 </p:sld>
 </file>
 
@@ -7169,12 +7724,24 @@
               <a:buChar char="•"/>
             </a:pPr>
             <a:r>
-              <a:rPr lang="en-US" sz="2400" b="1" dirty="0"/>
+              <a:rPr lang="en-US" sz="2400" b="1" dirty="0">
+                <a:solidFill>
+                  <a:srgbClr val="EC435D"/>
+                </a:solidFill>
+              </a:rPr>
               <a:t>Prediction Target:</a:t>
             </a:r>
             <a:r>
+              <a:rPr lang="en-US" sz="2400" dirty="0">
+                <a:solidFill>
+                  <a:srgbClr val="EC435D"/>
+                </a:solidFill>
+              </a:rPr>
+              <a:t> </a:t>
+            </a:r>
+            <a:r>
               <a:rPr lang="en-US" sz="2400" dirty="0"/>
-              <a:t> conflicting (1) or non-conflicting (0)</a:t>
+              <a:t>conflicting (1) or non-conflicting (0)</a:t>
             </a:r>
           </a:p>
           <a:p>
@@ -7257,6 +7824,9 @@
   <p:clrMapOvr>
     <a:masterClrMapping/>
   </p:clrMapOvr>
+  <p:transition spd="slow">
+    <p:push/>
+  </p:transition>
 </p:sld>
 </file>
 
@@ -7298,7 +7868,7 @@
         </p:blipFill>
         <p:spPr>
           <a:xfrm>
-            <a:off x="5994400" y="1247775"/>
+            <a:off x="6488990" y="1247775"/>
             <a:ext cx="5080000" cy="5473700"/>
           </a:xfrm>
           <a:prstGeom prst="rect">
@@ -7472,7 +8042,7 @@
         <p:spPr>
           <a:xfrm>
             <a:off x="558800" y="1905000"/>
-            <a:ext cx="5207000" cy="3970318"/>
+            <a:ext cx="5511800" cy="4401205"/>
           </a:xfrm>
           <a:prstGeom prst="rect">
             <a:avLst/>
@@ -7520,6 +8090,13 @@
               <a:buFont typeface="Arial" panose="020B0604020202020204" pitchFamily="34" charset="0"/>
               <a:buChar char="•"/>
             </a:pPr>
+            <a:endParaRPr lang="en-US" sz="2800" dirty="0"/>
+          </a:p>
+          <a:p>
+            <a:pPr marL="285750" indent="-285750">
+              <a:buFont typeface="Arial" panose="020B0604020202020204" pitchFamily="34" charset="0"/>
+              <a:buChar char="•"/>
+            </a:pPr>
             <a:r>
               <a:rPr lang="en-US" sz="2800" dirty="0"/>
               <a:t>Used </a:t>
@@ -7532,6 +8109,13 @@
               <a:rPr lang="en-US" sz="2800" dirty="0"/>
               <a:t> to tune parameters</a:t>
             </a:r>
+          </a:p>
+          <a:p>
+            <a:pPr marL="285750" indent="-285750">
+              <a:buFont typeface="Arial" panose="020B0604020202020204" pitchFamily="34" charset="0"/>
+              <a:buChar char="•"/>
+            </a:pPr>
+            <a:endParaRPr lang="en-US" sz="2800" dirty="0"/>
           </a:p>
           <a:p>
             <a:pPr marL="285750" indent="-285750">
@@ -7567,6 +8151,9 @@
   <p:clrMapOvr>
     <a:masterClrMapping/>
   </p:clrMapOvr>
+  <p:transition spd="slow">
+    <p:push/>
+  </p:transition>
 </p:sld>
 </file>
 
@@ -7863,6 +8450,9 @@
   <p:clrMapOvr>
     <a:masterClrMapping/>
   </p:clrMapOvr>
+  <p:transition spd="slow">
+    <p:push/>
+  </p:transition>
 </p:sld>
 </file>
 
@@ -8181,6 +8771,125 @@
           </a:p>
         </p:txBody>
       </p:sp>
+      <p:sp>
+        <p:nvSpPr>
+          <p:cNvPr id="14" name="TextBox 13">
+            <a:extLst>
+              <a:ext uri="{FF2B5EF4-FFF2-40B4-BE49-F238E27FC236}">
+                <a16:creationId xmlns:a16="http://schemas.microsoft.com/office/drawing/2014/main" id="{D5CCEF38-E3A4-CC4A-B0C6-E83EE342E7D1}"/>
+              </a:ext>
+            </a:extLst>
+          </p:cNvPr>
+          <p:cNvSpPr txBox="1"/>
+          <p:nvPr/>
+        </p:nvSpPr>
+        <p:spPr>
+          <a:xfrm>
+            <a:off x="8705267" y="2939074"/>
+            <a:ext cx="1460656" cy="338554"/>
+          </a:xfrm>
+          <a:prstGeom prst="rect">
+            <a:avLst/>
+          </a:prstGeom>
+          <a:noFill/>
+        </p:spPr>
+        <p:txBody>
+          <a:bodyPr wrap="square" rtlCol="0">
+            <a:spAutoFit/>
+          </a:bodyPr>
+          <a:lstStyle/>
+          <a:p>
+            <a:r>
+              <a:rPr lang="en-US" sz="1600" dirty="0"/>
+              <a:t>loss of function</a:t>
+            </a:r>
+          </a:p>
+        </p:txBody>
+      </p:sp>
+      <p:sp>
+        <p:nvSpPr>
+          <p:cNvPr id="15" name="TextBox 14">
+            <a:extLst>
+              <a:ext uri="{FF2B5EF4-FFF2-40B4-BE49-F238E27FC236}">
+                <a16:creationId xmlns:a16="http://schemas.microsoft.com/office/drawing/2014/main" id="{08046D7A-39D7-B442-844B-B24574EE9434}"/>
+              </a:ext>
+            </a:extLst>
+          </p:cNvPr>
+          <p:cNvSpPr txBox="1"/>
+          <p:nvPr/>
+        </p:nvSpPr>
+        <p:spPr>
+          <a:xfrm>
+            <a:off x="7897254" y="2295461"/>
+            <a:ext cx="1590756" cy="338554"/>
+          </a:xfrm>
+          <a:prstGeom prst="rect">
+            <a:avLst/>
+          </a:prstGeom>
+          <a:noFill/>
+          <a:ln>
+            <a:noFill/>
+          </a:ln>
+        </p:spPr>
+        <p:txBody>
+          <a:bodyPr wrap="none" rtlCol="0">
+            <a:spAutoFit/>
+          </a:bodyPr>
+          <a:lstStyle/>
+          <a:p>
+            <a:r>
+              <a:rPr lang="en-US" sz="1600" dirty="0">
+                <a:solidFill>
+                  <a:schemeClr val="bg1"/>
+                </a:solidFill>
+              </a:rPr>
+              <a:t>‘deleteriousness’</a:t>
+            </a:r>
+          </a:p>
+        </p:txBody>
+      </p:sp>
+      <p:sp>
+        <p:nvSpPr>
+          <p:cNvPr id="16" name="TextBox 15">
+            <a:extLst>
+              <a:ext uri="{FF2B5EF4-FFF2-40B4-BE49-F238E27FC236}">
+                <a16:creationId xmlns:a16="http://schemas.microsoft.com/office/drawing/2014/main" id="{CD3854B0-8E30-9E4B-8269-2F10C4C4BCFF}"/>
+              </a:ext>
+            </a:extLst>
+          </p:cNvPr>
+          <p:cNvSpPr txBox="1"/>
+          <p:nvPr/>
+        </p:nvSpPr>
+        <p:spPr>
+          <a:xfrm>
+            <a:off x="7877978" y="2611854"/>
+            <a:ext cx="1512465" cy="338554"/>
+          </a:xfrm>
+          <a:prstGeom prst="rect">
+            <a:avLst/>
+          </a:prstGeom>
+          <a:noFill/>
+          <a:ln>
+            <a:noFill/>
+          </a:ln>
+        </p:spPr>
+        <p:txBody>
+          <a:bodyPr wrap="none" rtlCol="0">
+            <a:spAutoFit/>
+          </a:bodyPr>
+          <a:lstStyle/>
+          <a:p>
+            <a:r>
+              <a:rPr lang="en-US" sz="1600" dirty="0">
+                <a:solidFill>
+                  <a:schemeClr val="bg1"/>
+                </a:solidFill>
+              </a:rPr>
+              <a:t>allele frequency</a:t>
+            </a:r>
+          </a:p>
+        </p:txBody>
+      </p:sp>
     </p:spTree>
     <p:extLst>
       <p:ext uri="{BB962C8B-B14F-4D97-AF65-F5344CB8AC3E}">
@@ -8191,6 +8900,9 @@
   <p:clrMapOvr>
     <a:masterClrMapping/>
   </p:clrMapOvr>
+  <p:transition spd="slow">
+    <p:push/>
+  </p:transition>
 </p:sld>
 </file>
 
@@ -8377,7 +9089,7 @@
         <p:spPr>
           <a:xfrm>
             <a:off x="558800" y="1905000"/>
-            <a:ext cx="9182100" cy="3539430"/>
+            <a:ext cx="9182100" cy="3970318"/>
           </a:xfrm>
           <a:prstGeom prst="rect">
             <a:avLst/>
@@ -8433,7 +9145,7 @@
             </a:pPr>
             <a:r>
               <a:rPr lang="en-US" sz="2800" dirty="0"/>
-              <a:t>(Indeed there are companies who do this sort of stuff)</a:t>
+              <a:t>(Indeed there are companies who are working on this stuff)</a:t>
             </a:r>
           </a:p>
         </p:txBody>
@@ -8448,6 +9160,9 @@
   <p:clrMapOvr>
     <a:masterClrMapping/>
   </p:clrMapOvr>
+  <p:transition spd="slow">
+    <p:push/>
+  </p:transition>
 </p:sld>
 </file>
 

--- a/Presentation/GeneticVariantClassificationPres.pptx
+++ b/Presentation/GeneticVariantClassificationPres.pptx
@@ -7422,7 +7422,7 @@
                   <a:srgbClr val="EC435D"/>
                 </a:solidFill>
               </a:rPr>
-              <a:t>Biologists and labs </a:t>
+              <a:t>Biologists and genetic labs </a:t>
             </a:r>
             <a:r>
               <a:rPr lang="en-US" sz="2800" dirty="0"/>
@@ -7782,7 +7782,7 @@
             </a:pPr>
             <a:r>
               <a:rPr lang="en-US" sz="2400" dirty="0"/>
-              <a:t>Features I chose:</a:t>
+              <a:t>Features:</a:t>
             </a:r>
           </a:p>
           <a:p>
@@ -8247,7 +8247,7 @@
         <p:spPr>
           <a:xfrm>
             <a:off x="558800" y="1905000"/>
-            <a:ext cx="5207000" cy="3970318"/>
+            <a:ext cx="5207000" cy="3539430"/>
           </a:xfrm>
           <a:prstGeom prst="rect">
             <a:avLst/>
@@ -8267,31 +8267,6 @@
             <a:r>
               <a:rPr lang="en-US" sz="2800" dirty="0"/>
               <a:t>Optimized on recall without entirely sacrificing precision</a:t>
-            </a:r>
-          </a:p>
-          <a:p>
-            <a:pPr marL="285750" indent="-285750">
-              <a:buFont typeface="Arial" panose="020B0604020202020204" pitchFamily="34" charset="0"/>
-              <a:buChar char="•"/>
-            </a:pPr>
-            <a:endParaRPr lang="en-US" sz="2800" dirty="0"/>
-          </a:p>
-          <a:p>
-            <a:pPr marL="285750" indent="-285750">
-              <a:buFont typeface="Arial" panose="020B0604020202020204" pitchFamily="34" charset="0"/>
-              <a:buChar char="•"/>
-            </a:pPr>
-            <a:r>
-              <a:rPr lang="en-US" sz="2800" dirty="0"/>
-              <a:t>Chose threshold of </a:t>
-            </a:r>
-            <a:r>
-              <a:rPr lang="en-US" sz="2800" dirty="0">
-                <a:solidFill>
-                  <a:srgbClr val="EC435D"/>
-                </a:solidFill>
-              </a:rPr>
-              <a:t>0.4</a:t>
             </a:r>
           </a:p>
           <a:p>
@@ -8312,7 +8287,32 @@
             </a:pPr>
             <a:r>
               <a:rPr lang="en-US" sz="2800" dirty="0"/>
-              <a:t>That leaves me with more false positives but it’s worth it for the increased number of true positives</a:t>
+              <a:t>More true positives at the cost of false positives which is acceptable</a:t>
+            </a:r>
+          </a:p>
+          <a:p>
+            <a:pPr marL="285750" indent="-285750">
+              <a:buFont typeface="Arial" panose="020B0604020202020204" pitchFamily="34" charset="0"/>
+              <a:buChar char="•"/>
+            </a:pPr>
+            <a:endParaRPr lang="en-US" sz="2800" dirty="0"/>
+          </a:p>
+          <a:p>
+            <a:pPr marL="285750" indent="-285750">
+              <a:buFont typeface="Arial" panose="020B0604020202020204" pitchFamily="34" charset="0"/>
+              <a:buChar char="•"/>
+            </a:pPr>
+            <a:r>
+              <a:rPr lang="en-US" sz="2800" dirty="0"/>
+              <a:t>Chose threshold of </a:t>
+            </a:r>
+            <a:r>
+              <a:rPr lang="en-US" sz="2800" dirty="0">
+                <a:solidFill>
+                  <a:srgbClr val="EC435D"/>
+                </a:solidFill>
+              </a:rPr>
+              <a:t>0.4</a:t>
             </a:r>
           </a:p>
         </p:txBody>
@@ -8890,6 +8890,83 @@
           </a:p>
         </p:txBody>
       </p:sp>
+      <p:cxnSp>
+        <p:nvCxnSpPr>
+          <p:cNvPr id="19" name="Straight Arrow Connector 18">
+            <a:extLst>
+              <a:ext uri="{FF2B5EF4-FFF2-40B4-BE49-F238E27FC236}">
+                <a16:creationId xmlns:a16="http://schemas.microsoft.com/office/drawing/2014/main" id="{9734D64F-532F-8C4D-B3A0-96CF472E3AD9}"/>
+              </a:ext>
+            </a:extLst>
+          </p:cNvPr>
+          <p:cNvCxnSpPr/>
+          <p:nvPr/>
+        </p:nvCxnSpPr>
+        <p:spPr>
+          <a:xfrm flipH="1">
+            <a:off x="7687478" y="5080000"/>
+            <a:ext cx="715962" cy="0"/>
+          </a:xfrm>
+          <a:prstGeom prst="straightConnector1">
+            <a:avLst/>
+          </a:prstGeom>
+          <a:ln w="28575">
+            <a:solidFill>
+              <a:srgbClr val="EC435D"/>
+            </a:solidFill>
+            <a:tailEnd type="triangle"/>
+          </a:ln>
+        </p:spPr>
+        <p:style>
+          <a:lnRef idx="1">
+            <a:schemeClr val="accent1"/>
+          </a:lnRef>
+          <a:fillRef idx="0">
+            <a:schemeClr val="accent1"/>
+          </a:fillRef>
+          <a:effectRef idx="0">
+            <a:schemeClr val="accent1"/>
+          </a:effectRef>
+          <a:fontRef idx="minor">
+            <a:schemeClr val="tx1"/>
+          </a:fontRef>
+        </p:style>
+      </p:cxnSp>
+      <p:sp>
+        <p:nvSpPr>
+          <p:cNvPr id="20" name="TextBox 19">
+            <a:extLst>
+              <a:ext uri="{FF2B5EF4-FFF2-40B4-BE49-F238E27FC236}">
+                <a16:creationId xmlns:a16="http://schemas.microsoft.com/office/drawing/2014/main" id="{48D19391-903A-5040-8FF8-DCCE540D5E58}"/>
+              </a:ext>
+            </a:extLst>
+          </p:cNvPr>
+          <p:cNvSpPr txBox="1"/>
+          <p:nvPr/>
+        </p:nvSpPr>
+        <p:spPr>
+          <a:xfrm>
+            <a:off x="8403440" y="4664501"/>
+            <a:ext cx="2488090" cy="830997"/>
+          </a:xfrm>
+          <a:prstGeom prst="rect">
+            <a:avLst/>
+          </a:prstGeom>
+          <a:noFill/>
+        </p:spPr>
+        <p:txBody>
+          <a:bodyPr wrap="square" rtlCol="0">
+            <a:spAutoFit/>
+          </a:bodyPr>
+          <a:lstStyle/>
+          <a:p>
+            <a:r>
+              <a:rPr lang="en-US" sz="1600" dirty="0"/>
+              <a:t>Some specific genes more likely to be classified in a conflicting manner or not</a:t>
+            </a:r>
+          </a:p>
+        </p:txBody>
+      </p:sp>
     </p:spTree>
     <p:extLst>
       <p:ext uri="{BB962C8B-B14F-4D97-AF65-F5344CB8AC3E}">
@@ -9108,7 +9185,7 @@
             </a:pPr>
             <a:r>
               <a:rPr lang="en-US" sz="2800" dirty="0"/>
-              <a:t>There was one or two features which encoded some interesting information which could potentially be used</a:t>
+              <a:t>There was one or two omitted features which encoded some interesting information which could potentially be used</a:t>
             </a:r>
           </a:p>
           <a:p>
@@ -9125,7 +9202,7 @@
             </a:pPr>
             <a:r>
               <a:rPr lang="en-US" sz="2800" dirty="0"/>
-              <a:t>The target could be changed from conflicting vs non-conflicting to a multi-label classification problem on the pathogenicity of the variant</a:t>
+              <a:t>The project could be changed to a multi-label classification problem on the pathogenicity of the variant</a:t>
             </a:r>
           </a:p>
           <a:p>

--- a/Presentation/GeneticVariantClassificationPres.pptx
+++ b/Presentation/GeneticVariantClassificationPres.pptx
@@ -5,7 +5,7 @@
     <p:sldMasterId id="2147483648" r:id="rId1"/>
   </p:sldMasterIdLst>
   <p:notesMasterIdLst>
-    <p:notesMasterId r:id="rId21"/>
+    <p:notesMasterId r:id="rId22"/>
   </p:notesMasterIdLst>
   <p:sldIdLst>
     <p:sldId id="256" r:id="rId2"/>
@@ -21,12 +21,13 @@
     <p:sldId id="265" r:id="rId12"/>
     <p:sldId id="266" r:id="rId13"/>
     <p:sldId id="276" r:id="rId14"/>
-    <p:sldId id="269" r:id="rId15"/>
-    <p:sldId id="270" r:id="rId16"/>
-    <p:sldId id="271" r:id="rId17"/>
-    <p:sldId id="272" r:id="rId18"/>
-    <p:sldId id="280" r:id="rId19"/>
-    <p:sldId id="273" r:id="rId20"/>
+    <p:sldId id="281" r:id="rId15"/>
+    <p:sldId id="269" r:id="rId16"/>
+    <p:sldId id="270" r:id="rId17"/>
+    <p:sldId id="271" r:id="rId18"/>
+    <p:sldId id="272" r:id="rId19"/>
+    <p:sldId id="280" r:id="rId20"/>
+    <p:sldId id="273" r:id="rId21"/>
   </p:sldIdLst>
   <p:sldSz cx="12192000" cy="6858000"/>
   <p:notesSz cx="6858000" cy="9144000"/>
@@ -4543,12 +4544,45 @@
           </a:p>
         </p:txBody>
       </p:sp>
+      <p:sp>
+        <p:nvSpPr>
+          <p:cNvPr id="10" name="Title 1">
+            <a:extLst>
+              <a:ext uri="{FF2B5EF4-FFF2-40B4-BE49-F238E27FC236}">
+                <a16:creationId xmlns:a16="http://schemas.microsoft.com/office/drawing/2014/main" id="{898593A1-09C2-8F47-A6EF-1F2E49591CBC}"/>
+              </a:ext>
+            </a:extLst>
+          </p:cNvPr>
+          <p:cNvSpPr>
+            <a:spLocks noGrp="1"/>
+          </p:cNvSpPr>
+          <p:nvPr>
+            <p:ph type="title"/>
+          </p:nvPr>
+        </p:nvSpPr>
+        <p:spPr>
+          <a:xfrm>
+            <a:off x="1676400" y="365125"/>
+            <a:ext cx="10515600" cy="1325563"/>
+          </a:xfrm>
+        </p:spPr>
+        <p:txBody>
+          <a:bodyPr/>
+          <a:lstStyle/>
+          <a:p>
+            <a:r>
+              <a:rPr lang="en-US" dirty="0"/>
+              <a:t>Variant Classification</a:t>
+            </a:r>
+          </a:p>
+        </p:txBody>
+      </p:sp>
       <p:pic>
         <p:nvPicPr>
-          <p:cNvPr id="7" name="Content Placeholder 4">
-            <a:extLst>
-              <a:ext uri="{FF2B5EF4-FFF2-40B4-BE49-F238E27FC236}">
-                <a16:creationId xmlns:a16="http://schemas.microsoft.com/office/drawing/2014/main" id="{E96295D4-3237-8540-969C-E6F4DCD9865B}"/>
+          <p:cNvPr id="11" name="Content Placeholder 4">
+            <a:extLst>
+              <a:ext uri="{FF2B5EF4-FFF2-40B4-BE49-F238E27FC236}">
+                <a16:creationId xmlns:a16="http://schemas.microsoft.com/office/drawing/2014/main" id="{BB52D204-C7F5-D940-AAB0-11DA9BAB584B}"/>
               </a:ext>
             </a:extLst>
           </p:cNvPr>
@@ -4565,7 +4599,7 @@
         </p:blipFill>
         <p:spPr>
           <a:xfrm rot="5400000">
-            <a:off x="1491488" y="-1135063"/>
+            <a:off x="-892770" y="-1147763"/>
             <a:ext cx="682562" cy="4351338"/>
           </a:xfrm>
           <a:prstGeom prst="rect">
@@ -4575,10 +4609,10 @@
       </p:pic>
       <p:pic>
         <p:nvPicPr>
-          <p:cNvPr id="8" name="Content Placeholder 4">
-            <a:extLst>
-              <a:ext uri="{FF2B5EF4-FFF2-40B4-BE49-F238E27FC236}">
-                <a16:creationId xmlns:a16="http://schemas.microsoft.com/office/drawing/2014/main" id="{677BB418-319E-BD41-B6C0-9EBF9FA0A966}"/>
+          <p:cNvPr id="12" name="Content Placeholder 4">
+            <a:extLst>
+              <a:ext uri="{FF2B5EF4-FFF2-40B4-BE49-F238E27FC236}">
+                <a16:creationId xmlns:a16="http://schemas.microsoft.com/office/drawing/2014/main" id="{5036536A-7A68-9645-9916-31804E12227E}"/>
               </a:ext>
             </a:extLst>
           </p:cNvPr>
@@ -4595,7 +4629,7 @@
         </p:blipFill>
         <p:spPr>
           <a:xfrm rot="5400000">
-            <a:off x="5842826" y="-1130511"/>
+            <a:off x="8268526" y="-1130511"/>
             <a:ext cx="682562" cy="4351338"/>
           </a:xfrm>
           <a:prstGeom prst="rect">
@@ -4605,10 +4639,10 @@
       </p:pic>
       <p:pic>
         <p:nvPicPr>
-          <p:cNvPr id="9" name="Content Placeholder 4">
-            <a:extLst>
-              <a:ext uri="{FF2B5EF4-FFF2-40B4-BE49-F238E27FC236}">
-                <a16:creationId xmlns:a16="http://schemas.microsoft.com/office/drawing/2014/main" id="{8A5CA89B-3F9E-5443-A04B-6CEB858087C9}"/>
+          <p:cNvPr id="13" name="Content Placeholder 4">
+            <a:extLst>
+              <a:ext uri="{FF2B5EF4-FFF2-40B4-BE49-F238E27FC236}">
+                <a16:creationId xmlns:a16="http://schemas.microsoft.com/office/drawing/2014/main" id="{96D77A6E-AC2F-F54E-8E39-18F6A8D55DE5}"/>
               </a:ext>
             </a:extLst>
           </p:cNvPr>
@@ -4625,7 +4659,7 @@
         </p:blipFill>
         <p:spPr>
           <a:xfrm rot="5400000">
-            <a:off x="10194164" y="-1130509"/>
+            <a:off x="12619864" y="-1130509"/>
             <a:ext cx="682562" cy="4351338"/>
           </a:xfrm>
           <a:prstGeom prst="rect">
@@ -4694,11 +4728,11 @@
           <a:p>
             <a:r>
               <a:rPr lang="en-US" dirty="0" err="1"/>
-              <a:t>knn_model</a:t>
+              <a:t>kNN</a:t>
             </a:r>
             <a:r>
               <a:rPr lang="en-US" dirty="0"/>
-              <a:t> = </a:t>
+              <a:t> : </a:t>
             </a:r>
             <a:r>
               <a:rPr lang="en-US" dirty="0" err="1"/>
@@ -4720,11 +4754,11 @@
           <a:p>
             <a:r>
               <a:rPr lang="en-US" dirty="0" err="1"/>
-              <a:t>dt_model</a:t>
+              <a:t>DecisionTree</a:t>
             </a:r>
             <a:r>
               <a:rPr lang="en-US" dirty="0"/>
-              <a:t> = </a:t>
+              <a:t> : </a:t>
             </a:r>
             <a:r>
               <a:rPr lang="en-US" dirty="0" err="1"/>
@@ -4770,11 +4804,11 @@
           <a:p>
             <a:r>
               <a:rPr lang="en-US" dirty="0" err="1"/>
-              <a:t>rf_model</a:t>
+              <a:t>RandomForest</a:t>
             </a:r>
             <a:r>
               <a:rPr lang="en-US" dirty="0"/>
-              <a:t> = </a:t>
+              <a:t> : </a:t>
             </a:r>
             <a:r>
               <a:rPr lang="en-US" dirty="0" err="1"/>
@@ -4859,12 +4893,45 @@
           </a:p>
         </p:txBody>
       </p:sp>
+      <p:sp>
+        <p:nvSpPr>
+          <p:cNvPr id="10" name="Title 1">
+            <a:extLst>
+              <a:ext uri="{FF2B5EF4-FFF2-40B4-BE49-F238E27FC236}">
+                <a16:creationId xmlns:a16="http://schemas.microsoft.com/office/drawing/2014/main" id="{7A35668A-6F9A-E147-8527-BC129F43F977}"/>
+              </a:ext>
+            </a:extLst>
+          </p:cNvPr>
+          <p:cNvSpPr>
+            <a:spLocks noGrp="1"/>
+          </p:cNvSpPr>
+          <p:nvPr>
+            <p:ph type="title"/>
+          </p:nvPr>
+        </p:nvSpPr>
+        <p:spPr>
+          <a:xfrm>
+            <a:off x="1676400" y="365125"/>
+            <a:ext cx="10515600" cy="1325563"/>
+          </a:xfrm>
+        </p:spPr>
+        <p:txBody>
+          <a:bodyPr/>
+          <a:lstStyle/>
+          <a:p>
+            <a:r>
+              <a:rPr lang="en-US" dirty="0"/>
+              <a:t>Model Parameters</a:t>
+            </a:r>
+          </a:p>
+        </p:txBody>
+      </p:sp>
       <p:pic>
         <p:nvPicPr>
-          <p:cNvPr id="5" name="Content Placeholder 4">
-            <a:extLst>
-              <a:ext uri="{FF2B5EF4-FFF2-40B4-BE49-F238E27FC236}">
-                <a16:creationId xmlns:a16="http://schemas.microsoft.com/office/drawing/2014/main" id="{B141B2B0-8023-D543-9045-0B3B4106AF14}"/>
+          <p:cNvPr id="11" name="Content Placeholder 4">
+            <a:extLst>
+              <a:ext uri="{FF2B5EF4-FFF2-40B4-BE49-F238E27FC236}">
+                <a16:creationId xmlns:a16="http://schemas.microsoft.com/office/drawing/2014/main" id="{435F1D4A-C0BF-214B-A49A-DDF5473DAA82}"/>
               </a:ext>
             </a:extLst>
           </p:cNvPr>
@@ -4881,7 +4948,7 @@
         </p:blipFill>
         <p:spPr>
           <a:xfrm rot="5400000">
-            <a:off x="1491488" y="-1130511"/>
+            <a:off x="-892770" y="-1147763"/>
             <a:ext cx="682562" cy="4351338"/>
           </a:xfrm>
           <a:prstGeom prst="rect">
@@ -4891,10 +4958,10 @@
       </p:pic>
       <p:pic>
         <p:nvPicPr>
-          <p:cNvPr id="6" name="Content Placeholder 4">
-            <a:extLst>
-              <a:ext uri="{FF2B5EF4-FFF2-40B4-BE49-F238E27FC236}">
-                <a16:creationId xmlns:a16="http://schemas.microsoft.com/office/drawing/2014/main" id="{81D70639-DA9E-264D-AD02-D1AA79DE2130}"/>
+          <p:cNvPr id="12" name="Content Placeholder 4">
+            <a:extLst>
+              <a:ext uri="{FF2B5EF4-FFF2-40B4-BE49-F238E27FC236}">
+                <a16:creationId xmlns:a16="http://schemas.microsoft.com/office/drawing/2014/main" id="{08CB4F3D-F2C8-A342-94DF-3C245774B28A}"/>
               </a:ext>
             </a:extLst>
           </p:cNvPr>
@@ -4911,7 +4978,7 @@
         </p:blipFill>
         <p:spPr>
           <a:xfrm rot="5400000">
-            <a:off x="5842826" y="-1130511"/>
+            <a:off x="7836726" y="-1130511"/>
             <a:ext cx="682562" cy="4351338"/>
           </a:xfrm>
           <a:prstGeom prst="rect">
@@ -4921,10 +4988,10 @@
       </p:pic>
       <p:pic>
         <p:nvPicPr>
-          <p:cNvPr id="7" name="Content Placeholder 4">
-            <a:extLst>
-              <a:ext uri="{FF2B5EF4-FFF2-40B4-BE49-F238E27FC236}">
-                <a16:creationId xmlns:a16="http://schemas.microsoft.com/office/drawing/2014/main" id="{A7E6775A-0C14-984A-8882-AF794EB36612}"/>
+          <p:cNvPr id="13" name="Content Placeholder 4">
+            <a:extLst>
+              <a:ext uri="{FF2B5EF4-FFF2-40B4-BE49-F238E27FC236}">
+                <a16:creationId xmlns:a16="http://schemas.microsoft.com/office/drawing/2014/main" id="{66496816-B9E9-7D43-B5AC-BED33AE85AAF}"/>
               </a:ext>
             </a:extLst>
           </p:cNvPr>
@@ -4941,7 +5008,7 @@
         </p:blipFill>
         <p:spPr>
           <a:xfrm rot="5400000">
-            <a:off x="10194164" y="-1130509"/>
+            <a:off x="12188064" y="-1130509"/>
             <a:ext cx="682562" cy="4351338"/>
           </a:xfrm>
           <a:prstGeom prst="rect">
@@ -4982,99 +5049,12 @@
           <a:chExt cx="0" cy="0"/>
         </a:xfrm>
       </p:grpSpPr>
-      <p:pic>
-        <p:nvPicPr>
-          <p:cNvPr id="4" name="Picture 3">
-            <a:extLst>
-              <a:ext uri="{FF2B5EF4-FFF2-40B4-BE49-F238E27FC236}">
-                <a16:creationId xmlns:a16="http://schemas.microsoft.com/office/drawing/2014/main" id="{1BF37B36-3A69-0041-A981-B61ECFC5C90D}"/>
-              </a:ext>
-            </a:extLst>
-          </p:cNvPr>
-          <p:cNvPicPr>
-            <a:picLocks noChangeAspect="1"/>
-          </p:cNvPicPr>
-          <p:nvPr/>
-        </p:nvPicPr>
-        <p:blipFill rotWithShape="1">
-          <a:blip r:embed="rId2"/>
-          <a:srcRect l="16159" r="17400"/>
-          <a:stretch/>
-        </p:blipFill>
-        <p:spPr>
-          <a:xfrm>
-            <a:off x="4041271" y="1675025"/>
-            <a:ext cx="3978670" cy="3989175"/>
-          </a:xfrm>
-          <a:prstGeom prst="rect">
-            <a:avLst/>
-          </a:prstGeom>
-        </p:spPr>
-      </p:pic>
-      <p:pic>
-        <p:nvPicPr>
-          <p:cNvPr id="5" name="Picture 4">
-            <a:extLst>
-              <a:ext uri="{FF2B5EF4-FFF2-40B4-BE49-F238E27FC236}">
-                <a16:creationId xmlns:a16="http://schemas.microsoft.com/office/drawing/2014/main" id="{7A0D9134-F906-4646-BA73-D9DCA7C047E2}"/>
-              </a:ext>
-            </a:extLst>
-          </p:cNvPr>
-          <p:cNvPicPr>
-            <a:picLocks noChangeAspect="1"/>
-          </p:cNvPicPr>
-          <p:nvPr/>
-        </p:nvPicPr>
-        <p:blipFill rotWithShape="1">
-          <a:blip r:embed="rId3"/>
-          <a:srcRect l="16122" r="20338"/>
-          <a:stretch/>
-        </p:blipFill>
-        <p:spPr>
-          <a:xfrm>
-            <a:off x="185245" y="1675025"/>
-            <a:ext cx="3804998" cy="3989175"/>
-          </a:xfrm>
-          <a:prstGeom prst="rect">
-            <a:avLst/>
-          </a:prstGeom>
-        </p:spPr>
-      </p:pic>
-      <p:pic>
-        <p:nvPicPr>
-          <p:cNvPr id="6" name="Picture 5">
-            <a:extLst>
-              <a:ext uri="{FF2B5EF4-FFF2-40B4-BE49-F238E27FC236}">
-                <a16:creationId xmlns:a16="http://schemas.microsoft.com/office/drawing/2014/main" id="{CC9EB945-6C08-424D-B036-0B0A654CB809}"/>
-              </a:ext>
-            </a:extLst>
-          </p:cNvPr>
-          <p:cNvPicPr>
-            <a:picLocks noChangeAspect="1"/>
-          </p:cNvPicPr>
-          <p:nvPr/>
-        </p:nvPicPr>
-        <p:blipFill rotWithShape="1">
-          <a:blip r:embed="rId4"/>
-          <a:srcRect l="16669" r="19264"/>
-          <a:stretch/>
-        </p:blipFill>
-        <p:spPr>
-          <a:xfrm>
-            <a:off x="7896612" y="1675025"/>
-            <a:ext cx="3836575" cy="3989175"/>
-          </a:xfrm>
-          <a:prstGeom prst="rect">
-            <a:avLst/>
-          </a:prstGeom>
-        </p:spPr>
-      </p:pic>
-      <p:sp>
-        <p:nvSpPr>
-          <p:cNvPr id="7" name="Slide Number Placeholder 6">
-            <a:extLst>
-              <a:ext uri="{FF2B5EF4-FFF2-40B4-BE49-F238E27FC236}">
-                <a16:creationId xmlns:a16="http://schemas.microsoft.com/office/drawing/2014/main" id="{6FBE9790-84CD-B442-A54F-7885A6B7D15C}"/>
+      <p:sp>
+        <p:nvSpPr>
+          <p:cNvPr id="4" name="Slide Number Placeholder 3">
+            <a:extLst>
+              <a:ext uri="{FF2B5EF4-FFF2-40B4-BE49-F238E27FC236}">
+                <a16:creationId xmlns:a16="http://schemas.microsoft.com/office/drawing/2014/main" id="{3498DC85-F018-664A-8E44-35A1E70994ED}"/>
               </a:ext>
             </a:extLst>
           </p:cNvPr>
@@ -5100,10 +5080,10 @@
       </p:sp>
       <p:pic>
         <p:nvPicPr>
-          <p:cNvPr id="8" name="Content Placeholder 4">
-            <a:extLst>
-              <a:ext uri="{FF2B5EF4-FFF2-40B4-BE49-F238E27FC236}">
-                <a16:creationId xmlns:a16="http://schemas.microsoft.com/office/drawing/2014/main" id="{14D4DDF7-7579-0247-B761-899EC4AD2831}"/>
+          <p:cNvPr id="9" name="Picture 8">
+            <a:extLst>
+              <a:ext uri="{FF2B5EF4-FFF2-40B4-BE49-F238E27FC236}">
+                <a16:creationId xmlns:a16="http://schemas.microsoft.com/office/drawing/2014/main" id="{F759B69E-7B3A-454C-805B-7CB5413AA188}"/>
               </a:ext>
             </a:extLst>
           </p:cNvPr>
@@ -5113,15 +5093,15 @@
           <p:nvPr/>
         </p:nvPicPr>
         <p:blipFill>
-          <a:blip r:embed="rId5"/>
+          <a:blip r:embed="rId2"/>
           <a:stretch>
             <a:fillRect/>
           </a:stretch>
         </p:blipFill>
         <p:spPr>
-          <a:xfrm rot="5400000">
-            <a:off x="1491488" y="-1135063"/>
-            <a:ext cx="682562" cy="4351338"/>
+          <a:xfrm>
+            <a:off x="900907" y="2253731"/>
+            <a:ext cx="5105400" cy="3403600"/>
           </a:xfrm>
           <a:prstGeom prst="rect">
             <a:avLst/>
@@ -5130,10 +5110,10 @@
       </p:pic>
       <p:pic>
         <p:nvPicPr>
-          <p:cNvPr id="9" name="Content Placeholder 4">
-            <a:extLst>
-              <a:ext uri="{FF2B5EF4-FFF2-40B4-BE49-F238E27FC236}">
-                <a16:creationId xmlns:a16="http://schemas.microsoft.com/office/drawing/2014/main" id="{1392F29F-4C01-DE4F-A72E-8D4D5441A79E}"/>
+          <p:cNvPr id="11" name="Picture 10">
+            <a:extLst>
+              <a:ext uri="{FF2B5EF4-FFF2-40B4-BE49-F238E27FC236}">
+                <a16:creationId xmlns:a16="http://schemas.microsoft.com/office/drawing/2014/main" id="{637E4D6E-2B2B-7340-A90F-1F95C867F7FB}"/>
               </a:ext>
             </a:extLst>
           </p:cNvPr>
@@ -5143,27 +5123,60 @@
           <p:nvPr/>
         </p:nvPicPr>
         <p:blipFill>
-          <a:blip r:embed="rId5"/>
+          <a:blip r:embed="rId3"/>
           <a:stretch>
             <a:fillRect/>
           </a:stretch>
         </p:blipFill>
         <p:spPr>
-          <a:xfrm rot="5400000">
-            <a:off x="5842826" y="-1130511"/>
-            <a:ext cx="682562" cy="4351338"/>
+          <a:xfrm>
+            <a:off x="6184107" y="2253731"/>
+            <a:ext cx="5105400" cy="3403600"/>
           </a:xfrm>
           <a:prstGeom prst="rect">
             <a:avLst/>
           </a:prstGeom>
         </p:spPr>
       </p:pic>
+      <p:sp>
+        <p:nvSpPr>
+          <p:cNvPr id="12" name="Title 1">
+            <a:extLst>
+              <a:ext uri="{FF2B5EF4-FFF2-40B4-BE49-F238E27FC236}">
+                <a16:creationId xmlns:a16="http://schemas.microsoft.com/office/drawing/2014/main" id="{BC42285B-840A-2046-9125-DB0C06645086}"/>
+              </a:ext>
+            </a:extLst>
+          </p:cNvPr>
+          <p:cNvSpPr>
+            <a:spLocks noGrp="1"/>
+          </p:cNvSpPr>
+          <p:nvPr>
+            <p:ph type="title"/>
+          </p:nvPr>
+        </p:nvSpPr>
+        <p:spPr>
+          <a:xfrm>
+            <a:off x="1676400" y="365125"/>
+            <a:ext cx="10515600" cy="1325563"/>
+          </a:xfrm>
+        </p:spPr>
+        <p:txBody>
+          <a:bodyPr/>
+          <a:lstStyle/>
+          <a:p>
+            <a:r>
+              <a:rPr lang="en-US" dirty="0"/>
+              <a:t>Some EDA</a:t>
+            </a:r>
+          </a:p>
+        </p:txBody>
+      </p:sp>
       <p:pic>
         <p:nvPicPr>
-          <p:cNvPr id="10" name="Content Placeholder 4">
-            <a:extLst>
-              <a:ext uri="{FF2B5EF4-FFF2-40B4-BE49-F238E27FC236}">
-                <a16:creationId xmlns:a16="http://schemas.microsoft.com/office/drawing/2014/main" id="{B3993A3A-07AA-5041-A33C-989A43FC1ADA}"/>
+          <p:cNvPr id="13" name="Content Placeholder 4">
+            <a:extLst>
+              <a:ext uri="{FF2B5EF4-FFF2-40B4-BE49-F238E27FC236}">
+                <a16:creationId xmlns:a16="http://schemas.microsoft.com/office/drawing/2014/main" id="{1CA21A37-F637-0A44-AD89-DF7F7ACA4C39}"/>
               </a:ext>
             </a:extLst>
           </p:cNvPr>
@@ -5173,14 +5186,74 @@
           <p:nvPr/>
         </p:nvPicPr>
         <p:blipFill>
-          <a:blip r:embed="rId5"/>
+          <a:blip r:embed="rId4"/>
           <a:stretch>
             <a:fillRect/>
           </a:stretch>
         </p:blipFill>
         <p:spPr>
           <a:xfrm rot="5400000">
-            <a:off x="10194164" y="-1130509"/>
+            <a:off x="-892770" y="-1147763"/>
+            <a:ext cx="682562" cy="4351338"/>
+          </a:xfrm>
+          <a:prstGeom prst="rect">
+            <a:avLst/>
+          </a:prstGeom>
+        </p:spPr>
+      </p:pic>
+      <p:pic>
+        <p:nvPicPr>
+          <p:cNvPr id="14" name="Content Placeholder 4">
+            <a:extLst>
+              <a:ext uri="{FF2B5EF4-FFF2-40B4-BE49-F238E27FC236}">
+                <a16:creationId xmlns:a16="http://schemas.microsoft.com/office/drawing/2014/main" id="{DBDAD956-D499-E243-BACE-995A359723D8}"/>
+              </a:ext>
+            </a:extLst>
+          </p:cNvPr>
+          <p:cNvPicPr>
+            <a:picLocks noChangeAspect="1"/>
+          </p:cNvPicPr>
+          <p:nvPr/>
+        </p:nvPicPr>
+        <p:blipFill>
+          <a:blip r:embed="rId4"/>
+          <a:stretch>
+            <a:fillRect/>
+          </a:stretch>
+        </p:blipFill>
+        <p:spPr>
+          <a:xfrm rot="5400000">
+            <a:off x="6046026" y="-1130511"/>
+            <a:ext cx="682562" cy="4351338"/>
+          </a:xfrm>
+          <a:prstGeom prst="rect">
+            <a:avLst/>
+          </a:prstGeom>
+        </p:spPr>
+      </p:pic>
+      <p:pic>
+        <p:nvPicPr>
+          <p:cNvPr id="15" name="Content Placeholder 4">
+            <a:extLst>
+              <a:ext uri="{FF2B5EF4-FFF2-40B4-BE49-F238E27FC236}">
+                <a16:creationId xmlns:a16="http://schemas.microsoft.com/office/drawing/2014/main" id="{2C6DCE0A-B15D-5C4A-BD74-939924FE4A17}"/>
+              </a:ext>
+            </a:extLst>
+          </p:cNvPr>
+          <p:cNvPicPr>
+            <a:picLocks noChangeAspect="1"/>
+          </p:cNvPicPr>
+          <p:nvPr/>
+        </p:nvPicPr>
+        <p:blipFill>
+          <a:blip r:embed="rId4"/>
+          <a:stretch>
+            <a:fillRect/>
+          </a:stretch>
+        </p:blipFill>
+        <p:spPr>
+          <a:xfrm rot="5400000">
+            <a:off x="10397364" y="-1130509"/>
             <a:ext cx="682562" cy="4351338"/>
           </a:xfrm>
           <a:prstGeom prst="rect">
@@ -5191,7 +5264,7 @@
     </p:spTree>
     <p:extLst>
       <p:ext uri="{BB962C8B-B14F-4D97-AF65-F5344CB8AC3E}">
-        <p14:creationId xmlns:p14="http://schemas.microsoft.com/office/powerpoint/2010/main" val="2679827541"/>
+        <p14:creationId xmlns:p14="http://schemas.microsoft.com/office/powerpoint/2010/main" val="2785134830"/>
       </p:ext>
     </p:extLst>
   </p:cSld>
@@ -5226,7 +5299,156 @@
           <p:cNvPr id="4" name="Picture 3">
             <a:extLst>
               <a:ext uri="{FF2B5EF4-FFF2-40B4-BE49-F238E27FC236}">
-                <a16:creationId xmlns:a16="http://schemas.microsoft.com/office/drawing/2014/main" id="{F0D79E4A-A490-0344-8655-7C7A1166BE90}"/>
+                <a16:creationId xmlns:a16="http://schemas.microsoft.com/office/drawing/2014/main" id="{1BF37B36-3A69-0041-A981-B61ECFC5C90D}"/>
+              </a:ext>
+            </a:extLst>
+          </p:cNvPr>
+          <p:cNvPicPr>
+            <a:picLocks noChangeAspect="1"/>
+          </p:cNvPicPr>
+          <p:nvPr/>
+        </p:nvPicPr>
+        <p:blipFill rotWithShape="1">
+          <a:blip r:embed="rId2"/>
+          <a:srcRect l="16159" r="17400"/>
+          <a:stretch/>
+        </p:blipFill>
+        <p:spPr>
+          <a:xfrm>
+            <a:off x="4041271" y="1675025"/>
+            <a:ext cx="3978670" cy="3989175"/>
+          </a:xfrm>
+          <a:prstGeom prst="rect">
+            <a:avLst/>
+          </a:prstGeom>
+        </p:spPr>
+      </p:pic>
+      <p:pic>
+        <p:nvPicPr>
+          <p:cNvPr id="5" name="Picture 4">
+            <a:extLst>
+              <a:ext uri="{FF2B5EF4-FFF2-40B4-BE49-F238E27FC236}">
+                <a16:creationId xmlns:a16="http://schemas.microsoft.com/office/drawing/2014/main" id="{7A0D9134-F906-4646-BA73-D9DCA7C047E2}"/>
+              </a:ext>
+            </a:extLst>
+          </p:cNvPr>
+          <p:cNvPicPr>
+            <a:picLocks noChangeAspect="1"/>
+          </p:cNvPicPr>
+          <p:nvPr/>
+        </p:nvPicPr>
+        <p:blipFill rotWithShape="1">
+          <a:blip r:embed="rId3"/>
+          <a:srcRect l="16122" r="20338"/>
+          <a:stretch/>
+        </p:blipFill>
+        <p:spPr>
+          <a:xfrm>
+            <a:off x="185245" y="1675025"/>
+            <a:ext cx="3804998" cy="3989175"/>
+          </a:xfrm>
+          <a:prstGeom prst="rect">
+            <a:avLst/>
+          </a:prstGeom>
+        </p:spPr>
+      </p:pic>
+      <p:pic>
+        <p:nvPicPr>
+          <p:cNvPr id="6" name="Picture 5">
+            <a:extLst>
+              <a:ext uri="{FF2B5EF4-FFF2-40B4-BE49-F238E27FC236}">
+                <a16:creationId xmlns:a16="http://schemas.microsoft.com/office/drawing/2014/main" id="{CC9EB945-6C08-424D-B036-0B0A654CB809}"/>
+              </a:ext>
+            </a:extLst>
+          </p:cNvPr>
+          <p:cNvPicPr>
+            <a:picLocks noChangeAspect="1"/>
+          </p:cNvPicPr>
+          <p:nvPr/>
+        </p:nvPicPr>
+        <p:blipFill rotWithShape="1">
+          <a:blip r:embed="rId4"/>
+          <a:srcRect l="16669" r="19264"/>
+          <a:stretch/>
+        </p:blipFill>
+        <p:spPr>
+          <a:xfrm>
+            <a:off x="7896612" y="1675025"/>
+            <a:ext cx="3836575" cy="3989175"/>
+          </a:xfrm>
+          <a:prstGeom prst="rect">
+            <a:avLst/>
+          </a:prstGeom>
+        </p:spPr>
+      </p:pic>
+      <p:sp>
+        <p:nvSpPr>
+          <p:cNvPr id="7" name="Slide Number Placeholder 6">
+            <a:extLst>
+              <a:ext uri="{FF2B5EF4-FFF2-40B4-BE49-F238E27FC236}">
+                <a16:creationId xmlns:a16="http://schemas.microsoft.com/office/drawing/2014/main" id="{6FBE9790-84CD-B442-A54F-7885A6B7D15C}"/>
+              </a:ext>
+            </a:extLst>
+          </p:cNvPr>
+          <p:cNvSpPr>
+            <a:spLocks noGrp="1"/>
+          </p:cNvSpPr>
+          <p:nvPr>
+            <p:ph type="sldNum" sz="quarter" idx="12"/>
+          </p:nvPr>
+        </p:nvSpPr>
+        <p:spPr/>
+        <p:txBody>
+          <a:bodyPr/>
+          <a:lstStyle/>
+          <a:p>
+            <a:fld id="{052702CF-B793-8841-9D68-A44C3863FEDD}" type="slidenum">
+              <a:rPr lang="en-US" smtClean="0"/>
+              <a:t>15</a:t>
+            </a:fld>
+            <a:endParaRPr lang="en-US"/>
+          </a:p>
+        </p:txBody>
+      </p:sp>
+      <p:sp>
+        <p:nvSpPr>
+          <p:cNvPr id="11" name="Title 1">
+            <a:extLst>
+              <a:ext uri="{FF2B5EF4-FFF2-40B4-BE49-F238E27FC236}">
+                <a16:creationId xmlns:a16="http://schemas.microsoft.com/office/drawing/2014/main" id="{76218228-4328-C44E-BB83-E3ECDE1D69C0}"/>
+              </a:ext>
+            </a:extLst>
+          </p:cNvPr>
+          <p:cNvSpPr>
+            <a:spLocks noGrp="1"/>
+          </p:cNvSpPr>
+          <p:nvPr>
+            <p:ph type="title"/>
+          </p:nvPr>
+        </p:nvSpPr>
+        <p:spPr>
+          <a:xfrm>
+            <a:off x="1676400" y="365125"/>
+            <a:ext cx="10515600" cy="1325563"/>
+          </a:xfrm>
+        </p:spPr>
+        <p:txBody>
+          <a:bodyPr/>
+          <a:lstStyle/>
+          <a:p>
+            <a:r>
+              <a:rPr lang="en-US" dirty="0"/>
+              <a:t>ROC Curves on Train Data</a:t>
+            </a:r>
+          </a:p>
+        </p:txBody>
+      </p:sp>
+      <p:pic>
+        <p:nvPicPr>
+          <p:cNvPr id="12" name="Content Placeholder 4">
+            <a:extLst>
+              <a:ext uri="{FF2B5EF4-FFF2-40B4-BE49-F238E27FC236}">
+                <a16:creationId xmlns:a16="http://schemas.microsoft.com/office/drawing/2014/main" id="{276CE286-F9AB-6B46-906D-D320EB752944}"/>
               </a:ext>
             </a:extLst>
           </p:cNvPr>
@@ -5236,15 +5458,15 @@
           <p:nvPr/>
         </p:nvPicPr>
         <p:blipFill>
-          <a:blip r:embed="rId2"/>
+          <a:blip r:embed="rId5"/>
           <a:stretch>
             <a:fillRect/>
           </a:stretch>
         </p:blipFill>
         <p:spPr>
-          <a:xfrm>
-            <a:off x="5717400" y="1417104"/>
-            <a:ext cx="6474600" cy="4313064"/>
+          <a:xfrm rot="5400000">
+            <a:off x="-892770" y="-1147763"/>
+            <a:ext cx="682562" cy="4351338"/>
           </a:xfrm>
           <a:prstGeom prst="rect">
             <a:avLst/>
@@ -5253,10 +5475,10 @@
       </p:pic>
       <p:pic>
         <p:nvPicPr>
-          <p:cNvPr id="5" name="Picture 4">
-            <a:extLst>
-              <a:ext uri="{FF2B5EF4-FFF2-40B4-BE49-F238E27FC236}">
-                <a16:creationId xmlns:a16="http://schemas.microsoft.com/office/drawing/2014/main" id="{78B0501D-F79C-CA45-85BA-BA8C95C2D514}"/>
+          <p:cNvPr id="13" name="Content Placeholder 4">
+            <a:extLst>
+              <a:ext uri="{FF2B5EF4-FFF2-40B4-BE49-F238E27FC236}">
+                <a16:creationId xmlns:a16="http://schemas.microsoft.com/office/drawing/2014/main" id="{50A1318F-E182-EF46-ADA2-B80D0FF36C88}"/>
               </a:ext>
             </a:extLst>
           </p:cNvPr>
@@ -5266,56 +5488,27 @@
           <p:nvPr/>
         </p:nvPicPr>
         <p:blipFill>
-          <a:blip r:embed="rId3"/>
+          <a:blip r:embed="rId5"/>
           <a:stretch>
             <a:fillRect/>
           </a:stretch>
         </p:blipFill>
         <p:spPr>
-          <a:xfrm>
-            <a:off x="0" y="1417104"/>
-            <a:ext cx="6474600" cy="4313064"/>
+          <a:xfrm rot="5400000">
+            <a:off x="9411526" y="-1130511"/>
+            <a:ext cx="682562" cy="4351338"/>
           </a:xfrm>
           <a:prstGeom prst="rect">
             <a:avLst/>
           </a:prstGeom>
         </p:spPr>
       </p:pic>
-      <p:sp>
-        <p:nvSpPr>
-          <p:cNvPr id="6" name="Slide Number Placeholder 5">
-            <a:extLst>
-              <a:ext uri="{FF2B5EF4-FFF2-40B4-BE49-F238E27FC236}">
-                <a16:creationId xmlns:a16="http://schemas.microsoft.com/office/drawing/2014/main" id="{2FD45FB8-C758-5049-B68B-F01586433F27}"/>
-              </a:ext>
-            </a:extLst>
-          </p:cNvPr>
-          <p:cNvSpPr>
-            <a:spLocks noGrp="1"/>
-          </p:cNvSpPr>
-          <p:nvPr>
-            <p:ph type="sldNum" sz="quarter" idx="12"/>
-          </p:nvPr>
-        </p:nvSpPr>
-        <p:spPr/>
-        <p:txBody>
-          <a:bodyPr/>
-          <a:lstStyle/>
-          <a:p>
-            <a:fld id="{052702CF-B793-8841-9D68-A44C3863FEDD}" type="slidenum">
-              <a:rPr lang="en-US" smtClean="0"/>
-              <a:t>15</a:t>
-            </a:fld>
-            <a:endParaRPr lang="en-US"/>
-          </a:p>
-        </p:txBody>
-      </p:sp>
       <p:pic>
         <p:nvPicPr>
-          <p:cNvPr id="7" name="Content Placeholder 4">
-            <a:extLst>
-              <a:ext uri="{FF2B5EF4-FFF2-40B4-BE49-F238E27FC236}">
-                <a16:creationId xmlns:a16="http://schemas.microsoft.com/office/drawing/2014/main" id="{C37280F3-2302-2C4D-8D16-0F24158CD823}"/>
+          <p:cNvPr id="14" name="Content Placeholder 4">
+            <a:extLst>
+              <a:ext uri="{FF2B5EF4-FFF2-40B4-BE49-F238E27FC236}">
+                <a16:creationId xmlns:a16="http://schemas.microsoft.com/office/drawing/2014/main" id="{1D6B0550-1807-9041-BB1D-06D9B31DA7A0}"/>
               </a:ext>
             </a:extLst>
           </p:cNvPr>
@@ -5325,74 +5518,14 @@
           <p:nvPr/>
         </p:nvPicPr>
         <p:blipFill>
-          <a:blip r:embed="rId4"/>
+          <a:blip r:embed="rId5"/>
           <a:stretch>
             <a:fillRect/>
           </a:stretch>
         </p:blipFill>
         <p:spPr>
           <a:xfrm rot="5400000">
-            <a:off x="1491488" y="-1135063"/>
-            <a:ext cx="682562" cy="4351338"/>
-          </a:xfrm>
-          <a:prstGeom prst="rect">
-            <a:avLst/>
-          </a:prstGeom>
-        </p:spPr>
-      </p:pic>
-      <p:pic>
-        <p:nvPicPr>
-          <p:cNvPr id="8" name="Content Placeholder 4">
-            <a:extLst>
-              <a:ext uri="{FF2B5EF4-FFF2-40B4-BE49-F238E27FC236}">
-                <a16:creationId xmlns:a16="http://schemas.microsoft.com/office/drawing/2014/main" id="{26481FEE-D912-974C-820C-8ED32AAAA58C}"/>
-              </a:ext>
-            </a:extLst>
-          </p:cNvPr>
-          <p:cNvPicPr>
-            <a:picLocks noChangeAspect="1"/>
-          </p:cNvPicPr>
-          <p:nvPr/>
-        </p:nvPicPr>
-        <p:blipFill>
-          <a:blip r:embed="rId4"/>
-          <a:stretch>
-            <a:fillRect/>
-          </a:stretch>
-        </p:blipFill>
-        <p:spPr>
-          <a:xfrm rot="5400000">
-            <a:off x="5842826" y="-1130511"/>
-            <a:ext cx="682562" cy="4351338"/>
-          </a:xfrm>
-          <a:prstGeom prst="rect">
-            <a:avLst/>
-          </a:prstGeom>
-        </p:spPr>
-      </p:pic>
-      <p:pic>
-        <p:nvPicPr>
-          <p:cNvPr id="9" name="Content Placeholder 4">
-            <a:extLst>
-              <a:ext uri="{FF2B5EF4-FFF2-40B4-BE49-F238E27FC236}">
-                <a16:creationId xmlns:a16="http://schemas.microsoft.com/office/drawing/2014/main" id="{898AD83E-A2C9-9342-AAF1-2269D38F885D}"/>
-              </a:ext>
-            </a:extLst>
-          </p:cNvPr>
-          <p:cNvPicPr>
-            <a:picLocks noChangeAspect="1"/>
-          </p:cNvPicPr>
-          <p:nvPr/>
-        </p:nvPicPr>
-        <p:blipFill>
-          <a:blip r:embed="rId4"/>
-          <a:stretch>
-            <a:fillRect/>
-          </a:stretch>
-        </p:blipFill>
-        <p:spPr>
-          <a:xfrm rot="5400000">
-            <a:off x="10194164" y="-1130509"/>
+            <a:off x="13762864" y="-1130509"/>
             <a:ext cx="682562" cy="4351338"/>
           </a:xfrm>
           <a:prstGeom prst="rect">
@@ -5403,7 +5536,7 @@
     </p:spTree>
     <p:extLst>
       <p:ext uri="{BB962C8B-B14F-4D97-AF65-F5344CB8AC3E}">
-        <p14:creationId xmlns:p14="http://schemas.microsoft.com/office/powerpoint/2010/main" val="1555569198"/>
+        <p14:creationId xmlns:p14="http://schemas.microsoft.com/office/powerpoint/2010/main" val="2679827541"/>
       </p:ext>
     </p:extLst>
   </p:cSld>
@@ -5435,10 +5568,10 @@
       </p:grpSpPr>
       <p:pic>
         <p:nvPicPr>
-          <p:cNvPr id="2" name="Picture 1">
-            <a:extLst>
-              <a:ext uri="{FF2B5EF4-FFF2-40B4-BE49-F238E27FC236}">
-                <a16:creationId xmlns:a16="http://schemas.microsoft.com/office/drawing/2014/main" id="{618DADE1-B9A7-7341-B92B-D5DE28B5079F}"/>
+          <p:cNvPr id="4" name="Picture 3">
+            <a:extLst>
+              <a:ext uri="{FF2B5EF4-FFF2-40B4-BE49-F238E27FC236}">
+                <a16:creationId xmlns:a16="http://schemas.microsoft.com/office/drawing/2014/main" id="{F0D79E4A-A490-0344-8655-7C7A1166BE90}"/>
               </a:ext>
             </a:extLst>
           </p:cNvPr>
@@ -5455,49 +5588,20 @@
         </p:blipFill>
         <p:spPr>
           <a:xfrm>
-            <a:off x="3025184" y="1776413"/>
-            <a:ext cx="5935265" cy="4748212"/>
+            <a:off x="5717400" y="1417104"/>
+            <a:ext cx="6474600" cy="4313064"/>
           </a:xfrm>
           <a:prstGeom prst="rect">
             <a:avLst/>
           </a:prstGeom>
         </p:spPr>
       </p:pic>
-      <p:sp>
-        <p:nvSpPr>
-          <p:cNvPr id="3" name="Slide Number Placeholder 2">
-            <a:extLst>
-              <a:ext uri="{FF2B5EF4-FFF2-40B4-BE49-F238E27FC236}">
-                <a16:creationId xmlns:a16="http://schemas.microsoft.com/office/drawing/2014/main" id="{6097BB79-C9AA-F74E-9053-0D4BB5866039}"/>
-              </a:ext>
-            </a:extLst>
-          </p:cNvPr>
-          <p:cNvSpPr>
-            <a:spLocks noGrp="1"/>
-          </p:cNvSpPr>
-          <p:nvPr>
-            <p:ph type="sldNum" sz="quarter" idx="12"/>
-          </p:nvPr>
-        </p:nvSpPr>
-        <p:spPr/>
-        <p:txBody>
-          <a:bodyPr/>
-          <a:lstStyle/>
-          <a:p>
-            <a:fld id="{052702CF-B793-8841-9D68-A44C3863FEDD}" type="slidenum">
-              <a:rPr lang="en-US" smtClean="0"/>
-              <a:t>16</a:t>
-            </a:fld>
-            <a:endParaRPr lang="en-US"/>
-          </a:p>
-        </p:txBody>
-      </p:sp>
       <p:pic>
         <p:nvPicPr>
-          <p:cNvPr id="4" name="Content Placeholder 4">
-            <a:extLst>
-              <a:ext uri="{FF2B5EF4-FFF2-40B4-BE49-F238E27FC236}">
-                <a16:creationId xmlns:a16="http://schemas.microsoft.com/office/drawing/2014/main" id="{330A53D5-57C5-ED47-BA3E-81333BB43C31}"/>
+          <p:cNvPr id="5" name="Picture 4">
+            <a:extLst>
+              <a:ext uri="{FF2B5EF4-FFF2-40B4-BE49-F238E27FC236}">
+                <a16:creationId xmlns:a16="http://schemas.microsoft.com/office/drawing/2014/main" id="{78B0501D-F79C-CA45-85BA-BA8C95C2D514}"/>
               </a:ext>
             </a:extLst>
           </p:cNvPr>
@@ -5513,21 +5617,83 @@
           </a:stretch>
         </p:blipFill>
         <p:spPr>
-          <a:xfrm rot="5400000">
-            <a:off x="1491488" y="-1135063"/>
-            <a:ext cx="682562" cy="4351338"/>
+          <a:xfrm>
+            <a:off x="0" y="1417104"/>
+            <a:ext cx="6474600" cy="4313064"/>
           </a:xfrm>
           <a:prstGeom prst="rect">
             <a:avLst/>
           </a:prstGeom>
         </p:spPr>
       </p:pic>
+      <p:sp>
+        <p:nvSpPr>
+          <p:cNvPr id="6" name="Slide Number Placeholder 5">
+            <a:extLst>
+              <a:ext uri="{FF2B5EF4-FFF2-40B4-BE49-F238E27FC236}">
+                <a16:creationId xmlns:a16="http://schemas.microsoft.com/office/drawing/2014/main" id="{2FD45FB8-C758-5049-B68B-F01586433F27}"/>
+              </a:ext>
+            </a:extLst>
+          </p:cNvPr>
+          <p:cNvSpPr>
+            <a:spLocks noGrp="1"/>
+          </p:cNvSpPr>
+          <p:nvPr>
+            <p:ph type="sldNum" sz="quarter" idx="12"/>
+          </p:nvPr>
+        </p:nvSpPr>
+        <p:spPr/>
+        <p:txBody>
+          <a:bodyPr/>
+          <a:lstStyle/>
+          <a:p>
+            <a:fld id="{052702CF-B793-8841-9D68-A44C3863FEDD}" type="slidenum">
+              <a:rPr lang="en-US" smtClean="0"/>
+              <a:t>16</a:t>
+            </a:fld>
+            <a:endParaRPr lang="en-US"/>
+          </a:p>
+        </p:txBody>
+      </p:sp>
+      <p:sp>
+        <p:nvSpPr>
+          <p:cNvPr id="10" name="Title 1">
+            <a:extLst>
+              <a:ext uri="{FF2B5EF4-FFF2-40B4-BE49-F238E27FC236}">
+                <a16:creationId xmlns:a16="http://schemas.microsoft.com/office/drawing/2014/main" id="{A4DAA689-28E5-984F-9AD2-AF8E05B2FA9C}"/>
+              </a:ext>
+            </a:extLst>
+          </p:cNvPr>
+          <p:cNvSpPr>
+            <a:spLocks noGrp="1"/>
+          </p:cNvSpPr>
+          <p:nvPr>
+            <p:ph type="title"/>
+          </p:nvPr>
+        </p:nvSpPr>
+        <p:spPr>
+          <a:xfrm>
+            <a:off x="1676400" y="365125"/>
+            <a:ext cx="10515600" cy="1325563"/>
+          </a:xfrm>
+        </p:spPr>
+        <p:txBody>
+          <a:bodyPr/>
+          <a:lstStyle/>
+          <a:p>
+            <a:r>
+              <a:rPr lang="en-US" dirty="0"/>
+              <a:t>Other Precision and Recall Curves</a:t>
+            </a:r>
+          </a:p>
+        </p:txBody>
+      </p:sp>
       <p:pic>
         <p:nvPicPr>
-          <p:cNvPr id="5" name="Content Placeholder 4">
-            <a:extLst>
-              <a:ext uri="{FF2B5EF4-FFF2-40B4-BE49-F238E27FC236}">
-                <a16:creationId xmlns:a16="http://schemas.microsoft.com/office/drawing/2014/main" id="{8CE44E0F-FF5F-7847-ABE2-F846E28B0E1C}"/>
+          <p:cNvPr id="11" name="Content Placeholder 4">
+            <a:extLst>
+              <a:ext uri="{FF2B5EF4-FFF2-40B4-BE49-F238E27FC236}">
+                <a16:creationId xmlns:a16="http://schemas.microsoft.com/office/drawing/2014/main" id="{613F2D3F-32F6-0144-AEC5-6AB8572D956D}"/>
               </a:ext>
             </a:extLst>
           </p:cNvPr>
@@ -5537,14 +5703,14 @@
           <p:nvPr/>
         </p:nvPicPr>
         <p:blipFill>
-          <a:blip r:embed="rId3"/>
+          <a:blip r:embed="rId4"/>
           <a:stretch>
             <a:fillRect/>
           </a:stretch>
         </p:blipFill>
         <p:spPr>
           <a:xfrm rot="5400000">
-            <a:off x="5842826" y="-1130511"/>
+            <a:off x="-892770" y="-1147763"/>
             <a:ext cx="682562" cy="4351338"/>
           </a:xfrm>
           <a:prstGeom prst="rect">
@@ -5554,10 +5720,10 @@
       </p:pic>
       <p:pic>
         <p:nvPicPr>
-          <p:cNvPr id="6" name="Content Placeholder 4">
-            <a:extLst>
-              <a:ext uri="{FF2B5EF4-FFF2-40B4-BE49-F238E27FC236}">
-                <a16:creationId xmlns:a16="http://schemas.microsoft.com/office/drawing/2014/main" id="{6BE92B8C-B9B8-194E-9C17-95ABB00ED6AB}"/>
+          <p:cNvPr id="13" name="Content Placeholder 4">
+            <a:extLst>
+              <a:ext uri="{FF2B5EF4-FFF2-40B4-BE49-F238E27FC236}">
+                <a16:creationId xmlns:a16="http://schemas.microsoft.com/office/drawing/2014/main" id="{F661AA43-A865-D641-A219-CD006EC67569}"/>
               </a:ext>
             </a:extLst>
           </p:cNvPr>
@@ -5567,14 +5733,14 @@
           <p:nvPr/>
         </p:nvPicPr>
         <p:blipFill>
-          <a:blip r:embed="rId3"/>
+          <a:blip r:embed="rId4"/>
           <a:stretch>
             <a:fillRect/>
           </a:stretch>
         </p:blipFill>
         <p:spPr>
           <a:xfrm rot="5400000">
-            <a:off x="10194164" y="-1130509"/>
+            <a:off x="11260964" y="-1130509"/>
             <a:ext cx="682562" cy="4351338"/>
           </a:xfrm>
           <a:prstGeom prst="rect">
@@ -5585,7 +5751,7 @@
     </p:spTree>
     <p:extLst>
       <p:ext uri="{BB962C8B-B14F-4D97-AF65-F5344CB8AC3E}">
-        <p14:creationId xmlns:p14="http://schemas.microsoft.com/office/powerpoint/2010/main" val="4052448103"/>
+        <p14:creationId xmlns:p14="http://schemas.microsoft.com/office/powerpoint/2010/main" val="1555569198"/>
       </p:ext>
     </p:extLst>
   </p:cSld>
@@ -5620,7 +5786,7 @@
           <p:cNvPr id="2" name="Picture 1">
             <a:extLst>
               <a:ext uri="{FF2B5EF4-FFF2-40B4-BE49-F238E27FC236}">
-                <a16:creationId xmlns:a16="http://schemas.microsoft.com/office/drawing/2014/main" id="{B0D9EFFE-612C-0742-AC23-84668EDD7F01}"/>
+                <a16:creationId xmlns:a16="http://schemas.microsoft.com/office/drawing/2014/main" id="{618DADE1-B9A7-7341-B92B-D5DE28B5079F}"/>
               </a:ext>
             </a:extLst>
           </p:cNvPr>
@@ -5637,20 +5803,91 @@
         </p:blipFill>
         <p:spPr>
           <a:xfrm>
-            <a:off x="6330100" y="3556350"/>
-            <a:ext cx="4762500" cy="3175000"/>
+            <a:off x="3025184" y="1776413"/>
+            <a:ext cx="5935265" cy="4748212"/>
           </a:xfrm>
           <a:prstGeom prst="rect">
             <a:avLst/>
           </a:prstGeom>
         </p:spPr>
       </p:pic>
+      <p:sp>
+        <p:nvSpPr>
+          <p:cNvPr id="3" name="Slide Number Placeholder 2">
+            <a:extLst>
+              <a:ext uri="{FF2B5EF4-FFF2-40B4-BE49-F238E27FC236}">
+                <a16:creationId xmlns:a16="http://schemas.microsoft.com/office/drawing/2014/main" id="{6097BB79-C9AA-F74E-9053-0D4BB5866039}"/>
+              </a:ext>
+            </a:extLst>
+          </p:cNvPr>
+          <p:cNvSpPr>
+            <a:spLocks noGrp="1"/>
+          </p:cNvSpPr>
+          <p:nvPr>
+            <p:ph type="sldNum" sz="quarter" idx="12"/>
+          </p:nvPr>
+        </p:nvSpPr>
+        <p:spPr/>
+        <p:txBody>
+          <a:bodyPr/>
+          <a:lstStyle/>
+          <a:p>
+            <a:fld id="{052702CF-B793-8841-9D68-A44C3863FEDD}" type="slidenum">
+              <a:rPr lang="en-US" smtClean="0"/>
+              <a:t>17</a:t>
+            </a:fld>
+            <a:endParaRPr lang="en-US"/>
+          </a:p>
+        </p:txBody>
+      </p:sp>
+      <p:sp>
+        <p:nvSpPr>
+          <p:cNvPr id="7" name="Title 1">
+            <a:extLst>
+              <a:ext uri="{FF2B5EF4-FFF2-40B4-BE49-F238E27FC236}">
+                <a16:creationId xmlns:a16="http://schemas.microsoft.com/office/drawing/2014/main" id="{AED1E7B3-598B-AE4C-90CB-2D6A0E72EFA7}"/>
+              </a:ext>
+            </a:extLst>
+          </p:cNvPr>
+          <p:cNvSpPr>
+            <a:spLocks noGrp="1"/>
+          </p:cNvSpPr>
+          <p:nvPr>
+            <p:ph type="title"/>
+          </p:nvPr>
+        </p:nvSpPr>
+        <p:spPr>
+          <a:xfrm>
+            <a:off x="1676400" y="365125"/>
+            <a:ext cx="10515600" cy="1325563"/>
+          </a:xfrm>
+        </p:spPr>
+        <p:txBody>
+          <a:bodyPr/>
+          <a:lstStyle/>
+          <a:p>
+            <a:r>
+              <a:rPr lang="en-US" dirty="0" err="1"/>
+              <a:t>DecisionTree</a:t>
+            </a:r>
+            <a:r>
+              <a:rPr lang="en-US" dirty="0"/>
+              <a:t> Feature </a:t>
+            </a:r>
+            <a:r>
+              <a:rPr lang="en-US" dirty="0" err="1"/>
+              <a:t>Importances</a:t>
+            </a:r>
+            <a:endParaRPr lang="en-US" dirty="0"/>
+          </a:p>
+        </p:txBody>
+      </p:sp>
       <p:pic>
         <p:nvPicPr>
-          <p:cNvPr id="4" name="Picture 3">
-            <a:extLst>
-              <a:ext uri="{FF2B5EF4-FFF2-40B4-BE49-F238E27FC236}">
-                <a16:creationId xmlns:a16="http://schemas.microsoft.com/office/drawing/2014/main" id="{3E60603C-51C9-4948-87D7-77379CB162B4}"/>
+          <p:cNvPr id="8" name="Content Placeholder 4">
+            <a:extLst>
+              <a:ext uri="{FF2B5EF4-FFF2-40B4-BE49-F238E27FC236}">
+                <a16:creationId xmlns:a16="http://schemas.microsoft.com/office/drawing/2014/main" id="{7E3DAB13-F668-A845-A77B-35712A0041B1}"/>
               </a:ext>
             </a:extLst>
           </p:cNvPr>
@@ -5666,50 +5903,21 @@
           </a:stretch>
         </p:blipFill>
         <p:spPr>
-          <a:xfrm>
-            <a:off x="832050" y="3546475"/>
-            <a:ext cx="4762500" cy="3175000"/>
+          <a:xfrm rot="5400000">
+            <a:off x="-892770" y="-1147763"/>
+            <a:ext cx="682562" cy="4351338"/>
           </a:xfrm>
           <a:prstGeom prst="rect">
             <a:avLst/>
           </a:prstGeom>
         </p:spPr>
       </p:pic>
-      <p:sp>
-        <p:nvSpPr>
-          <p:cNvPr id="6" name="Slide Number Placeholder 5">
-            <a:extLst>
-              <a:ext uri="{FF2B5EF4-FFF2-40B4-BE49-F238E27FC236}">
-                <a16:creationId xmlns:a16="http://schemas.microsoft.com/office/drawing/2014/main" id="{26632AB1-2F28-6A42-92C3-AB2862884875}"/>
-              </a:ext>
-            </a:extLst>
-          </p:cNvPr>
-          <p:cNvSpPr>
-            <a:spLocks noGrp="1"/>
-          </p:cNvSpPr>
-          <p:nvPr>
-            <p:ph type="sldNum" sz="quarter" idx="12"/>
-          </p:nvPr>
-        </p:nvSpPr>
-        <p:spPr/>
-        <p:txBody>
-          <a:bodyPr/>
-          <a:lstStyle/>
-          <a:p>
-            <a:fld id="{052702CF-B793-8841-9D68-A44C3863FEDD}" type="slidenum">
-              <a:rPr lang="en-US" smtClean="0"/>
-              <a:t>17</a:t>
-            </a:fld>
-            <a:endParaRPr lang="en-US"/>
-          </a:p>
-        </p:txBody>
-      </p:sp>
       <p:pic>
         <p:nvPicPr>
-          <p:cNvPr id="7" name="Content Placeholder 4">
-            <a:extLst>
-              <a:ext uri="{FF2B5EF4-FFF2-40B4-BE49-F238E27FC236}">
-                <a16:creationId xmlns:a16="http://schemas.microsoft.com/office/drawing/2014/main" id="{CFC81969-2EDE-5040-9A20-D3D8FD90D17F}"/>
+          <p:cNvPr id="10" name="Content Placeholder 4">
+            <a:extLst>
+              <a:ext uri="{FF2B5EF4-FFF2-40B4-BE49-F238E27FC236}">
+                <a16:creationId xmlns:a16="http://schemas.microsoft.com/office/drawing/2014/main" id="{4030FEAE-F981-1449-BBF5-94444332F328}"/>
               </a:ext>
             </a:extLst>
           </p:cNvPr>
@@ -5719,135 +5927,15 @@
           <p:nvPr/>
         </p:nvPicPr>
         <p:blipFill>
-          <a:blip r:embed="rId4"/>
+          <a:blip r:embed="rId3"/>
           <a:stretch>
             <a:fillRect/>
           </a:stretch>
         </p:blipFill>
         <p:spPr>
           <a:xfrm rot="5400000">
-            <a:off x="1491488" y="-1135063"/>
+            <a:off x="11337164" y="-1130509"/>
             <a:ext cx="682562" cy="4351338"/>
-          </a:xfrm>
-          <a:prstGeom prst="rect">
-            <a:avLst/>
-          </a:prstGeom>
-        </p:spPr>
-      </p:pic>
-      <p:pic>
-        <p:nvPicPr>
-          <p:cNvPr id="8" name="Content Placeholder 4">
-            <a:extLst>
-              <a:ext uri="{FF2B5EF4-FFF2-40B4-BE49-F238E27FC236}">
-                <a16:creationId xmlns:a16="http://schemas.microsoft.com/office/drawing/2014/main" id="{6E8A8B88-EE2D-994C-94CD-EF346ACF7992}"/>
-              </a:ext>
-            </a:extLst>
-          </p:cNvPr>
-          <p:cNvPicPr>
-            <a:picLocks noChangeAspect="1"/>
-          </p:cNvPicPr>
-          <p:nvPr/>
-        </p:nvPicPr>
-        <p:blipFill>
-          <a:blip r:embed="rId4"/>
-          <a:stretch>
-            <a:fillRect/>
-          </a:stretch>
-        </p:blipFill>
-        <p:spPr>
-          <a:xfrm rot="5400000">
-            <a:off x="5842826" y="-1130511"/>
-            <a:ext cx="682562" cy="4351338"/>
-          </a:xfrm>
-          <a:prstGeom prst="rect">
-            <a:avLst/>
-          </a:prstGeom>
-        </p:spPr>
-      </p:pic>
-      <p:pic>
-        <p:nvPicPr>
-          <p:cNvPr id="9" name="Content Placeholder 4">
-            <a:extLst>
-              <a:ext uri="{FF2B5EF4-FFF2-40B4-BE49-F238E27FC236}">
-                <a16:creationId xmlns:a16="http://schemas.microsoft.com/office/drawing/2014/main" id="{274FCD01-1EA6-6047-B779-B40E7EABD42C}"/>
-              </a:ext>
-            </a:extLst>
-          </p:cNvPr>
-          <p:cNvPicPr>
-            <a:picLocks noChangeAspect="1"/>
-          </p:cNvPicPr>
-          <p:nvPr/>
-        </p:nvPicPr>
-        <p:blipFill>
-          <a:blip r:embed="rId4"/>
-          <a:stretch>
-            <a:fillRect/>
-          </a:stretch>
-        </p:blipFill>
-        <p:spPr>
-          <a:xfrm rot="5400000">
-            <a:off x="10194164" y="-1130509"/>
-            <a:ext cx="682562" cy="4351338"/>
-          </a:xfrm>
-          <a:prstGeom prst="rect">
-            <a:avLst/>
-          </a:prstGeom>
-        </p:spPr>
-      </p:pic>
-      <p:pic>
-        <p:nvPicPr>
-          <p:cNvPr id="3" name="Picture 2">
-            <a:extLst>
-              <a:ext uri="{FF2B5EF4-FFF2-40B4-BE49-F238E27FC236}">
-                <a16:creationId xmlns:a16="http://schemas.microsoft.com/office/drawing/2014/main" id="{1C836A23-F6EA-E644-B02D-F9C2649721B0}"/>
-              </a:ext>
-            </a:extLst>
-          </p:cNvPr>
-          <p:cNvPicPr>
-            <a:picLocks noChangeAspect="1"/>
-          </p:cNvPicPr>
-          <p:nvPr/>
-        </p:nvPicPr>
-        <p:blipFill>
-          <a:blip r:embed="rId5"/>
-          <a:stretch>
-            <a:fillRect/>
-          </a:stretch>
-        </p:blipFill>
-        <p:spPr>
-          <a:xfrm>
-            <a:off x="6330100" y="193850"/>
-            <a:ext cx="4762500" cy="3175000"/>
-          </a:xfrm>
-          <a:prstGeom prst="rect">
-            <a:avLst/>
-          </a:prstGeom>
-        </p:spPr>
-      </p:pic>
-      <p:pic>
-        <p:nvPicPr>
-          <p:cNvPr id="5" name="Picture 4">
-            <a:extLst>
-              <a:ext uri="{FF2B5EF4-FFF2-40B4-BE49-F238E27FC236}">
-                <a16:creationId xmlns:a16="http://schemas.microsoft.com/office/drawing/2014/main" id="{DED35832-D4F8-B94F-9431-E8A7F0007EB2}"/>
-              </a:ext>
-            </a:extLst>
-          </p:cNvPr>
-          <p:cNvPicPr>
-            <a:picLocks noChangeAspect="1"/>
-          </p:cNvPicPr>
-          <p:nvPr/>
-        </p:nvPicPr>
-        <p:blipFill>
-          <a:blip r:embed="rId6"/>
-          <a:stretch>
-            <a:fillRect/>
-          </a:stretch>
-        </p:blipFill>
-        <p:spPr>
-          <a:xfrm>
-            <a:off x="832050" y="173000"/>
-            <a:ext cx="4762500" cy="3175000"/>
           </a:xfrm>
           <a:prstGeom prst="rect">
             <a:avLst/>
@@ -5857,7 +5945,7 @@
     </p:spTree>
     <p:extLst>
       <p:ext uri="{BB962C8B-B14F-4D97-AF65-F5344CB8AC3E}">
-        <p14:creationId xmlns:p14="http://schemas.microsoft.com/office/powerpoint/2010/main" val="4099699027"/>
+        <p14:creationId xmlns:p14="http://schemas.microsoft.com/office/powerpoint/2010/main" val="4052448103"/>
       </p:ext>
     </p:extLst>
   </p:cSld>
@@ -5887,41 +5975,12 @@
           <a:chExt cx="0" cy="0"/>
         </a:xfrm>
       </p:grpSpPr>
-      <p:sp>
-        <p:nvSpPr>
-          <p:cNvPr id="4" name="Slide Number Placeholder 3">
-            <a:extLst>
-              <a:ext uri="{FF2B5EF4-FFF2-40B4-BE49-F238E27FC236}">
-                <a16:creationId xmlns:a16="http://schemas.microsoft.com/office/drawing/2014/main" id="{BCBFE378-F6E0-CC43-92DA-437DE6043516}"/>
-              </a:ext>
-            </a:extLst>
-          </p:cNvPr>
-          <p:cNvSpPr>
-            <a:spLocks noGrp="1"/>
-          </p:cNvSpPr>
-          <p:nvPr>
-            <p:ph type="sldNum" sz="quarter" idx="12"/>
-          </p:nvPr>
-        </p:nvSpPr>
-        <p:spPr/>
-        <p:txBody>
-          <a:bodyPr/>
-          <a:lstStyle/>
-          <a:p>
-            <a:fld id="{052702CF-B793-8841-9D68-A44C3863FEDD}" type="slidenum">
-              <a:rPr lang="en-US" smtClean="0"/>
-              <a:t>18</a:t>
-            </a:fld>
-            <a:endParaRPr lang="en-US"/>
-          </a:p>
-        </p:txBody>
-      </p:sp>
       <p:pic>
         <p:nvPicPr>
-          <p:cNvPr id="5" name="Picture 4">
-            <a:extLst>
-              <a:ext uri="{FF2B5EF4-FFF2-40B4-BE49-F238E27FC236}">
-                <a16:creationId xmlns:a16="http://schemas.microsoft.com/office/drawing/2014/main" id="{9B7E2DF6-0324-3E4E-8B9B-ADC70AF7BE90}"/>
+          <p:cNvPr id="2" name="Picture 1">
+            <a:extLst>
+              <a:ext uri="{FF2B5EF4-FFF2-40B4-BE49-F238E27FC236}">
+                <a16:creationId xmlns:a16="http://schemas.microsoft.com/office/drawing/2014/main" id="{B0D9EFFE-612C-0742-AC23-84668EDD7F01}"/>
               </a:ext>
             </a:extLst>
           </p:cNvPr>
@@ -5930,15 +5989,16 @@
           </p:cNvPicPr>
           <p:nvPr/>
         </p:nvPicPr>
-        <p:blipFill rotWithShape="1">
+        <p:blipFill>
           <a:blip r:embed="rId2"/>
-          <a:srcRect l="15412" r="8857"/>
-          <a:stretch/>
+          <a:stretch>
+            <a:fillRect/>
+          </a:stretch>
         </p:blipFill>
         <p:spPr>
           <a:xfrm>
-            <a:off x="3393778" y="1739900"/>
-            <a:ext cx="5229522" cy="4603626"/>
+            <a:off x="6330100" y="4076482"/>
+            <a:ext cx="3982300" cy="2654867"/>
           </a:xfrm>
           <a:prstGeom prst="rect">
             <a:avLst/>
@@ -5947,10 +6007,10 @@
       </p:pic>
       <p:pic>
         <p:nvPicPr>
-          <p:cNvPr id="6" name="Content Placeholder 4">
-            <a:extLst>
-              <a:ext uri="{FF2B5EF4-FFF2-40B4-BE49-F238E27FC236}">
-                <a16:creationId xmlns:a16="http://schemas.microsoft.com/office/drawing/2014/main" id="{A5B9B2C7-FE2A-6F47-9A5F-D498E0138430}"/>
+          <p:cNvPr id="4" name="Picture 3">
+            <a:extLst>
+              <a:ext uri="{FF2B5EF4-FFF2-40B4-BE49-F238E27FC236}">
+                <a16:creationId xmlns:a16="http://schemas.microsoft.com/office/drawing/2014/main" id="{3E60603C-51C9-4948-87D7-77379CB162B4}"/>
               </a:ext>
             </a:extLst>
           </p:cNvPr>
@@ -5966,21 +6026,50 @@
           </a:stretch>
         </p:blipFill>
         <p:spPr>
-          <a:xfrm rot="5400000">
-            <a:off x="1491488" y="-1135063"/>
-            <a:ext cx="682562" cy="4351338"/>
+          <a:xfrm>
+            <a:off x="1589925" y="4076482"/>
+            <a:ext cx="3982300" cy="2654867"/>
           </a:xfrm>
           <a:prstGeom prst="rect">
             <a:avLst/>
           </a:prstGeom>
         </p:spPr>
       </p:pic>
+      <p:sp>
+        <p:nvSpPr>
+          <p:cNvPr id="6" name="Slide Number Placeholder 5">
+            <a:extLst>
+              <a:ext uri="{FF2B5EF4-FFF2-40B4-BE49-F238E27FC236}">
+                <a16:creationId xmlns:a16="http://schemas.microsoft.com/office/drawing/2014/main" id="{26632AB1-2F28-6A42-92C3-AB2862884875}"/>
+              </a:ext>
+            </a:extLst>
+          </p:cNvPr>
+          <p:cNvSpPr>
+            <a:spLocks noGrp="1"/>
+          </p:cNvSpPr>
+          <p:nvPr>
+            <p:ph type="sldNum" sz="quarter" idx="12"/>
+          </p:nvPr>
+        </p:nvSpPr>
+        <p:spPr/>
+        <p:txBody>
+          <a:bodyPr/>
+          <a:lstStyle/>
+          <a:p>
+            <a:fld id="{052702CF-B793-8841-9D68-A44C3863FEDD}" type="slidenum">
+              <a:rPr lang="en-US" smtClean="0"/>
+              <a:t>18</a:t>
+            </a:fld>
+            <a:endParaRPr lang="en-US"/>
+          </a:p>
+        </p:txBody>
+      </p:sp>
       <p:pic>
         <p:nvPicPr>
-          <p:cNvPr id="7" name="Content Placeholder 4">
-            <a:extLst>
-              <a:ext uri="{FF2B5EF4-FFF2-40B4-BE49-F238E27FC236}">
-                <a16:creationId xmlns:a16="http://schemas.microsoft.com/office/drawing/2014/main" id="{B8C885D1-0DC6-EE47-9259-7623BC2F4BB4}"/>
+          <p:cNvPr id="3" name="Picture 2">
+            <a:extLst>
+              <a:ext uri="{FF2B5EF4-FFF2-40B4-BE49-F238E27FC236}">
+                <a16:creationId xmlns:a16="http://schemas.microsoft.com/office/drawing/2014/main" id="{1C836A23-F6EA-E644-B02D-F9C2649721B0}"/>
               </a:ext>
             </a:extLst>
           </p:cNvPr>
@@ -5990,15 +6079,15 @@
           <p:nvPr/>
         </p:nvPicPr>
         <p:blipFill>
-          <a:blip r:embed="rId3"/>
+          <a:blip r:embed="rId4"/>
           <a:stretch>
             <a:fillRect/>
           </a:stretch>
         </p:blipFill>
         <p:spPr>
-          <a:xfrm rot="5400000">
-            <a:off x="5842826" y="-1130511"/>
-            <a:ext cx="682562" cy="4351338"/>
+          <a:xfrm>
+            <a:off x="6330100" y="1421613"/>
+            <a:ext cx="3982300" cy="2654867"/>
           </a:xfrm>
           <a:prstGeom prst="rect">
             <a:avLst/>
@@ -6007,10 +6096,10 @@
       </p:pic>
       <p:pic>
         <p:nvPicPr>
-          <p:cNvPr id="8" name="Content Placeholder 4">
-            <a:extLst>
-              <a:ext uri="{FF2B5EF4-FFF2-40B4-BE49-F238E27FC236}">
-                <a16:creationId xmlns:a16="http://schemas.microsoft.com/office/drawing/2014/main" id="{87E4E365-ED7B-5148-A197-A0AF5AB3B770}"/>
+          <p:cNvPr id="5" name="Picture 4">
+            <a:extLst>
+              <a:ext uri="{FF2B5EF4-FFF2-40B4-BE49-F238E27FC236}">
+                <a16:creationId xmlns:a16="http://schemas.microsoft.com/office/drawing/2014/main" id="{DED35832-D4F8-B94F-9431-E8A7F0007EB2}"/>
               </a:ext>
             </a:extLst>
           </p:cNvPr>
@@ -6020,14 +6109,107 @@
           <p:nvPr/>
         </p:nvPicPr>
         <p:blipFill>
-          <a:blip r:embed="rId3"/>
+          <a:blip r:embed="rId5"/>
           <a:stretch>
             <a:fillRect/>
           </a:stretch>
         </p:blipFill>
         <p:spPr>
+          <a:xfrm>
+            <a:off x="1589925" y="1390991"/>
+            <a:ext cx="3982300" cy="2654867"/>
+          </a:xfrm>
+          <a:prstGeom prst="rect">
+            <a:avLst/>
+          </a:prstGeom>
+        </p:spPr>
+      </p:pic>
+      <p:sp>
+        <p:nvSpPr>
+          <p:cNvPr id="10" name="Title 1">
+            <a:extLst>
+              <a:ext uri="{FF2B5EF4-FFF2-40B4-BE49-F238E27FC236}">
+                <a16:creationId xmlns:a16="http://schemas.microsoft.com/office/drawing/2014/main" id="{E10CCC8F-E71F-3446-A266-2E82D40C6545}"/>
+              </a:ext>
+            </a:extLst>
+          </p:cNvPr>
+          <p:cNvSpPr>
+            <a:spLocks noGrp="1"/>
+          </p:cNvSpPr>
+          <p:nvPr>
+            <p:ph type="title"/>
+          </p:nvPr>
+        </p:nvSpPr>
+        <p:spPr>
+          <a:xfrm>
+            <a:off x="1676400" y="365125"/>
+            <a:ext cx="10515600" cy="1325563"/>
+          </a:xfrm>
+        </p:spPr>
+        <p:txBody>
+          <a:bodyPr/>
+          <a:lstStyle/>
+          <a:p>
+            <a:r>
+              <a:rPr lang="en-US" dirty="0"/>
+              <a:t>Other Confusion Matrices</a:t>
+            </a:r>
+          </a:p>
+        </p:txBody>
+      </p:sp>
+      <p:pic>
+        <p:nvPicPr>
+          <p:cNvPr id="11" name="Content Placeholder 4">
+            <a:extLst>
+              <a:ext uri="{FF2B5EF4-FFF2-40B4-BE49-F238E27FC236}">
+                <a16:creationId xmlns:a16="http://schemas.microsoft.com/office/drawing/2014/main" id="{4E654F05-9B65-8D42-B033-95449F1CF969}"/>
+              </a:ext>
+            </a:extLst>
+          </p:cNvPr>
+          <p:cNvPicPr>
+            <a:picLocks noChangeAspect="1"/>
+          </p:cNvPicPr>
+          <p:nvPr/>
+        </p:nvPicPr>
+        <p:blipFill>
+          <a:blip r:embed="rId6"/>
+          <a:stretch>
+            <a:fillRect/>
+          </a:stretch>
+        </p:blipFill>
+        <p:spPr>
           <a:xfrm rot="5400000">
-            <a:off x="10194164" y="-1130509"/>
+            <a:off x="-892770" y="-1147763"/>
+            <a:ext cx="682562" cy="4351338"/>
+          </a:xfrm>
+          <a:prstGeom prst="rect">
+            <a:avLst/>
+          </a:prstGeom>
+        </p:spPr>
+      </p:pic>
+      <p:pic>
+        <p:nvPicPr>
+          <p:cNvPr id="13" name="Content Placeholder 4">
+            <a:extLst>
+              <a:ext uri="{FF2B5EF4-FFF2-40B4-BE49-F238E27FC236}">
+                <a16:creationId xmlns:a16="http://schemas.microsoft.com/office/drawing/2014/main" id="{912B7F88-BAA5-F941-8094-8065835DA5FC}"/>
+              </a:ext>
+            </a:extLst>
+          </p:cNvPr>
+          <p:cNvPicPr>
+            <a:picLocks noChangeAspect="1"/>
+          </p:cNvPicPr>
+          <p:nvPr/>
+        </p:nvPicPr>
+        <p:blipFill>
+          <a:blip r:embed="rId6"/>
+          <a:stretch>
+            <a:fillRect/>
+          </a:stretch>
+        </p:blipFill>
+        <p:spPr>
+          <a:xfrm rot="5400000">
+            <a:off x="9673464" y="-1130509"/>
             <a:ext cx="682562" cy="4351338"/>
           </a:xfrm>
           <a:prstGeom prst="rect">
@@ -6038,7 +6220,7 @@
     </p:spTree>
     <p:extLst>
       <p:ext uri="{BB962C8B-B14F-4D97-AF65-F5344CB8AC3E}">
-        <p14:creationId xmlns:p14="http://schemas.microsoft.com/office/powerpoint/2010/main" val="748950635"/>
+        <p14:creationId xmlns:p14="http://schemas.microsoft.com/office/powerpoint/2010/main" val="4099699027"/>
       </p:ext>
     </p:extLst>
   </p:cSld>
@@ -6070,10 +6252,10 @@
       </p:grpSpPr>
       <p:sp>
         <p:nvSpPr>
-          <p:cNvPr id="2" name="Slide Number Placeholder 1">
-            <a:extLst>
-              <a:ext uri="{FF2B5EF4-FFF2-40B4-BE49-F238E27FC236}">
-                <a16:creationId xmlns:a16="http://schemas.microsoft.com/office/drawing/2014/main" id="{C44BCCFB-A21A-5747-93FB-B891B614DCD7}"/>
+          <p:cNvPr id="4" name="Slide Number Placeholder 3">
+            <a:extLst>
+              <a:ext uri="{FF2B5EF4-FFF2-40B4-BE49-F238E27FC236}">
+                <a16:creationId xmlns:a16="http://schemas.microsoft.com/office/drawing/2014/main" id="{BCBFE378-F6E0-CC43-92DA-437DE6043516}"/>
               </a:ext>
             </a:extLst>
           </p:cNvPr>
@@ -6097,134 +6279,78 @@
           </a:p>
         </p:txBody>
       </p:sp>
-      <p:sp>
-        <p:nvSpPr>
-          <p:cNvPr id="3" name="Rectangle 2">
-            <a:extLst>
-              <a:ext uri="{FF2B5EF4-FFF2-40B4-BE49-F238E27FC236}">
-                <a16:creationId xmlns:a16="http://schemas.microsoft.com/office/drawing/2014/main" id="{4C5E6266-E115-4746-AE95-6A7A72565CEE}"/>
-              </a:ext>
-            </a:extLst>
-          </p:cNvPr>
-          <p:cNvSpPr/>
+      <p:pic>
+        <p:nvPicPr>
+          <p:cNvPr id="5" name="Picture 4">
+            <a:extLst>
+              <a:ext uri="{FF2B5EF4-FFF2-40B4-BE49-F238E27FC236}">
+                <a16:creationId xmlns:a16="http://schemas.microsoft.com/office/drawing/2014/main" id="{9B7E2DF6-0324-3E4E-8B9B-ADC70AF7BE90}"/>
+              </a:ext>
+            </a:extLst>
+          </p:cNvPr>
+          <p:cNvPicPr>
+            <a:picLocks noChangeAspect="1"/>
+          </p:cNvPicPr>
           <p:nvPr/>
-        </p:nvSpPr>
+        </p:nvPicPr>
+        <p:blipFill rotWithShape="1">
+          <a:blip r:embed="rId2"/>
+          <a:srcRect l="15412" r="8857"/>
+          <a:stretch/>
+        </p:blipFill>
         <p:spPr>
           <a:xfrm>
-            <a:off x="3352800" y="1930906"/>
-            <a:ext cx="6096000" cy="3785652"/>
+            <a:off x="3393778" y="1739900"/>
+            <a:ext cx="5229522" cy="4603626"/>
           </a:xfrm>
           <a:prstGeom prst="rect">
             <a:avLst/>
           </a:prstGeom>
         </p:spPr>
-        <p:txBody>
-          <a:bodyPr>
-            <a:spAutoFit/>
-          </a:bodyPr>
-          <a:lstStyle/>
-          <a:p>
-            <a:pPr marL="285750" indent="-285750">
-              <a:buFont typeface="Arial" panose="020B0604020202020204" pitchFamily="34" charset="0"/>
-              <a:buChar char="•"/>
-            </a:pPr>
-            <a:r>
-              <a:rPr lang="en-US" sz="2400" dirty="0"/>
-              <a:t>Categorical features</a:t>
-            </a:r>
-          </a:p>
-          <a:p>
-            <a:pPr marL="742950" lvl="1" indent="-285750">
-              <a:buFont typeface="Arial" panose="020B0604020202020204" pitchFamily="34" charset="0"/>
-              <a:buChar char="•"/>
-            </a:pPr>
-            <a:r>
-              <a:rPr lang="en-US" sz="2400" dirty="0"/>
-              <a:t>SYMBOL – Name of the gene</a:t>
-            </a:r>
-          </a:p>
-          <a:p>
-            <a:pPr marL="742950" lvl="1" indent="-285750">
-              <a:buFont typeface="Arial" panose="020B0604020202020204" pitchFamily="34" charset="0"/>
-              <a:buChar char="•"/>
-            </a:pPr>
-            <a:r>
-              <a:rPr lang="en-US" sz="2400" dirty="0"/>
-              <a:t>CLNVC – Variant type</a:t>
-            </a:r>
-          </a:p>
-          <a:p>
-            <a:pPr marL="742950" lvl="1" indent="-285750">
-              <a:buFont typeface="Arial" panose="020B0604020202020204" pitchFamily="34" charset="0"/>
-              <a:buChar char="•"/>
-            </a:pPr>
-            <a:r>
-              <a:rPr lang="en-US" sz="2400" dirty="0"/>
-              <a:t>IMPACT – Impact of the variant</a:t>
-            </a:r>
-          </a:p>
-          <a:p>
-            <a:pPr marL="285750" indent="-285750">
-              <a:buFont typeface="Arial" panose="020B0604020202020204" pitchFamily="34" charset="0"/>
-              <a:buChar char="•"/>
-            </a:pPr>
-            <a:r>
-              <a:rPr lang="en-US" sz="2400" dirty="0"/>
-              <a:t>Numeric features </a:t>
-            </a:r>
-          </a:p>
-          <a:p>
-            <a:pPr marL="742950" lvl="1" indent="-285750">
-              <a:buFont typeface="Arial" panose="020B0604020202020204" pitchFamily="34" charset="0"/>
-              <a:buChar char="•"/>
-            </a:pPr>
-            <a:r>
-              <a:rPr lang="en-US" sz="2400" dirty="0"/>
-              <a:t>AF_TGP – Frequency of allele</a:t>
-            </a:r>
-          </a:p>
-          <a:p>
-            <a:pPr marL="742950" lvl="1" indent="-285750">
-              <a:buFont typeface="Arial" panose="020B0604020202020204" pitchFamily="34" charset="0"/>
-              <a:buChar char="•"/>
-            </a:pPr>
-            <a:r>
-              <a:rPr lang="en-US" sz="2400" dirty="0"/>
-              <a:t>CADD_PHRED – ‘Deleteriousness’ score</a:t>
-            </a:r>
-          </a:p>
-          <a:p>
-            <a:pPr marL="742950" lvl="1" indent="-285750">
-              <a:buFont typeface="Arial" panose="020B0604020202020204" pitchFamily="34" charset="0"/>
-              <a:buChar char="•"/>
-            </a:pPr>
-            <a:r>
-              <a:rPr lang="en-US" sz="2400" dirty="0" err="1"/>
-              <a:t>LoFtool</a:t>
-            </a:r>
-            <a:r>
-              <a:rPr lang="en-US" sz="2400" dirty="0"/>
-              <a:t> – Loss of function score</a:t>
-            </a:r>
-          </a:p>
-          <a:p>
-            <a:pPr marL="742950" lvl="1" indent="-285750">
-              <a:buFont typeface="Arial" panose="020B0604020202020204" pitchFamily="34" charset="0"/>
-              <a:buChar char="•"/>
-            </a:pPr>
-            <a:r>
-              <a:rPr lang="en-US" sz="2400" dirty="0"/>
-              <a:t>Strand – Forward or backward DNA strand</a:t>
+      </p:pic>
+      <p:sp>
+        <p:nvSpPr>
+          <p:cNvPr id="9" name="Title 1">
+            <a:extLst>
+              <a:ext uri="{FF2B5EF4-FFF2-40B4-BE49-F238E27FC236}">
+                <a16:creationId xmlns:a16="http://schemas.microsoft.com/office/drawing/2014/main" id="{5DB82002-2765-3A40-A575-0DDFF8764B76}"/>
+              </a:ext>
+            </a:extLst>
+          </p:cNvPr>
+          <p:cNvSpPr>
+            <a:spLocks noGrp="1"/>
+          </p:cNvSpPr>
+          <p:nvPr>
+            <p:ph type="title"/>
+          </p:nvPr>
+        </p:nvSpPr>
+        <p:spPr>
+          <a:xfrm>
+            <a:off x="1676400" y="365125"/>
+            <a:ext cx="10515600" cy="1325563"/>
+          </a:xfrm>
+        </p:spPr>
+        <p:txBody>
+          <a:bodyPr/>
+          <a:lstStyle/>
+          <a:p>
+            <a:r>
+              <a:rPr lang="en-US" dirty="0" err="1"/>
+              <a:t>RandomForest</a:t>
+            </a:r>
+            <a:r>
+              <a:rPr lang="en-US" dirty="0"/>
+              <a:t> Train Confusion Matrix</a:t>
             </a:r>
           </a:p>
         </p:txBody>
       </p:sp>
       <p:pic>
         <p:nvPicPr>
-          <p:cNvPr id="4" name="Content Placeholder 4">
-            <a:extLst>
-              <a:ext uri="{FF2B5EF4-FFF2-40B4-BE49-F238E27FC236}">
-                <a16:creationId xmlns:a16="http://schemas.microsoft.com/office/drawing/2014/main" id="{E2B526C6-A231-5A47-A009-5425BF04A671}"/>
+          <p:cNvPr id="10" name="Content Placeholder 4">
+            <a:extLst>
+              <a:ext uri="{FF2B5EF4-FFF2-40B4-BE49-F238E27FC236}">
+                <a16:creationId xmlns:a16="http://schemas.microsoft.com/office/drawing/2014/main" id="{1E45EDFD-EB92-F645-B853-0DFFD6DC73F3}"/>
               </a:ext>
             </a:extLst>
           </p:cNvPr>
@@ -6234,14 +6360,14 @@
           <p:nvPr/>
         </p:nvPicPr>
         <p:blipFill>
-          <a:blip r:embed="rId2"/>
+          <a:blip r:embed="rId3"/>
           <a:stretch>
             <a:fillRect/>
           </a:stretch>
         </p:blipFill>
         <p:spPr>
           <a:xfrm rot="5400000">
-            <a:off x="1491488" y="-1135063"/>
+            <a:off x="-892770" y="-1147763"/>
             <a:ext cx="682562" cy="4351338"/>
           </a:xfrm>
           <a:prstGeom prst="rect">
@@ -6251,10 +6377,10 @@
       </p:pic>
       <p:pic>
         <p:nvPicPr>
-          <p:cNvPr id="5" name="Content Placeholder 4">
-            <a:extLst>
-              <a:ext uri="{FF2B5EF4-FFF2-40B4-BE49-F238E27FC236}">
-                <a16:creationId xmlns:a16="http://schemas.microsoft.com/office/drawing/2014/main" id="{F64249EA-8DD2-A840-9037-C240592E0491}"/>
+          <p:cNvPr id="12" name="Content Placeholder 4">
+            <a:extLst>
+              <a:ext uri="{FF2B5EF4-FFF2-40B4-BE49-F238E27FC236}">
+                <a16:creationId xmlns:a16="http://schemas.microsoft.com/office/drawing/2014/main" id="{72A98B9F-7D56-F74A-8852-5A5243C49976}"/>
               </a:ext>
             </a:extLst>
           </p:cNvPr>
@@ -6264,44 +6390,14 @@
           <p:nvPr/>
         </p:nvPicPr>
         <p:blipFill>
-          <a:blip r:embed="rId2"/>
+          <a:blip r:embed="rId3"/>
           <a:stretch>
             <a:fillRect/>
           </a:stretch>
         </p:blipFill>
         <p:spPr>
           <a:xfrm rot="5400000">
-            <a:off x="5842826" y="-1130511"/>
-            <a:ext cx="682562" cy="4351338"/>
-          </a:xfrm>
-          <a:prstGeom prst="rect">
-            <a:avLst/>
-          </a:prstGeom>
-        </p:spPr>
-      </p:pic>
-      <p:pic>
-        <p:nvPicPr>
-          <p:cNvPr id="6" name="Content Placeholder 4">
-            <a:extLst>
-              <a:ext uri="{FF2B5EF4-FFF2-40B4-BE49-F238E27FC236}">
-                <a16:creationId xmlns:a16="http://schemas.microsoft.com/office/drawing/2014/main" id="{B91A4A8E-0461-194F-92E5-973C01585156}"/>
-              </a:ext>
-            </a:extLst>
-          </p:cNvPr>
-          <p:cNvPicPr>
-            <a:picLocks noChangeAspect="1"/>
-          </p:cNvPicPr>
-          <p:nvPr/>
-        </p:nvPicPr>
-        <p:blipFill>
-          <a:blip r:embed="rId2"/>
-          <a:stretch>
-            <a:fillRect/>
-          </a:stretch>
-        </p:blipFill>
-        <p:spPr>
-          <a:xfrm rot="5400000">
-            <a:off x="10194164" y="-1130509"/>
+            <a:off x="12137264" y="-1130509"/>
             <a:ext cx="682562" cy="4351338"/>
           </a:xfrm>
           <a:prstGeom prst="rect">
@@ -6312,7 +6408,7 @@
     </p:spTree>
     <p:extLst>
       <p:ext uri="{BB962C8B-B14F-4D97-AF65-F5344CB8AC3E}">
-        <p14:creationId xmlns:p14="http://schemas.microsoft.com/office/powerpoint/2010/main" val="1849644182"/>
+        <p14:creationId xmlns:p14="http://schemas.microsoft.com/office/powerpoint/2010/main" val="748950635"/>
       </p:ext>
     </p:extLst>
   </p:cSld>
@@ -6370,7 +6466,7 @@
           <a:p>
             <a:r>
               <a:rPr lang="en-US" dirty="0"/>
-              <a:t>DNA Primer</a:t>
+              <a:t>Gene Variant Primer</a:t>
             </a:r>
           </a:p>
         </p:txBody>
@@ -6426,7 +6522,7 @@
         </p:blipFill>
         <p:spPr>
           <a:xfrm rot="5400000">
-            <a:off x="6338126" y="-1130511"/>
+            <a:off x="8154226" y="-1130511"/>
             <a:ext cx="682562" cy="4351338"/>
           </a:xfrm>
           <a:prstGeom prst="rect">
@@ -6456,7 +6552,7 @@
         </p:blipFill>
         <p:spPr>
           <a:xfrm rot="5400000">
-            <a:off x="10689464" y="-1130509"/>
+            <a:off x="12505564" y="-1130509"/>
             <a:ext cx="682562" cy="4351338"/>
           </a:xfrm>
           <a:prstGeom prst="rect">
@@ -6527,7 +6623,7 @@
             </a:pPr>
             <a:r>
               <a:rPr lang="en-US" sz="2800" dirty="0"/>
-              <a:t>We all have DNA and genes </a:t>
+              <a:t>We all have genes, some of which are variants</a:t>
             </a:r>
           </a:p>
           <a:p>
@@ -6535,10 +6631,7 @@
               <a:buFont typeface="Arial" panose="020B0604020202020204" pitchFamily="34" charset="0"/>
               <a:buChar char="•"/>
             </a:pPr>
-            <a:r>
-              <a:rPr lang="en-US" sz="2800" dirty="0"/>
-              <a:t>Some of those genes are variants </a:t>
-            </a:r>
+            <a:endParaRPr lang="en-US" sz="2800" dirty="0"/>
           </a:p>
           <a:p>
             <a:pPr marL="285750" indent="-285750">
@@ -6555,7 +6648,7 @@
             </a:r>
             <a:r>
               <a:rPr lang="en-US" sz="2800" dirty="0"/>
-              <a:t> SNP) or rare (mutations)</a:t>
+              <a:t> SNP) or rare</a:t>
             </a:r>
           </a:p>
           <a:p>
@@ -6563,9 +6656,16 @@
               <a:buFont typeface="Arial" panose="020B0604020202020204" pitchFamily="34" charset="0"/>
               <a:buChar char="•"/>
             </a:pPr>
+            <a:endParaRPr lang="en-US" sz="2800" dirty="0"/>
+          </a:p>
+          <a:p>
+            <a:pPr marL="285750" indent="-285750">
+              <a:buFont typeface="Arial" panose="020B0604020202020204" pitchFamily="34" charset="0"/>
+              <a:buChar char="•"/>
+            </a:pPr>
             <a:r>
               <a:rPr lang="en-US" sz="2800" dirty="0"/>
-              <a:t>Variants might have little to no effect, or a negative effect (sometimes but far less often a positive effect)</a:t>
+              <a:t>Variants might have little to no effect, or a negative effect – these can be related to various diseases</a:t>
             </a:r>
           </a:p>
           <a:p>
@@ -6611,6 +6711,313 @@
     <p:extLst>
       <p:ext uri="{BB962C8B-B14F-4D97-AF65-F5344CB8AC3E}">
         <p14:creationId xmlns:p14="http://schemas.microsoft.com/office/powerpoint/2010/main" val="2667249955"/>
+      </p:ext>
+    </p:extLst>
+  </p:cSld>
+  <p:clrMapOvr>
+    <a:masterClrMapping/>
+  </p:clrMapOvr>
+  <p:transition spd="slow">
+    <p:push/>
+  </p:transition>
+</p:sld>
+</file>
+
+<file path=ppt/slides/slide20.xml><?xml version="1.0" encoding="utf-8"?>
+<p:sld xmlns:a="http://schemas.openxmlformats.org/drawingml/2006/main" xmlns:r="http://schemas.openxmlformats.org/officeDocument/2006/relationships" xmlns:p="http://schemas.openxmlformats.org/presentationml/2006/main">
+  <p:cSld>
+    <p:spTree>
+      <p:nvGrpSpPr>
+        <p:cNvPr id="1" name=""/>
+        <p:cNvGrpSpPr/>
+        <p:nvPr/>
+      </p:nvGrpSpPr>
+      <p:grpSpPr>
+        <a:xfrm>
+          <a:off x="0" y="0"/>
+          <a:ext cx="0" cy="0"/>
+          <a:chOff x="0" y="0"/>
+          <a:chExt cx="0" cy="0"/>
+        </a:xfrm>
+      </p:grpSpPr>
+      <p:sp>
+        <p:nvSpPr>
+          <p:cNvPr id="2" name="Slide Number Placeholder 1">
+            <a:extLst>
+              <a:ext uri="{FF2B5EF4-FFF2-40B4-BE49-F238E27FC236}">
+                <a16:creationId xmlns:a16="http://schemas.microsoft.com/office/drawing/2014/main" id="{C44BCCFB-A21A-5747-93FB-B891B614DCD7}"/>
+              </a:ext>
+            </a:extLst>
+          </p:cNvPr>
+          <p:cNvSpPr>
+            <a:spLocks noGrp="1"/>
+          </p:cNvSpPr>
+          <p:nvPr>
+            <p:ph type="sldNum" sz="quarter" idx="12"/>
+          </p:nvPr>
+        </p:nvSpPr>
+        <p:spPr/>
+        <p:txBody>
+          <a:bodyPr/>
+          <a:lstStyle/>
+          <a:p>
+            <a:fld id="{052702CF-B793-8841-9D68-A44C3863FEDD}" type="slidenum">
+              <a:rPr lang="en-US" smtClean="0"/>
+              <a:t>20</a:t>
+            </a:fld>
+            <a:endParaRPr lang="en-US"/>
+          </a:p>
+        </p:txBody>
+      </p:sp>
+      <p:sp>
+        <p:nvSpPr>
+          <p:cNvPr id="3" name="Rectangle 2">
+            <a:extLst>
+              <a:ext uri="{FF2B5EF4-FFF2-40B4-BE49-F238E27FC236}">
+                <a16:creationId xmlns:a16="http://schemas.microsoft.com/office/drawing/2014/main" id="{4C5E6266-E115-4746-AE95-6A7A72565CEE}"/>
+              </a:ext>
+            </a:extLst>
+          </p:cNvPr>
+          <p:cNvSpPr/>
+          <p:nvPr/>
+        </p:nvSpPr>
+        <p:spPr>
+          <a:xfrm>
+            <a:off x="3352800" y="1930906"/>
+            <a:ext cx="6096000" cy="3785652"/>
+          </a:xfrm>
+          <a:prstGeom prst="rect">
+            <a:avLst/>
+          </a:prstGeom>
+        </p:spPr>
+        <p:txBody>
+          <a:bodyPr>
+            <a:spAutoFit/>
+          </a:bodyPr>
+          <a:lstStyle/>
+          <a:p>
+            <a:pPr marL="285750" indent="-285750">
+              <a:buFont typeface="Arial" panose="020B0604020202020204" pitchFamily="34" charset="0"/>
+              <a:buChar char="•"/>
+            </a:pPr>
+            <a:r>
+              <a:rPr lang="en-US" sz="2400" dirty="0"/>
+              <a:t>Categorical features</a:t>
+            </a:r>
+          </a:p>
+          <a:p>
+            <a:pPr marL="742950" lvl="1" indent="-285750">
+              <a:buFont typeface="Arial" panose="020B0604020202020204" pitchFamily="34" charset="0"/>
+              <a:buChar char="•"/>
+            </a:pPr>
+            <a:r>
+              <a:rPr lang="en-US" sz="2400" dirty="0"/>
+              <a:t>SYMBOL – Name of the gene</a:t>
+            </a:r>
+          </a:p>
+          <a:p>
+            <a:pPr marL="742950" lvl="1" indent="-285750">
+              <a:buFont typeface="Arial" panose="020B0604020202020204" pitchFamily="34" charset="0"/>
+              <a:buChar char="•"/>
+            </a:pPr>
+            <a:r>
+              <a:rPr lang="en-US" sz="2400" dirty="0"/>
+              <a:t>CLNVC – Variant type</a:t>
+            </a:r>
+          </a:p>
+          <a:p>
+            <a:pPr marL="742950" lvl="1" indent="-285750">
+              <a:buFont typeface="Arial" panose="020B0604020202020204" pitchFamily="34" charset="0"/>
+              <a:buChar char="•"/>
+            </a:pPr>
+            <a:r>
+              <a:rPr lang="en-US" sz="2400" dirty="0"/>
+              <a:t>IMPACT – Impact of the variant</a:t>
+            </a:r>
+          </a:p>
+          <a:p>
+            <a:pPr marL="285750" indent="-285750">
+              <a:buFont typeface="Arial" panose="020B0604020202020204" pitchFamily="34" charset="0"/>
+              <a:buChar char="•"/>
+            </a:pPr>
+            <a:r>
+              <a:rPr lang="en-US" sz="2400" dirty="0"/>
+              <a:t>Numeric features </a:t>
+            </a:r>
+          </a:p>
+          <a:p>
+            <a:pPr marL="742950" lvl="1" indent="-285750">
+              <a:buFont typeface="Arial" panose="020B0604020202020204" pitchFamily="34" charset="0"/>
+              <a:buChar char="•"/>
+            </a:pPr>
+            <a:r>
+              <a:rPr lang="en-US" sz="2400" dirty="0"/>
+              <a:t>AF_TGP – Frequency of allele</a:t>
+            </a:r>
+          </a:p>
+          <a:p>
+            <a:pPr marL="742950" lvl="1" indent="-285750">
+              <a:buFont typeface="Arial" panose="020B0604020202020204" pitchFamily="34" charset="0"/>
+              <a:buChar char="•"/>
+            </a:pPr>
+            <a:r>
+              <a:rPr lang="en-US" sz="2400" dirty="0"/>
+              <a:t>CADD_PHRED – ‘Deleteriousness’ score</a:t>
+            </a:r>
+          </a:p>
+          <a:p>
+            <a:pPr marL="742950" lvl="1" indent="-285750">
+              <a:buFont typeface="Arial" panose="020B0604020202020204" pitchFamily="34" charset="0"/>
+              <a:buChar char="•"/>
+            </a:pPr>
+            <a:r>
+              <a:rPr lang="en-US" sz="2400" dirty="0" err="1"/>
+              <a:t>LoFtool</a:t>
+            </a:r>
+            <a:r>
+              <a:rPr lang="en-US" sz="2400" dirty="0"/>
+              <a:t> – Loss of function score</a:t>
+            </a:r>
+          </a:p>
+          <a:p>
+            <a:pPr marL="742950" lvl="1" indent="-285750">
+              <a:buFont typeface="Arial" panose="020B0604020202020204" pitchFamily="34" charset="0"/>
+              <a:buChar char="•"/>
+            </a:pPr>
+            <a:r>
+              <a:rPr lang="en-US" sz="2400" dirty="0"/>
+              <a:t>Strand – Forward or backward DNA strand</a:t>
+            </a:r>
+          </a:p>
+        </p:txBody>
+      </p:sp>
+      <p:sp>
+        <p:nvSpPr>
+          <p:cNvPr id="7" name="Title 1">
+            <a:extLst>
+              <a:ext uri="{FF2B5EF4-FFF2-40B4-BE49-F238E27FC236}">
+                <a16:creationId xmlns:a16="http://schemas.microsoft.com/office/drawing/2014/main" id="{23E5F4B7-985E-9641-B86C-3CE9FE94026A}"/>
+              </a:ext>
+            </a:extLst>
+          </p:cNvPr>
+          <p:cNvSpPr>
+            <a:spLocks noGrp="1"/>
+          </p:cNvSpPr>
+          <p:nvPr>
+            <p:ph type="title"/>
+          </p:nvPr>
+        </p:nvSpPr>
+        <p:spPr>
+          <a:xfrm>
+            <a:off x="1676400" y="365125"/>
+            <a:ext cx="10515600" cy="1325563"/>
+          </a:xfrm>
+        </p:spPr>
+        <p:txBody>
+          <a:bodyPr/>
+          <a:lstStyle/>
+          <a:p>
+            <a:r>
+              <a:rPr lang="en-US" dirty="0"/>
+              <a:t>Feature Descriptions</a:t>
+            </a:r>
+          </a:p>
+        </p:txBody>
+      </p:sp>
+      <p:pic>
+        <p:nvPicPr>
+          <p:cNvPr id="8" name="Content Placeholder 4">
+            <a:extLst>
+              <a:ext uri="{FF2B5EF4-FFF2-40B4-BE49-F238E27FC236}">
+                <a16:creationId xmlns:a16="http://schemas.microsoft.com/office/drawing/2014/main" id="{BD1EE5DE-5D4F-AD4B-9F57-9404F0FEA3B1}"/>
+              </a:ext>
+            </a:extLst>
+          </p:cNvPr>
+          <p:cNvPicPr>
+            <a:picLocks noChangeAspect="1"/>
+          </p:cNvPicPr>
+          <p:nvPr/>
+        </p:nvPicPr>
+        <p:blipFill>
+          <a:blip r:embed="rId2"/>
+          <a:stretch>
+            <a:fillRect/>
+          </a:stretch>
+        </p:blipFill>
+        <p:spPr>
+          <a:xfrm rot="5400000">
+            <a:off x="-892770" y="-1147763"/>
+            <a:ext cx="682562" cy="4351338"/>
+          </a:xfrm>
+          <a:prstGeom prst="rect">
+            <a:avLst/>
+          </a:prstGeom>
+        </p:spPr>
+      </p:pic>
+      <p:pic>
+        <p:nvPicPr>
+          <p:cNvPr id="9" name="Content Placeholder 4">
+            <a:extLst>
+              <a:ext uri="{FF2B5EF4-FFF2-40B4-BE49-F238E27FC236}">
+                <a16:creationId xmlns:a16="http://schemas.microsoft.com/office/drawing/2014/main" id="{A177D1B8-4962-7349-8CD3-BF19EBE850A6}"/>
+              </a:ext>
+            </a:extLst>
+          </p:cNvPr>
+          <p:cNvPicPr>
+            <a:picLocks noChangeAspect="1"/>
+          </p:cNvPicPr>
+          <p:nvPr/>
+        </p:nvPicPr>
+        <p:blipFill>
+          <a:blip r:embed="rId2"/>
+          <a:stretch>
+            <a:fillRect/>
+          </a:stretch>
+        </p:blipFill>
+        <p:spPr>
+          <a:xfrm rot="5400000">
+            <a:off x="8281226" y="-1130511"/>
+            <a:ext cx="682562" cy="4351338"/>
+          </a:xfrm>
+          <a:prstGeom prst="rect">
+            <a:avLst/>
+          </a:prstGeom>
+        </p:spPr>
+      </p:pic>
+      <p:pic>
+        <p:nvPicPr>
+          <p:cNvPr id="10" name="Content Placeholder 4">
+            <a:extLst>
+              <a:ext uri="{FF2B5EF4-FFF2-40B4-BE49-F238E27FC236}">
+                <a16:creationId xmlns:a16="http://schemas.microsoft.com/office/drawing/2014/main" id="{3B90A53F-DD93-954D-9B7E-C55C76CC3AF1}"/>
+              </a:ext>
+            </a:extLst>
+          </p:cNvPr>
+          <p:cNvPicPr>
+            <a:picLocks noChangeAspect="1"/>
+          </p:cNvPicPr>
+          <p:nvPr/>
+        </p:nvPicPr>
+        <p:blipFill>
+          <a:blip r:embed="rId2"/>
+          <a:stretch>
+            <a:fillRect/>
+          </a:stretch>
+        </p:blipFill>
+        <p:spPr>
+          <a:xfrm rot="5400000">
+            <a:off x="12632564" y="-1130509"/>
+            <a:ext cx="682562" cy="4351338"/>
+          </a:xfrm>
+          <a:prstGeom prst="rect">
+            <a:avLst/>
+          </a:prstGeom>
+        </p:spPr>
+      </p:pic>
+    </p:spTree>
+    <p:extLst>
+      <p:ext uri="{BB962C8B-B14F-4D97-AF65-F5344CB8AC3E}">
+        <p14:creationId xmlns:p14="http://schemas.microsoft.com/office/powerpoint/2010/main" val="1849644182"/>
       </p:ext>
     </p:extLst>
   </p:cSld>
@@ -6668,7 +7075,7 @@
           <a:p>
             <a:r>
               <a:rPr lang="en-US" dirty="0"/>
-              <a:t>Gene Classification</a:t>
+              <a:t>Variant Classification</a:t>
             </a:r>
           </a:p>
         </p:txBody>
@@ -6724,7 +7131,7 @@
         </p:blipFill>
         <p:spPr>
           <a:xfrm rot="5400000">
-            <a:off x="7849426" y="-1130511"/>
+            <a:off x="8293926" y="-1130511"/>
             <a:ext cx="682562" cy="4351338"/>
           </a:xfrm>
           <a:prstGeom prst="rect">
@@ -6754,7 +7161,7 @@
         </p:blipFill>
         <p:spPr>
           <a:xfrm rot="5400000">
-            <a:off x="12200764" y="-1130509"/>
+            <a:off x="12645264" y="-1130509"/>
             <a:ext cx="682562" cy="4351338"/>
           </a:xfrm>
           <a:prstGeom prst="rect">
@@ -7382,7 +7789,7 @@
         <p:spPr>
           <a:xfrm>
             <a:off x="558800" y="1905000"/>
-            <a:ext cx="10795000" cy="3108543"/>
+            <a:ext cx="10795000" cy="3539430"/>
           </a:xfrm>
           <a:prstGeom prst="rect">
             <a:avLst/>
@@ -7451,7 +7858,7 @@
             </a:r>
             <a:r>
               <a:rPr lang="en-US" sz="2800" dirty="0"/>
-              <a:t> can better respond to lab results for </a:t>
+              <a:t> can better plan </a:t>
             </a:r>
             <a:r>
               <a:rPr lang="en-US" sz="2800" dirty="0">
@@ -7463,7 +7870,7 @@
             </a:r>
             <a:r>
               <a:rPr lang="en-US" sz="2800" dirty="0"/>
-              <a:t> treatment</a:t>
+              <a:t> treatment and respond to lab results</a:t>
             </a:r>
           </a:p>
         </p:txBody>
@@ -7707,12 +8114,11 @@
             </a:r>
             <a:r>
               <a:rPr lang="en-US" sz="2400" dirty="0"/>
-              <a:t> – public archive of gene reports</a:t>
-            </a:r>
-            <a:endParaRPr lang="en-US" sz="2400" b="1" dirty="0"/>
-          </a:p>
-          <a:p>
-            <a:pPr marL="285750" indent="-285750">
+              <a:t> – public archive of genetic data</a:t>
+            </a:r>
+          </a:p>
+          <a:p>
+            <a:pPr marL="742950" lvl="1" indent="-285750">
               <a:buFont typeface="Arial" panose="020B0604020202020204" pitchFamily="34" charset="0"/>
               <a:buChar char="•"/>
             </a:pPr>
@@ -7792,7 +8198,7 @@
             </a:pPr>
             <a:r>
               <a:rPr lang="en-US" sz="2400" dirty="0"/>
-              <a:t>Categorical: Name of the gene, variant type, impact of the variant</a:t>
+              <a:t>Categorical: Name of the gene, variant type, ‘impact’ of the variant</a:t>
             </a:r>
           </a:p>
           <a:p>
@@ -8124,7 +8530,7 @@
             </a:pPr>
             <a:r>
               <a:rPr lang="en-US" sz="2800" dirty="0"/>
-              <a:t>Ultimately chose the </a:t>
+              <a:t>Ultimately chose </a:t>
             </a:r>
             <a:r>
               <a:rPr lang="en-US" sz="2800" dirty="0" err="1">
@@ -8247,7 +8653,7 @@
         <p:spPr>
           <a:xfrm>
             <a:off x="558800" y="1905000"/>
-            <a:ext cx="5207000" cy="3539430"/>
+            <a:ext cx="5207000" cy="3108543"/>
           </a:xfrm>
           <a:prstGeom prst="rect">
             <a:avLst/>
@@ -8266,7 +8672,7 @@
             </a:pPr>
             <a:r>
               <a:rPr lang="en-US" sz="2800" dirty="0"/>
-              <a:t>Optimized on recall without entirely sacrificing precision</a:t>
+              <a:t>Optimized on recall</a:t>
             </a:r>
           </a:p>
           <a:p>
@@ -8741,8 +9147,8 @@
         </p:nvSpPr>
         <p:spPr>
           <a:xfrm>
-            <a:off x="5442581" y="6149431"/>
-            <a:ext cx="6634445" cy="584775"/>
+            <a:off x="5235307" y="5908607"/>
+            <a:ext cx="6939919" cy="923330"/>
           </a:xfrm>
           <a:prstGeom prst="rect">
             <a:avLst/>
@@ -8750,20 +9156,32 @@
           <a:noFill/>
         </p:spPr>
         <p:txBody>
-          <a:bodyPr wrap="none" rtlCol="0">
+          <a:bodyPr wrap="square" rtlCol="0">
             <a:spAutoFit/>
           </a:bodyPr>
           <a:lstStyle/>
           <a:p>
-            <a:r>
-              <a:rPr lang="en-US" sz="3200" dirty="0">
+            <a:pPr algn="ctr"/>
+            <a:r>
+              <a:rPr lang="en-US" dirty="0">
                 <a:solidFill>
                   <a:srgbClr val="EC435D"/>
                 </a:solidFill>
               </a:rPr>
-              <a:t>Most important feature: CADD_PHRED</a:t>
-            </a:r>
-            <a:endParaRPr lang="en-US" sz="3200" dirty="0">
+              <a:t>Variants which are more common or more damaging have been studied more and are more likely to be classified in a non-conflicting manner</a:t>
+            </a:r>
+          </a:p>
+          <a:p>
+            <a:pPr algn="ctr"/>
+            <a:r>
+              <a:rPr lang="en-US" dirty="0">
+                <a:solidFill>
+                  <a:srgbClr val="EC435D"/>
+                </a:solidFill>
+              </a:rPr>
+              <a:t>(and vice versa)</a:t>
+            </a:r>
+            <a:endParaRPr lang="en-US" dirty="0">
               <a:solidFill>
                 <a:srgbClr val="377A9B"/>
               </a:solidFill>
@@ -8886,83 +9304,6 @@
                 </a:solidFill>
               </a:rPr>
               <a:t>allele frequency</a:t>
-            </a:r>
-          </a:p>
-        </p:txBody>
-      </p:sp>
-      <p:cxnSp>
-        <p:nvCxnSpPr>
-          <p:cNvPr id="19" name="Straight Arrow Connector 18">
-            <a:extLst>
-              <a:ext uri="{FF2B5EF4-FFF2-40B4-BE49-F238E27FC236}">
-                <a16:creationId xmlns:a16="http://schemas.microsoft.com/office/drawing/2014/main" id="{9734D64F-532F-8C4D-B3A0-96CF472E3AD9}"/>
-              </a:ext>
-            </a:extLst>
-          </p:cNvPr>
-          <p:cNvCxnSpPr/>
-          <p:nvPr/>
-        </p:nvCxnSpPr>
-        <p:spPr>
-          <a:xfrm flipH="1">
-            <a:off x="7687478" y="5080000"/>
-            <a:ext cx="715962" cy="0"/>
-          </a:xfrm>
-          <a:prstGeom prst="straightConnector1">
-            <a:avLst/>
-          </a:prstGeom>
-          <a:ln w="28575">
-            <a:solidFill>
-              <a:srgbClr val="EC435D"/>
-            </a:solidFill>
-            <a:tailEnd type="triangle"/>
-          </a:ln>
-        </p:spPr>
-        <p:style>
-          <a:lnRef idx="1">
-            <a:schemeClr val="accent1"/>
-          </a:lnRef>
-          <a:fillRef idx="0">
-            <a:schemeClr val="accent1"/>
-          </a:fillRef>
-          <a:effectRef idx="0">
-            <a:schemeClr val="accent1"/>
-          </a:effectRef>
-          <a:fontRef idx="minor">
-            <a:schemeClr val="tx1"/>
-          </a:fontRef>
-        </p:style>
-      </p:cxnSp>
-      <p:sp>
-        <p:nvSpPr>
-          <p:cNvPr id="20" name="TextBox 19">
-            <a:extLst>
-              <a:ext uri="{FF2B5EF4-FFF2-40B4-BE49-F238E27FC236}">
-                <a16:creationId xmlns:a16="http://schemas.microsoft.com/office/drawing/2014/main" id="{48D19391-903A-5040-8FF8-DCCE540D5E58}"/>
-              </a:ext>
-            </a:extLst>
-          </p:cNvPr>
-          <p:cNvSpPr txBox="1"/>
-          <p:nvPr/>
-        </p:nvSpPr>
-        <p:spPr>
-          <a:xfrm>
-            <a:off x="8403440" y="4664501"/>
-            <a:ext cx="2488090" cy="830997"/>
-          </a:xfrm>
-          <a:prstGeom prst="rect">
-            <a:avLst/>
-          </a:prstGeom>
-          <a:noFill/>
-        </p:spPr>
-        <p:txBody>
-          <a:bodyPr wrap="square" rtlCol="0">
-            <a:spAutoFit/>
-          </a:bodyPr>
-          <a:lstStyle/>
-          <a:p>
-            <a:r>
-              <a:rPr lang="en-US" sz="1600" dirty="0"/>
-              <a:t>Some specific genes more likely to be classified in a conflicting manner or not</a:t>
             </a:r>
           </a:p>
         </p:txBody>
